--- a/Photo_Gallery_Презентація.pptx
+++ b/Photo_Gallery_Презентація.pptx
@@ -19,6 +19,9 @@
     <p:sldId id="267" r:id="rId18"/>
     <p:sldId id="268" r:id="rId19"/>
     <p:sldId id="269" r:id="rId20"/>
+    <p:sldId id="270" r:id="rId21"/>
+    <p:sldId id="271" r:id="rId22"/>
+    <p:sldId id="272" r:id="rId23"/>
   </p:sldIdLst>
   <p:sldSz cx="9144000" cy="6858000" type="screen4x3"/>
   <p:notesSz cx="6858000" cy="9144000"/>
@@ -3291,7 +3294,7 @@
         <p:spPr>
           <a:xfrm>
             <a:off x="457200" y="274320"/>
-            <a:ext cx="8229600" cy="731520"/>
+            <a:ext cx="8229600" cy="640080"/>
           </a:xfrm>
           <a:prstGeom prst="rect">
             <a:avLst/>
@@ -3305,28 +3308,316 @@
           <a:lstStyle/>
           <a:p>
             <a:pPr>
-              <a:defRPr sz="4000" b="1">
-                <a:solidFill>
-                  <a:srgbClr val="34495E"/>
-                </a:solidFill>
-              </a:defRPr>
-            </a:pPr>
-            <a:r>
-              <a:t>Обробка помилок</a:t>
-            </a:r>
-          </a:p>
-        </p:txBody>
-      </p:sp>
-      <p:sp>
-        <p:nvSpPr>
-          <p:cNvPr id="3" name="TextBox 2"/>
+              <a:defRPr sz="3600" b="1">
+                <a:solidFill>
+                  <a:srgbClr val="34495E"/>
+                </a:solidFill>
+              </a:defRPr>
+            </a:pPr>
+            <a:r>
+              <a:t>📱 Адаптивний дизайн</a:t>
+            </a:r>
+          </a:p>
+        </p:txBody>
+      </p:sp>
+      <p:sp>
+        <p:nvSpPr>
+          <p:cNvPr id="3" name="Rectangle 2"/>
+          <p:cNvSpPr/>
+          <p:nvPr/>
+        </p:nvSpPr>
+        <p:spPr>
+          <a:xfrm>
+            <a:off x="457200" y="1097280"/>
+            <a:ext cx="2743200" cy="3657600"/>
+          </a:xfrm>
+          <a:prstGeom prst="rect">
+            <a:avLst/>
+          </a:prstGeom>
+          <a:solidFill>
+            <a:srgbClr val="ECF0F1"/>
+          </a:solidFill>
+          <a:ln w="25400">
+            <a:solidFill>
+              <a:srgbClr val="34495E"/>
+            </a:solidFill>
+          </a:ln>
+        </p:spPr>
+        <p:style>
+          <a:lnRef idx="1">
+            <a:schemeClr val="accent1"/>
+          </a:lnRef>
+          <a:fillRef idx="3">
+            <a:schemeClr val="accent1"/>
+          </a:fillRef>
+          <a:effectRef idx="2">
+            <a:schemeClr val="accent1"/>
+          </a:effectRef>
+          <a:fontRef idx="minor">
+            <a:schemeClr val="lt1"/>
+          </a:fontRef>
+        </p:style>
+        <p:txBody>
+          <a:bodyPr rtlCol="0" anchor="ctr"/>
+          <a:lstStyle/>
+          <a:p>
+            <a:pPr algn="ctr">
+              <a:defRPr sz="1600">
+                <a:solidFill>
+                  <a:srgbClr val="34495E"/>
+                </a:solidFill>
+              </a:defRPr>
+            </a:pPr>
+            <a:r>
+              <a:t>📷</a:t>
+            </a:r>
+          </a:p>
+          <a:p>
+            <a:pPr algn="ctr">
+              <a:defRPr sz="1600">
+                <a:solidFill>
+                  <a:srgbClr val="34495E"/>
+                </a:solidFill>
+              </a:defRPr>
+            </a:pPr>
+          </a:p>
+          <a:p>
+            <a:pPr algn="ctr">
+              <a:defRPr sz="1600">
+                <a:solidFill>
+                  <a:srgbClr val="34495E"/>
+                </a:solidFill>
+              </a:defRPr>
+            </a:pPr>
+            <a:r>
+              <a:t>Desktop</a:t>
+            </a:r>
+          </a:p>
+          <a:p>
+            <a:pPr algn="ctr">
+              <a:defRPr sz="1600">
+                <a:solidFill>
+                  <a:srgbClr val="34495E"/>
+                </a:solidFill>
+              </a:defRPr>
+            </a:pPr>
+          </a:p>
+          <a:p>
+            <a:pPr algn="ctr">
+              <a:defRPr sz="1600">
+                <a:solidFill>
+                  <a:srgbClr val="34495E"/>
+                </a:solidFill>
+              </a:defRPr>
+            </a:pPr>
+            <a:r>
+              <a:t>3 колонки</a:t>
+            </a:r>
+          </a:p>
+        </p:txBody>
+      </p:sp>
+      <p:sp>
+        <p:nvSpPr>
+          <p:cNvPr id="4" name="Rectangle 3"/>
+          <p:cNvSpPr/>
+          <p:nvPr/>
+        </p:nvSpPr>
+        <p:spPr>
+          <a:xfrm>
+            <a:off x="3383280" y="1097280"/>
+            <a:ext cx="2743200" cy="3657600"/>
+          </a:xfrm>
+          <a:prstGeom prst="rect">
+            <a:avLst/>
+          </a:prstGeom>
+          <a:solidFill>
+            <a:srgbClr val="ECF0F1"/>
+          </a:solidFill>
+          <a:ln w="25400">
+            <a:solidFill>
+              <a:srgbClr val="34495E"/>
+            </a:solidFill>
+          </a:ln>
+        </p:spPr>
+        <p:style>
+          <a:lnRef idx="1">
+            <a:schemeClr val="accent1"/>
+          </a:lnRef>
+          <a:fillRef idx="3">
+            <a:schemeClr val="accent1"/>
+          </a:fillRef>
+          <a:effectRef idx="2">
+            <a:schemeClr val="accent1"/>
+          </a:effectRef>
+          <a:fontRef idx="minor">
+            <a:schemeClr val="lt1"/>
+          </a:fontRef>
+        </p:style>
+        <p:txBody>
+          <a:bodyPr rtlCol="0" anchor="ctr"/>
+          <a:lstStyle/>
+          <a:p>
+            <a:pPr algn="ctr">
+              <a:defRPr sz="1600">
+                <a:solidFill>
+                  <a:srgbClr val="34495E"/>
+                </a:solidFill>
+              </a:defRPr>
+            </a:pPr>
+            <a:r>
+              <a:t>📷</a:t>
+            </a:r>
+          </a:p>
+          <a:p>
+            <a:pPr algn="ctr">
+              <a:defRPr sz="1600">
+                <a:solidFill>
+                  <a:srgbClr val="34495E"/>
+                </a:solidFill>
+              </a:defRPr>
+            </a:pPr>
+          </a:p>
+          <a:p>
+            <a:pPr algn="ctr">
+              <a:defRPr sz="1600">
+                <a:solidFill>
+                  <a:srgbClr val="34495E"/>
+                </a:solidFill>
+              </a:defRPr>
+            </a:pPr>
+            <a:r>
+              <a:t>Tablet</a:t>
+            </a:r>
+          </a:p>
+          <a:p>
+            <a:pPr algn="ctr">
+              <a:defRPr sz="1600">
+                <a:solidFill>
+                  <a:srgbClr val="34495E"/>
+                </a:solidFill>
+              </a:defRPr>
+            </a:pPr>
+          </a:p>
+          <a:p>
+            <a:pPr algn="ctr">
+              <a:defRPr sz="1600">
+                <a:solidFill>
+                  <a:srgbClr val="34495E"/>
+                </a:solidFill>
+              </a:defRPr>
+            </a:pPr>
+            <a:r>
+              <a:t>2 колонки</a:t>
+            </a:r>
+          </a:p>
+        </p:txBody>
+      </p:sp>
+      <p:sp>
+        <p:nvSpPr>
+          <p:cNvPr id="5" name="Rectangle 4"/>
+          <p:cNvSpPr/>
+          <p:nvPr/>
+        </p:nvSpPr>
+        <p:spPr>
+          <a:xfrm>
+            <a:off x="6309360" y="1097280"/>
+            <a:ext cx="2743200" cy="3657600"/>
+          </a:xfrm>
+          <a:prstGeom prst="rect">
+            <a:avLst/>
+          </a:prstGeom>
+          <a:solidFill>
+            <a:srgbClr val="ECF0F1"/>
+          </a:solidFill>
+          <a:ln w="25400">
+            <a:solidFill>
+              <a:srgbClr val="34495E"/>
+            </a:solidFill>
+          </a:ln>
+        </p:spPr>
+        <p:style>
+          <a:lnRef idx="1">
+            <a:schemeClr val="accent1"/>
+          </a:lnRef>
+          <a:fillRef idx="3">
+            <a:schemeClr val="accent1"/>
+          </a:fillRef>
+          <a:effectRef idx="2">
+            <a:schemeClr val="accent1"/>
+          </a:effectRef>
+          <a:fontRef idx="minor">
+            <a:schemeClr val="lt1"/>
+          </a:fontRef>
+        </p:style>
+        <p:txBody>
+          <a:bodyPr rtlCol="0" anchor="ctr"/>
+          <a:lstStyle/>
+          <a:p>
+            <a:pPr algn="ctr">
+              <a:defRPr sz="1600">
+                <a:solidFill>
+                  <a:srgbClr val="34495E"/>
+                </a:solidFill>
+              </a:defRPr>
+            </a:pPr>
+            <a:r>
+              <a:t>📷</a:t>
+            </a:r>
+          </a:p>
+          <a:p>
+            <a:pPr algn="ctr">
+              <a:defRPr sz="1600">
+                <a:solidFill>
+                  <a:srgbClr val="34495E"/>
+                </a:solidFill>
+              </a:defRPr>
+            </a:pPr>
+          </a:p>
+          <a:p>
+            <a:pPr algn="ctr">
+              <a:defRPr sz="1600">
+                <a:solidFill>
+                  <a:srgbClr val="34495E"/>
+                </a:solidFill>
+              </a:defRPr>
+            </a:pPr>
+            <a:r>
+              <a:t>Mobile</a:t>
+            </a:r>
+          </a:p>
+          <a:p>
+            <a:pPr algn="ctr">
+              <a:defRPr sz="1600">
+                <a:solidFill>
+                  <a:srgbClr val="34495E"/>
+                </a:solidFill>
+              </a:defRPr>
+            </a:pPr>
+          </a:p>
+          <a:p>
+            <a:pPr algn="ctr">
+              <a:defRPr sz="1600">
+                <a:solidFill>
+                  <a:srgbClr val="34495E"/>
+                </a:solidFill>
+              </a:defRPr>
+            </a:pPr>
+            <a:r>
+              <a:t>1 колонка</a:t>
+            </a:r>
+          </a:p>
+        </p:txBody>
+      </p:sp>
+      <p:sp>
+        <p:nvSpPr>
+          <p:cNvPr id="6" name="TextBox 5"/>
           <p:cNvSpPr txBox="1"/>
           <p:nvPr/>
         </p:nvSpPr>
         <p:spPr>
           <a:xfrm>
-            <a:off x="731520" y="1371600"/>
-            <a:ext cx="7772400" cy="5029200"/>
+            <a:off x="640080" y="4937760"/>
+            <a:ext cx="7955279" cy="1645920"/>
           </a:xfrm>
           <a:prstGeom prst="rect">
             <a:avLst/>
@@ -3339,259 +3630,13 @@
           </a:bodyPr>
           <a:lstStyle/>
           <a:p>
-            <a:pPr>
-              <a:spcAft>
-                <a:spcPts val="1000"/>
-              </a:spcAft>
+            <a:pPr algn="ctr">
               <a:defRPr sz="1600">
                 <a:solidFill>
                   <a:srgbClr val="34495E"/>
                 </a:solidFill>
               </a:defRPr>
             </a:pPr>
-            <a:r>
-              <a:t>Реалізовано комплексну систему обробки помилок:</a:t>
-            </a:r>
-          </a:p>
-          <a:p>
-            <a:pPr>
-              <a:spcAft>
-                <a:spcPts val="1000"/>
-              </a:spcAft>
-              <a:defRPr sz="1600">
-                <a:solidFill>
-                  <a:srgbClr val="34495E"/>
-                </a:solidFill>
-              </a:defRPr>
-            </a:pPr>
-          </a:p>
-          <a:p>
-            <a:pPr>
-              <a:spcAft>
-                <a:spcPts val="1000"/>
-              </a:spcAft>
-              <a:defRPr sz="1600">
-                <a:solidFill>
-                  <a:srgbClr val="34495E"/>
-                </a:solidFill>
-              </a:defRPr>
-            </a:pPr>
-            <a:r>
-              <a:t>⚠️ Помилки API:</a:t>
-            </a:r>
-          </a:p>
-          <a:p>
-            <a:pPr>
-              <a:spcAft>
-                <a:spcPts val="1000"/>
-              </a:spcAft>
-              <a:defRPr sz="1600">
-                <a:solidFill>
-                  <a:srgbClr val="34495E"/>
-                </a:solidFill>
-              </a:defRPr>
-            </a:pPr>
-            <a:r>
-              <a:t>• 401 Unauthorized → "Невірний API ключ"</a:t>
-            </a:r>
-          </a:p>
-          <a:p>
-            <a:pPr>
-              <a:spcAft>
-                <a:spcPts val="1000"/>
-              </a:spcAft>
-              <a:defRPr sz="1600">
-                <a:solidFill>
-                  <a:srgbClr val="34495E"/>
-                </a:solidFill>
-              </a:defRPr>
-            </a:pPr>
-            <a:r>
-              <a:t>• 403 Forbidden → "Перевищено ліміт запитів"</a:t>
-            </a:r>
-          </a:p>
-          <a:p>
-            <a:pPr>
-              <a:spcAft>
-                <a:spcPts val="1000"/>
-              </a:spcAft>
-              <a:defRPr sz="1600">
-                <a:solidFill>
-                  <a:srgbClr val="34495E"/>
-                </a:solidFill>
-              </a:defRPr>
-            </a:pPr>
-            <a:r>
-              <a:t>• Інші коди → "Помилка API: {status}"</a:t>
-            </a:r>
-          </a:p>
-          <a:p>
-            <a:pPr>
-              <a:spcAft>
-                <a:spcPts val="1000"/>
-              </a:spcAft>
-              <a:defRPr sz="1600">
-                <a:solidFill>
-                  <a:srgbClr val="34495E"/>
-                </a:solidFill>
-              </a:defRPr>
-            </a:pPr>
-          </a:p>
-          <a:p>
-            <a:pPr>
-              <a:spcAft>
-                <a:spcPts val="1000"/>
-              </a:spcAft>
-              <a:defRPr sz="1600">
-                <a:solidFill>
-                  <a:srgbClr val="34495E"/>
-                </a:solidFill>
-              </a:defRPr>
-            </a:pPr>
-            <a:r>
-              <a:t>🌐 Помилки мережі:</a:t>
-            </a:r>
-          </a:p>
-          <a:p>
-            <a:pPr>
-              <a:spcAft>
-                <a:spcPts val="1000"/>
-              </a:spcAft>
-              <a:defRPr sz="1600">
-                <a:solidFill>
-                  <a:srgbClr val="34495E"/>
-                </a:solidFill>
-              </a:defRPr>
-            </a:pPr>
-            <a:r>
-              <a:t>• Відсутність з'єднання → "Помилка мережі"</a:t>
-            </a:r>
-          </a:p>
-          <a:p>
-            <a:pPr>
-              <a:spcAft>
-                <a:spcPts val="1000"/>
-              </a:spcAft>
-              <a:defRPr sz="1600">
-                <a:solidFill>
-                  <a:srgbClr val="34495E"/>
-                </a:solidFill>
-              </a:defRPr>
-            </a:pPr>
-            <a:r>
-              <a:t>• Timeout → "Час очікування вичерпано"</a:t>
-            </a:r>
-          </a:p>
-          <a:p>
-            <a:pPr>
-              <a:spcAft>
-                <a:spcPts val="1000"/>
-              </a:spcAft>
-              <a:defRPr sz="1600">
-                <a:solidFill>
-                  <a:srgbClr val="34495E"/>
-                </a:solidFill>
-              </a:defRPr>
-            </a:pPr>
-          </a:p>
-          <a:p>
-            <a:pPr>
-              <a:spcAft>
-                <a:spcPts val="1000"/>
-              </a:spcAft>
-              <a:defRPr sz="1600">
-                <a:solidFill>
-                  <a:srgbClr val="34495E"/>
-                </a:solidFill>
-              </a:defRPr>
-            </a:pPr>
-            <a:r>
-              <a:t>✏️ Помилки валідації:</a:t>
-            </a:r>
-          </a:p>
-          <a:p>
-            <a:pPr>
-              <a:spcAft>
-                <a:spcPts val="1000"/>
-              </a:spcAft>
-              <a:defRPr sz="1600">
-                <a:solidFill>
-                  <a:srgbClr val="34495E"/>
-                </a:solidFill>
-              </a:defRPr>
-            </a:pPr>
-            <a:r>
-              <a:t>• Порожній запит → "Введіть пошуковий запит"</a:t>
-            </a:r>
-          </a:p>
-          <a:p>
-            <a:pPr>
-              <a:spcAft>
-                <a:spcPts val="1000"/>
-              </a:spcAft>
-              <a:defRPr sz="1600">
-                <a:solidFill>
-                  <a:srgbClr val="34495E"/>
-                </a:solidFill>
-              </a:defRPr>
-            </a:pPr>
-          </a:p>
-          <a:p>
-            <a:pPr>
-              <a:spcAft>
-                <a:spcPts val="1000"/>
-              </a:spcAft>
-              <a:defRPr sz="1600">
-                <a:solidFill>
-                  <a:srgbClr val="34495E"/>
-                </a:solidFill>
-              </a:defRPr>
-            </a:pPr>
-            <a:r>
-              <a:t>💾 Помилки localStorage:</a:t>
-            </a:r>
-          </a:p>
-          <a:p>
-            <a:pPr>
-              <a:spcAft>
-                <a:spcPts val="1000"/>
-              </a:spcAft>
-              <a:defRPr sz="1600">
-                <a:solidFill>
-                  <a:srgbClr val="34495E"/>
-                </a:solidFill>
-              </a:defRPr>
-            </a:pPr>
-            <a:r>
-              <a:t>• Недоступний → "Не вдалося зберегти"</a:t>
-            </a:r>
-          </a:p>
-          <a:p>
-            <a:pPr>
-              <a:spcAft>
-                <a:spcPts val="1000"/>
-              </a:spcAft>
-              <a:defRPr sz="1600">
-                <a:solidFill>
-                  <a:srgbClr val="34495E"/>
-                </a:solidFill>
-              </a:defRPr>
-            </a:pPr>
-          </a:p>
-          <a:p>
-            <a:pPr>
-              <a:spcAft>
-                <a:spcPts val="1000"/>
-              </a:spcAft>
-              <a:defRPr sz="1600">
-                <a:solidFill>
-                  <a:srgbClr val="34495E"/>
-                </a:solidFill>
-              </a:defRPr>
-            </a:pPr>
-            <a:r>
-              <a:t>Всі помилки показуються через Bootstrap Alert</a:t>
-            </a:r>
           </a:p>
         </p:txBody>
       </p:sp>
@@ -3622,7 +3667,7 @@
         <p:spPr>
           <a:xfrm>
             <a:off x="457200" y="274320"/>
-            <a:ext cx="8229600" cy="731520"/>
+            <a:ext cx="8229600" cy="640080"/>
           </a:xfrm>
           <a:prstGeom prst="rect">
             <a:avLst/>
@@ -3636,28 +3681,127 @@
           <a:lstStyle/>
           <a:p>
             <a:pPr>
-              <a:defRPr sz="4000" b="1">
-                <a:solidFill>
-                  <a:srgbClr val="34495E"/>
-                </a:solidFill>
-              </a:defRPr>
-            </a:pPr>
-            <a:r>
-              <a:t>Результати та досягнення</a:t>
-            </a:r>
-          </a:p>
-        </p:txBody>
-      </p:sp>
-      <p:sp>
-        <p:nvSpPr>
-          <p:cNvPr id="3" name="TextBox 2"/>
+              <a:defRPr sz="3600" b="1">
+                <a:solidFill>
+                  <a:srgbClr val="34495E"/>
+                </a:solidFill>
+              </a:defRPr>
+            </a:pPr>
+            <a:r>
+              <a:t>⚠️ Обробка помилок</a:t>
+            </a:r>
+          </a:p>
+        </p:txBody>
+      </p:sp>
+      <p:sp>
+        <p:nvSpPr>
+          <p:cNvPr id="3" name="Rectangle 2"/>
+          <p:cNvSpPr/>
+          <p:nvPr/>
+        </p:nvSpPr>
+        <p:spPr>
+          <a:xfrm>
+            <a:off x="457200" y="1097280"/>
+            <a:ext cx="5029200" cy="2743200"/>
+          </a:xfrm>
+          <a:prstGeom prst="rect">
+            <a:avLst/>
+          </a:prstGeom>
+          <a:solidFill>
+            <a:srgbClr val="FFE6E6"/>
+          </a:solidFill>
+          <a:ln w="25400">
+            <a:solidFill>
+              <a:srgbClr val="C83232"/>
+            </a:solidFill>
+          </a:ln>
+        </p:spPr>
+        <p:style>
+          <a:lnRef idx="1">
+            <a:schemeClr val="accent1"/>
+          </a:lnRef>
+          <a:fillRef idx="3">
+            <a:schemeClr val="accent1"/>
+          </a:fillRef>
+          <a:effectRef idx="2">
+            <a:schemeClr val="accent1"/>
+          </a:effectRef>
+          <a:fontRef idx="minor">
+            <a:schemeClr val="lt1"/>
+          </a:fontRef>
+        </p:style>
+        <p:txBody>
+          <a:bodyPr rtlCol="0" anchor="ctr"/>
+          <a:lstStyle/>
+          <a:p>
+            <a:pPr algn="ctr">
+              <a:defRPr sz="1600">
+                <a:solidFill>
+                  <a:srgbClr val="B42828"/>
+                </a:solidFill>
+              </a:defRPr>
+            </a:pPr>
+            <a:r>
+              <a:t>📷 СКРІНШОТ:</a:t>
+            </a:r>
+          </a:p>
+          <a:p>
+            <a:pPr algn="ctr">
+              <a:defRPr sz="1600">
+                <a:solidFill>
+                  <a:srgbClr val="B42828"/>
+                </a:solidFill>
+              </a:defRPr>
+            </a:pPr>
+          </a:p>
+          <a:p>
+            <a:pPr algn="ctr">
+              <a:defRPr sz="1600">
+                <a:solidFill>
+                  <a:srgbClr val="B42828"/>
+                </a:solidFill>
+              </a:defRPr>
+            </a:pPr>
+            <a:r>
+              <a:t>Bootstrap Alert</a:t>
+            </a:r>
+          </a:p>
+          <a:p>
+            <a:pPr algn="ctr">
+              <a:defRPr sz="1600">
+                <a:solidFill>
+                  <a:srgbClr val="B42828"/>
+                </a:solidFill>
+              </a:defRPr>
+            </a:pPr>
+            <a:r>
+              <a:t>з повідомленням</a:t>
+            </a:r>
+          </a:p>
+          <a:p>
+            <a:pPr algn="ctr">
+              <a:defRPr sz="1600">
+                <a:solidFill>
+                  <a:srgbClr val="B42828"/>
+                </a:solidFill>
+              </a:defRPr>
+            </a:pPr>
+            <a:r>
+              <a:t>про помилку</a:t>
+            </a:r>
+          </a:p>
+        </p:txBody>
+      </p:sp>
+      <p:sp>
+        <p:nvSpPr>
+          <p:cNvPr id="4" name="TextBox 3"/>
           <p:cNvSpPr txBox="1"/>
           <p:nvPr/>
         </p:nvSpPr>
         <p:spPr>
           <a:xfrm>
-            <a:off x="731520" y="1371600"/>
-            <a:ext cx="7772400" cy="5029200"/>
+            <a:off x="5669280" y="1097280"/>
+            <a:ext cx="3200400" cy="5029200"/>
           </a:xfrm>
           <a:prstGeom prst="rect">
             <a:avLst/>
@@ -3672,232 +3816,256 @@
           <a:p>
             <a:pPr>
               <a:spcAft>
-                <a:spcPts val="1200"/>
-              </a:spcAft>
-              <a:defRPr sz="1800" b="1">
-                <a:solidFill>
-                  <a:srgbClr val="27AE60"/>
-                </a:solidFill>
-              </a:defRPr>
-            </a:pPr>
-            <a:r>
-              <a:t>✅ Повністю реалізовані всі 12+ тем практики</a:t>
-            </a:r>
-          </a:p>
-          <a:p>
-            <a:pPr>
-              <a:spcAft>
-                <a:spcPts val="1200"/>
-              </a:spcAft>
-              <a:defRPr sz="1800" b="1">
-                <a:solidFill>
-                  <a:srgbClr val="27AE60"/>
-                </a:solidFill>
-              </a:defRPr>
-            </a:pPr>
-          </a:p>
-          <a:p>
-            <a:pPr>
-              <a:spcAft>
-                <a:spcPts val="1200"/>
-              </a:spcAft>
-              <a:defRPr sz="1800" b="1">
-                <a:solidFill>
-                  <a:srgbClr val="27AE60"/>
-                </a:solidFill>
-              </a:defRPr>
-            </a:pPr>
-            <a:r>
-              <a:t>✅ Модульна архітектура з 8 окремих файлів</a:t>
-            </a:r>
-          </a:p>
-          <a:p>
-            <a:pPr>
-              <a:spcAft>
-                <a:spcPts val="1200"/>
-              </a:spcAft>
-              <a:defRPr sz="1800" b="1">
-                <a:solidFill>
-                  <a:srgbClr val="27AE60"/>
-                </a:solidFill>
-              </a:defRPr>
-            </a:pPr>
-          </a:p>
-          <a:p>
-            <a:pPr>
-              <a:spcAft>
-                <a:spcPts val="1200"/>
-              </a:spcAft>
-              <a:defRPr sz="1800" b="1">
-                <a:solidFill>
-                  <a:srgbClr val="27AE60"/>
-                </a:solidFill>
-              </a:defRPr>
-            </a:pPr>
-            <a:r>
-              <a:t>✅ Інтеграція з реальним API (Unsplash)</a:t>
-            </a:r>
-          </a:p>
-          <a:p>
-            <a:pPr>
-              <a:spcAft>
-                <a:spcPts val="1200"/>
-              </a:spcAft>
-              <a:defRPr sz="1800" b="1">
-                <a:solidFill>
-                  <a:srgbClr val="27AE60"/>
-                </a:solidFill>
-              </a:defRPr>
-            </a:pPr>
-          </a:p>
-          <a:p>
-            <a:pPr>
-              <a:spcAft>
-                <a:spcPts val="1200"/>
-              </a:spcAft>
-              <a:defRPr sz="1800" b="1">
-                <a:solidFill>
-                  <a:srgbClr val="27AE60"/>
-                </a:solidFill>
-              </a:defRPr>
-            </a:pPr>
-            <a:r>
-              <a:t>✅ Три різні режими завантаження даних</a:t>
-            </a:r>
-          </a:p>
-          <a:p>
-            <a:pPr>
-              <a:spcAft>
-                <a:spcPts val="1200"/>
-              </a:spcAft>
-              <a:defRPr sz="1800" b="1">
-                <a:solidFill>
-                  <a:srgbClr val="27AE60"/>
-                </a:solidFill>
-              </a:defRPr>
-            </a:pPr>
-          </a:p>
-          <a:p>
-            <a:pPr>
-              <a:spcAft>
-                <a:spcPts val="1200"/>
-              </a:spcAft>
-              <a:defRPr sz="1800" b="1">
-                <a:solidFill>
-                  <a:srgbClr val="27AE60"/>
-                </a:solidFill>
-              </a:defRPr>
-            </a:pPr>
-            <a:r>
-              <a:t>✅ Адаптивний дизайн для всіх пристроїв</a:t>
-            </a:r>
-          </a:p>
-          <a:p>
-            <a:pPr>
-              <a:spcAft>
-                <a:spcPts val="1200"/>
-              </a:spcAft>
-              <a:defRPr sz="1800" b="1">
-                <a:solidFill>
-                  <a:srgbClr val="27AE60"/>
-                </a:solidFill>
-              </a:defRPr>
-            </a:pPr>
-          </a:p>
-          <a:p>
-            <a:pPr>
-              <a:spcAft>
-                <a:spcPts val="1200"/>
-              </a:spcAft>
-              <a:defRPr sz="1800" b="1">
-                <a:solidFill>
-                  <a:srgbClr val="27AE60"/>
-                </a:solidFill>
-              </a:defRPr>
-            </a:pPr>
-            <a:r>
-              <a:t>✅ Система збереження улюблених фото</a:t>
-            </a:r>
-          </a:p>
-          <a:p>
-            <a:pPr>
-              <a:spcAft>
-                <a:spcPts val="1200"/>
-              </a:spcAft>
-              <a:defRPr sz="1800" b="1">
-                <a:solidFill>
-                  <a:srgbClr val="27AE60"/>
-                </a:solidFill>
-              </a:defRPr>
-            </a:pPr>
-          </a:p>
-          <a:p>
-            <a:pPr>
-              <a:spcAft>
-                <a:spcPts val="1200"/>
-              </a:spcAft>
-              <a:defRPr sz="1800" b="1">
-                <a:solidFill>
-                  <a:srgbClr val="27AE60"/>
-                </a:solidFill>
-              </a:defRPr>
-            </a:pPr>
-            <a:r>
-              <a:t>✅ Професійна обробка помилок</a:t>
-            </a:r>
-          </a:p>
-          <a:p>
-            <a:pPr>
-              <a:spcAft>
-                <a:spcPts val="1200"/>
-              </a:spcAft>
-              <a:defRPr sz="1800" b="1">
-                <a:solidFill>
-                  <a:srgbClr val="27AE60"/>
-                </a:solidFill>
-              </a:defRPr>
-            </a:pPr>
-          </a:p>
-          <a:p>
-            <a:pPr>
-              <a:spcAft>
-                <a:spcPts val="1200"/>
-              </a:spcAft>
-              <a:defRPr sz="1800" b="1">
-                <a:solidFill>
-                  <a:srgbClr val="27AE60"/>
-                </a:solidFill>
-              </a:defRPr>
-            </a:pPr>
-            <a:r>
-              <a:t>✅ Оптимізація продуктивності (debouncing, lazy loading)</a:t>
-            </a:r>
-          </a:p>
-          <a:p>
-            <a:pPr>
-              <a:spcAft>
-                <a:spcPts val="1200"/>
-              </a:spcAft>
-              <a:defRPr sz="1800" b="1">
-                <a:solidFill>
-                  <a:srgbClr val="27AE60"/>
-                </a:solidFill>
-              </a:defRPr>
-            </a:pPr>
-          </a:p>
-          <a:p>
-            <a:pPr>
-              <a:spcAft>
-                <a:spcPts val="1200"/>
-              </a:spcAft>
-              <a:defRPr sz="1800" b="1">
-                <a:solidFill>
-                  <a:srgbClr val="27AE60"/>
-                </a:solidFill>
-              </a:defRPr>
-            </a:pPr>
-            <a:r>
-              <a:t>✅ Готовність до deployment (build configuration)</a:t>
+                <a:spcPts val="600"/>
+              </a:spcAft>
+              <a:defRPr sz="1400">
+                <a:solidFill>
+                  <a:srgbClr val="34495E"/>
+                </a:solidFill>
+              </a:defRPr>
+            </a:pPr>
+            <a:r>
+              <a:t>Типи помилок:</a:t>
+            </a:r>
+          </a:p>
+          <a:p>
+            <a:pPr>
+              <a:spcAft>
+                <a:spcPts val="600"/>
+              </a:spcAft>
+              <a:defRPr sz="1400">
+                <a:solidFill>
+                  <a:srgbClr val="34495E"/>
+                </a:solidFill>
+              </a:defRPr>
+            </a:pPr>
+          </a:p>
+          <a:p>
+            <a:pPr>
+              <a:spcAft>
+                <a:spcPts val="600"/>
+              </a:spcAft>
+              <a:defRPr sz="1400">
+                <a:solidFill>
+                  <a:srgbClr val="34495E"/>
+                </a:solidFill>
+              </a:defRPr>
+            </a:pPr>
+            <a:r>
+              <a:t>🔴 API помилки:</a:t>
+            </a:r>
+          </a:p>
+          <a:p>
+            <a:pPr>
+              <a:spcAft>
+                <a:spcPts val="600"/>
+              </a:spcAft>
+              <a:defRPr sz="1400">
+                <a:solidFill>
+                  <a:srgbClr val="34495E"/>
+                </a:solidFill>
+              </a:defRPr>
+            </a:pPr>
+            <a:r>
+              <a:t>• 401 - Невірний ключ</a:t>
+            </a:r>
+          </a:p>
+          <a:p>
+            <a:pPr>
+              <a:spcAft>
+                <a:spcPts val="600"/>
+              </a:spcAft>
+              <a:defRPr sz="1400">
+                <a:solidFill>
+                  <a:srgbClr val="34495E"/>
+                </a:solidFill>
+              </a:defRPr>
+            </a:pPr>
+            <a:r>
+              <a:t>• 403 - Ліміт запитів</a:t>
+            </a:r>
+          </a:p>
+          <a:p>
+            <a:pPr>
+              <a:spcAft>
+                <a:spcPts val="600"/>
+              </a:spcAft>
+              <a:defRPr sz="1400">
+                <a:solidFill>
+                  <a:srgbClr val="34495E"/>
+                </a:solidFill>
+              </a:defRPr>
+            </a:pPr>
+          </a:p>
+          <a:p>
+            <a:pPr>
+              <a:spcAft>
+                <a:spcPts val="600"/>
+              </a:spcAft>
+              <a:defRPr sz="1400">
+                <a:solidFill>
+                  <a:srgbClr val="34495E"/>
+                </a:solidFill>
+              </a:defRPr>
+            </a:pPr>
+            <a:r>
+              <a:t>🔴 Мережа:</a:t>
+            </a:r>
+          </a:p>
+          <a:p>
+            <a:pPr>
+              <a:spcAft>
+                <a:spcPts val="600"/>
+              </a:spcAft>
+              <a:defRPr sz="1400">
+                <a:solidFill>
+                  <a:srgbClr val="34495E"/>
+                </a:solidFill>
+              </a:defRPr>
+            </a:pPr>
+            <a:r>
+              <a:t>• Помилка з'єднання</a:t>
+            </a:r>
+          </a:p>
+          <a:p>
+            <a:pPr>
+              <a:spcAft>
+                <a:spcPts val="600"/>
+              </a:spcAft>
+              <a:defRPr sz="1400">
+                <a:solidFill>
+                  <a:srgbClr val="34495E"/>
+                </a:solidFill>
+              </a:defRPr>
+            </a:pPr>
+            <a:r>
+              <a:t>• Timeout</a:t>
+            </a:r>
+          </a:p>
+          <a:p>
+            <a:pPr>
+              <a:spcAft>
+                <a:spcPts val="600"/>
+              </a:spcAft>
+              <a:defRPr sz="1400">
+                <a:solidFill>
+                  <a:srgbClr val="34495E"/>
+                </a:solidFill>
+              </a:defRPr>
+            </a:pPr>
+          </a:p>
+          <a:p>
+            <a:pPr>
+              <a:spcAft>
+                <a:spcPts val="600"/>
+              </a:spcAft>
+              <a:defRPr sz="1400">
+                <a:solidFill>
+                  <a:srgbClr val="34495E"/>
+                </a:solidFill>
+              </a:defRPr>
+            </a:pPr>
+            <a:r>
+              <a:t>🔴 Валідація:</a:t>
+            </a:r>
+          </a:p>
+          <a:p>
+            <a:pPr>
+              <a:spcAft>
+                <a:spcPts val="600"/>
+              </a:spcAft>
+              <a:defRPr sz="1400">
+                <a:solidFill>
+                  <a:srgbClr val="34495E"/>
+                </a:solidFill>
+              </a:defRPr>
+            </a:pPr>
+            <a:r>
+              <a:t>• Порожній запит</a:t>
+            </a:r>
+          </a:p>
+          <a:p>
+            <a:pPr>
+              <a:spcAft>
+                <a:spcPts val="600"/>
+              </a:spcAft>
+              <a:defRPr sz="1400">
+                <a:solidFill>
+                  <a:srgbClr val="34495E"/>
+                </a:solidFill>
+              </a:defRPr>
+            </a:pPr>
+          </a:p>
+          <a:p>
+            <a:pPr>
+              <a:spcAft>
+                <a:spcPts val="600"/>
+              </a:spcAft>
+              <a:defRPr sz="1400">
+                <a:solidFill>
+                  <a:srgbClr val="34495E"/>
+                </a:solidFill>
+              </a:defRPr>
+            </a:pPr>
+            <a:r>
+              <a:t>🔴 localStorage:</a:t>
+            </a:r>
+          </a:p>
+          <a:p>
+            <a:pPr>
+              <a:spcAft>
+                <a:spcPts val="600"/>
+              </a:spcAft>
+              <a:defRPr sz="1400">
+                <a:solidFill>
+                  <a:srgbClr val="34495E"/>
+                </a:solidFill>
+              </a:defRPr>
+            </a:pPr>
+            <a:r>
+              <a:t>• Недоступний</a:t>
+            </a:r>
+          </a:p>
+          <a:p>
+            <a:pPr>
+              <a:spcAft>
+                <a:spcPts val="600"/>
+              </a:spcAft>
+              <a:defRPr sz="1400">
+                <a:solidFill>
+                  <a:srgbClr val="34495E"/>
+                </a:solidFill>
+              </a:defRPr>
+            </a:pPr>
+          </a:p>
+          <a:p>
+            <a:pPr>
+              <a:spcAft>
+                <a:spcPts val="600"/>
+              </a:spcAft>
+              <a:defRPr sz="1400">
+                <a:solidFill>
+                  <a:srgbClr val="34495E"/>
+                </a:solidFill>
+              </a:defRPr>
+            </a:pPr>
+            <a:r>
+              <a:t>Try-catch блоки</a:t>
+            </a:r>
+          </a:p>
+          <a:p>
+            <a:pPr>
+              <a:spcAft>
+                <a:spcPts val="600"/>
+              </a:spcAft>
+              <a:defRPr sz="1400">
+                <a:solidFill>
+                  <a:srgbClr val="34495E"/>
+                </a:solidFill>
+              </a:defRPr>
+            </a:pPr>
+            <a:r>
+              <a:t>для всіх операцій</a:t>
             </a:r>
           </a:p>
         </p:txBody>
@@ -3929,7 +4097,7 @@
         <p:spPr>
           <a:xfrm>
             <a:off x="457200" y="274320"/>
-            <a:ext cx="8229600" cy="731520"/>
+            <a:ext cx="8229600" cy="640080"/>
           </a:xfrm>
           <a:prstGeom prst="rect">
             <a:avLst/>
@@ -3950,7 +4118,7 @@
               </a:defRPr>
             </a:pPr>
             <a:r>
-              <a:t>Демонстрація застосунку</a:t>
+              <a:t>🛠 Технічний стек</a:t>
             </a:r>
           </a:p>
         </p:txBody>
@@ -3963,8 +4131,8 @@
         </p:nvSpPr>
         <p:spPr>
           <a:xfrm>
-            <a:off x="1371600" y="1828800"/>
-            <a:ext cx="6400800" cy="3657600"/>
+            <a:off x="731520" y="1188720"/>
+            <a:ext cx="3931920" cy="5303520"/>
           </a:xfrm>
           <a:prstGeom prst="rect">
             <a:avLst/>
@@ -3979,202 +4147,372 @@
           <a:p>
             <a:pPr>
               <a:spcAft>
-                <a:spcPts val="1400"/>
-              </a:spcAft>
-              <a:defRPr sz="2000">
-                <a:solidFill>
-                  <a:srgbClr val="34495E"/>
-                </a:solidFill>
-              </a:defRPr>
-            </a:pPr>
-            <a:r>
-              <a:t>🚀 Як запустити проєкт:</a:t>
-            </a:r>
-          </a:p>
-          <a:p>
-            <a:pPr>
-              <a:spcAft>
-                <a:spcPts val="1400"/>
-              </a:spcAft>
-              <a:defRPr sz="2000">
-                <a:solidFill>
-                  <a:srgbClr val="34495E"/>
-                </a:solidFill>
-              </a:defRPr>
-            </a:pPr>
-          </a:p>
-          <a:p>
-            <a:pPr>
-              <a:spcAft>
-                <a:spcPts val="1400"/>
-              </a:spcAft>
-              <a:defRPr sz="2000">
-                <a:solidFill>
-                  <a:srgbClr val="34495E"/>
-                </a:solidFill>
-              </a:defRPr>
-            </a:pPr>
-            <a:r>
-              <a:t>1. git clone https://github.com/AlexBram003/Practika</a:t>
-            </a:r>
-          </a:p>
-          <a:p>
-            <a:pPr>
-              <a:spcAft>
-                <a:spcPts val="1400"/>
-              </a:spcAft>
-              <a:defRPr sz="2000">
-                <a:solidFill>
-                  <a:srgbClr val="34495E"/>
-                </a:solidFill>
-              </a:defRPr>
-            </a:pPr>
-            <a:r>
-              <a:t>2. cd Practika</a:t>
-            </a:r>
-          </a:p>
-          <a:p>
-            <a:pPr>
-              <a:spcAft>
-                <a:spcPts val="1400"/>
-              </a:spcAft>
-              <a:defRPr sz="2000">
-                <a:solidFill>
-                  <a:srgbClr val="34495E"/>
-                </a:solidFill>
-              </a:defRPr>
-            </a:pPr>
-            <a:r>
-              <a:t>3. npm install</a:t>
-            </a:r>
-          </a:p>
-          <a:p>
-            <a:pPr>
-              <a:spcAft>
-                <a:spcPts val="1400"/>
-              </a:spcAft>
-              <a:defRPr sz="2000">
-                <a:solidFill>
-                  <a:srgbClr val="34495E"/>
-                </a:solidFill>
-              </a:defRPr>
-            </a:pPr>
-            <a:r>
-              <a:t>4. npm run dev</a:t>
-            </a:r>
-          </a:p>
-          <a:p>
-            <a:pPr>
-              <a:spcAft>
-                <a:spcPts val="1400"/>
-              </a:spcAft>
-              <a:defRPr sz="2000">
-                <a:solidFill>
-                  <a:srgbClr val="34495E"/>
-                </a:solidFill>
-              </a:defRPr>
-            </a:pPr>
-          </a:p>
-          <a:p>
-            <a:pPr>
-              <a:spcAft>
-                <a:spcPts val="1400"/>
-              </a:spcAft>
-              <a:defRPr sz="2000">
-                <a:solidFill>
-                  <a:srgbClr val="34495E"/>
-                </a:solidFill>
-              </a:defRPr>
-            </a:pPr>
-            <a:r>
-              <a:t>📱 Відкрити: http://localhost:5173</a:t>
-            </a:r>
-          </a:p>
-          <a:p>
-            <a:pPr>
-              <a:spcAft>
-                <a:spcPts val="1400"/>
-              </a:spcAft>
-              <a:defRPr sz="2000">
-                <a:solidFill>
-                  <a:srgbClr val="34495E"/>
-                </a:solidFill>
-              </a:defRPr>
-            </a:pPr>
-          </a:p>
-          <a:p>
-            <a:pPr>
-              <a:spcAft>
-                <a:spcPts val="1400"/>
-              </a:spcAft>
-              <a:defRPr sz="2000">
-                <a:solidFill>
-                  <a:srgbClr val="34495E"/>
-                </a:solidFill>
-              </a:defRPr>
-            </a:pPr>
-            <a:r>
-              <a:t>💡 Спробуйте:</a:t>
-            </a:r>
-          </a:p>
-          <a:p>
-            <a:pPr>
-              <a:spcAft>
-                <a:spcPts val="1400"/>
-              </a:spcAft>
-              <a:defRPr sz="2000">
-                <a:solidFill>
-                  <a:srgbClr val="34495E"/>
-                </a:solidFill>
-              </a:defRPr>
-            </a:pPr>
-            <a:r>
-              <a:t>• Пошук: "nature", "city", "architecture"</a:t>
-            </a:r>
-          </a:p>
-          <a:p>
-            <a:pPr>
-              <a:spcAft>
-                <a:spcPts val="1400"/>
-              </a:spcAft>
-              <a:defRPr sz="2000">
-                <a:solidFill>
-                  <a:srgbClr val="34495E"/>
-                </a:solidFill>
-              </a:defRPr>
-            </a:pPr>
-            <a:r>
-              <a:t>• Клік на категорію</a:t>
-            </a:r>
-          </a:p>
-          <a:p>
-            <a:pPr>
-              <a:spcAft>
-                <a:spcPts val="1400"/>
-              </a:spcAft>
-              <a:defRPr sz="2000">
-                <a:solidFill>
-                  <a:srgbClr val="34495E"/>
-                </a:solidFill>
-              </a:defRPr>
-            </a:pPr>
-            <a:r>
-              <a:t>• Додати фото до улюблених</a:t>
-            </a:r>
-          </a:p>
-          <a:p>
-            <a:pPr>
-              <a:spcAft>
-                <a:spcPts val="1400"/>
-              </a:spcAft>
-              <a:defRPr sz="2000">
-                <a:solidFill>
-                  <a:srgbClr val="34495E"/>
-                </a:solidFill>
-              </a:defRPr>
-            </a:pPr>
-            <a:r>
-              <a:t>• Змінити режим завантаження</a:t>
+                <a:spcPts val="1000"/>
+              </a:spcAft>
+              <a:defRPr sz="1800">
+                <a:solidFill>
+                  <a:srgbClr val="34495E"/>
+                </a:solidFill>
+              </a:defRPr>
+            </a:pPr>
+            <a:r>
+              <a:t>⚡ Збірка:</a:t>
+            </a:r>
+          </a:p>
+          <a:p>
+            <a:pPr>
+              <a:spcAft>
+                <a:spcPts val="1000"/>
+              </a:spcAft>
+              <a:defRPr sz="1800">
+                <a:solidFill>
+                  <a:srgbClr val="34495E"/>
+                </a:solidFill>
+              </a:defRPr>
+            </a:pPr>
+            <a:r>
+              <a:t>• Vite 7.2.4</a:t>
+            </a:r>
+          </a:p>
+          <a:p>
+            <a:pPr>
+              <a:spcAft>
+                <a:spcPts val="1000"/>
+              </a:spcAft>
+              <a:defRPr sz="1800">
+                <a:solidFill>
+                  <a:srgbClr val="34495E"/>
+                </a:solidFill>
+              </a:defRPr>
+            </a:pPr>
+            <a:r>
+              <a:t>• npm/Node.js</a:t>
+            </a:r>
+          </a:p>
+          <a:p>
+            <a:pPr>
+              <a:spcAft>
+                <a:spcPts val="1000"/>
+              </a:spcAft>
+              <a:defRPr sz="1800">
+                <a:solidFill>
+                  <a:srgbClr val="34495E"/>
+                </a:solidFill>
+              </a:defRPr>
+            </a:pPr>
+          </a:p>
+          <a:p>
+            <a:pPr>
+              <a:spcAft>
+                <a:spcPts val="1000"/>
+              </a:spcAft>
+              <a:defRPr sz="1800">
+                <a:solidFill>
+                  <a:srgbClr val="34495E"/>
+                </a:solidFill>
+              </a:defRPr>
+            </a:pPr>
+            <a:r>
+              <a:t>💻 Frontend:</a:t>
+            </a:r>
+          </a:p>
+          <a:p>
+            <a:pPr>
+              <a:spcAft>
+                <a:spcPts val="1000"/>
+              </a:spcAft>
+              <a:defRPr sz="1800">
+                <a:solidFill>
+                  <a:srgbClr val="34495E"/>
+                </a:solidFill>
+              </a:defRPr>
+            </a:pPr>
+            <a:r>
+              <a:t>• JavaScript ES6+</a:t>
+            </a:r>
+          </a:p>
+          <a:p>
+            <a:pPr>
+              <a:spcAft>
+                <a:spcPts val="1000"/>
+              </a:spcAft>
+              <a:defRPr sz="1800">
+                <a:solidFill>
+                  <a:srgbClr val="34495E"/>
+                </a:solidFill>
+              </a:defRPr>
+            </a:pPr>
+            <a:r>
+              <a:t>• HTML5</a:t>
+            </a:r>
+          </a:p>
+          <a:p>
+            <a:pPr>
+              <a:spcAft>
+                <a:spcPts val="1000"/>
+              </a:spcAft>
+              <a:defRPr sz="1800">
+                <a:solidFill>
+                  <a:srgbClr val="34495E"/>
+                </a:solidFill>
+              </a:defRPr>
+            </a:pPr>
+            <a:r>
+              <a:t>• CSS3</a:t>
+            </a:r>
+          </a:p>
+          <a:p>
+            <a:pPr>
+              <a:spcAft>
+                <a:spcPts val="1000"/>
+              </a:spcAft>
+              <a:defRPr sz="1800">
+                <a:solidFill>
+                  <a:srgbClr val="34495E"/>
+                </a:solidFill>
+              </a:defRPr>
+            </a:pPr>
+          </a:p>
+          <a:p>
+            <a:pPr>
+              <a:spcAft>
+                <a:spcPts val="1000"/>
+              </a:spcAft>
+              <a:defRPr sz="1800">
+                <a:solidFill>
+                  <a:srgbClr val="34495E"/>
+                </a:solidFill>
+              </a:defRPr>
+            </a:pPr>
+            <a:r>
+              <a:t>📚 Бібліотеки:</a:t>
+            </a:r>
+          </a:p>
+          <a:p>
+            <a:pPr>
+              <a:spcAft>
+                <a:spcPts val="1000"/>
+              </a:spcAft>
+              <a:defRPr sz="1800">
+                <a:solidFill>
+                  <a:srgbClr val="34495E"/>
+                </a:solidFill>
+              </a:defRPr>
+            </a:pPr>
+            <a:r>
+              <a:t>• Bootstrap 5.3.8</a:t>
+            </a:r>
+          </a:p>
+          <a:p>
+            <a:pPr>
+              <a:spcAft>
+                <a:spcPts val="1000"/>
+              </a:spcAft>
+              <a:defRPr sz="1800">
+                <a:solidFill>
+                  <a:srgbClr val="34495E"/>
+                </a:solidFill>
+              </a:defRPr>
+            </a:pPr>
+            <a:r>
+              <a:t>• Axios 1.13.2</a:t>
+            </a:r>
+          </a:p>
+        </p:txBody>
+      </p:sp>
+      <p:sp>
+        <p:nvSpPr>
+          <p:cNvPr id="4" name="TextBox 3"/>
+          <p:cNvSpPr txBox="1"/>
+          <p:nvPr/>
+        </p:nvSpPr>
+        <p:spPr>
+          <a:xfrm>
+            <a:off x="4754880" y="1188720"/>
+            <a:ext cx="3931920" cy="5303520"/>
+          </a:xfrm>
+          <a:prstGeom prst="rect">
+            <a:avLst/>
+          </a:prstGeom>
+          <a:noFill/>
+        </p:spPr>
+        <p:txBody>
+          <a:bodyPr wrap="none">
+            <a:spAutoFit/>
+          </a:bodyPr>
+          <a:lstStyle/>
+          <a:p>
+            <a:pPr>
+              <a:spcAft>
+                <a:spcPts val="1000"/>
+              </a:spcAft>
+              <a:defRPr sz="1800">
+                <a:solidFill>
+                  <a:srgbClr val="34495E"/>
+                </a:solidFill>
+              </a:defRPr>
+            </a:pPr>
+            <a:r>
+              <a:t>🔌 API:</a:t>
+            </a:r>
+          </a:p>
+          <a:p>
+            <a:pPr>
+              <a:spcAft>
+                <a:spcPts val="1000"/>
+              </a:spcAft>
+              <a:defRPr sz="1800">
+                <a:solidFill>
+                  <a:srgbClr val="34495E"/>
+                </a:solidFill>
+              </a:defRPr>
+            </a:pPr>
+            <a:r>
+              <a:t>• Unsplash API</a:t>
+            </a:r>
+          </a:p>
+          <a:p>
+            <a:pPr>
+              <a:spcAft>
+                <a:spcPts val="1000"/>
+              </a:spcAft>
+              <a:defRPr sz="1800">
+                <a:solidFill>
+                  <a:srgbClr val="34495E"/>
+                </a:solidFill>
+              </a:defRPr>
+            </a:pPr>
+            <a:r>
+              <a:t>• REST</a:t>
+            </a:r>
+          </a:p>
+          <a:p>
+            <a:pPr>
+              <a:spcAft>
+                <a:spcPts val="1000"/>
+              </a:spcAft>
+              <a:defRPr sz="1800">
+                <a:solidFill>
+                  <a:srgbClr val="34495E"/>
+                </a:solidFill>
+              </a:defRPr>
+            </a:pPr>
+          </a:p>
+          <a:p>
+            <a:pPr>
+              <a:spcAft>
+                <a:spcPts val="1000"/>
+              </a:spcAft>
+              <a:defRPr sz="1800">
+                <a:solidFill>
+                  <a:srgbClr val="34495E"/>
+                </a:solidFill>
+              </a:defRPr>
+            </a:pPr>
+            <a:r>
+              <a:t>💾 Дані:</a:t>
+            </a:r>
+          </a:p>
+          <a:p>
+            <a:pPr>
+              <a:spcAft>
+                <a:spcPts val="1000"/>
+              </a:spcAft>
+              <a:defRPr sz="1800">
+                <a:solidFill>
+                  <a:srgbClr val="34495E"/>
+                </a:solidFill>
+              </a:defRPr>
+            </a:pPr>
+            <a:r>
+              <a:t>• localStorage</a:t>
+            </a:r>
+          </a:p>
+          <a:p>
+            <a:pPr>
+              <a:spcAft>
+                <a:spcPts val="1000"/>
+              </a:spcAft>
+              <a:defRPr sz="1800">
+                <a:solidFill>
+                  <a:srgbClr val="34495E"/>
+                </a:solidFill>
+              </a:defRPr>
+            </a:pPr>
+            <a:r>
+              <a:t>• JSON</a:t>
+            </a:r>
+          </a:p>
+          <a:p>
+            <a:pPr>
+              <a:spcAft>
+                <a:spcPts val="1000"/>
+              </a:spcAft>
+              <a:defRPr sz="1800">
+                <a:solidFill>
+                  <a:srgbClr val="34495E"/>
+                </a:solidFill>
+              </a:defRPr>
+            </a:pPr>
+          </a:p>
+          <a:p>
+            <a:pPr>
+              <a:spcAft>
+                <a:spcPts val="1000"/>
+              </a:spcAft>
+              <a:defRPr sz="1800">
+                <a:solidFill>
+                  <a:srgbClr val="34495E"/>
+                </a:solidFill>
+              </a:defRPr>
+            </a:pPr>
+            <a:r>
+              <a:t>🛠 Інструменти:</a:t>
+            </a:r>
+          </a:p>
+          <a:p>
+            <a:pPr>
+              <a:spcAft>
+                <a:spcPts val="1000"/>
+              </a:spcAft>
+              <a:defRPr sz="1800">
+                <a:solidFill>
+                  <a:srgbClr val="34495E"/>
+                </a:solidFill>
+              </a:defRPr>
+            </a:pPr>
+            <a:r>
+              <a:t>• Git/GitHub</a:t>
+            </a:r>
+          </a:p>
+          <a:p>
+            <a:pPr>
+              <a:spcAft>
+                <a:spcPts val="1000"/>
+              </a:spcAft>
+              <a:defRPr sz="1800">
+                <a:solidFill>
+                  <a:srgbClr val="34495E"/>
+                </a:solidFill>
+              </a:defRPr>
+            </a:pPr>
+            <a:r>
+              <a:t>• VS Code</a:t>
+            </a:r>
+          </a:p>
+          <a:p>
+            <a:pPr>
+              <a:spcAft>
+                <a:spcPts val="1000"/>
+              </a:spcAft>
+              <a:defRPr sz="1800">
+                <a:solidFill>
+                  <a:srgbClr val="34495E"/>
+                </a:solidFill>
+              </a:defRPr>
+            </a:pPr>
+            <a:r>
+              <a:t>• Chrome DevTools</a:t>
             </a:r>
           </a:p>
         </p:txBody>
@@ -4206,7 +4544,7 @@
         <p:spPr>
           <a:xfrm>
             <a:off x="457200" y="274320"/>
-            <a:ext cx="8229600" cy="731520"/>
+            <a:ext cx="8229600" cy="640080"/>
           </a:xfrm>
           <a:prstGeom prst="rect">
             <a:avLst/>
@@ -4227,7 +4565,7 @@
               </a:defRPr>
             </a:pPr>
             <a:r>
-              <a:t>Висновки</a:t>
+              <a:t>📁 Модульна архітектура</a:t>
             </a:r>
           </a:p>
         </p:txBody>
@@ -4240,8 +4578,8 @@
         </p:nvSpPr>
         <p:spPr>
           <a:xfrm>
-            <a:off x="731520" y="1371600"/>
-            <a:ext cx="7772400" cy="5029200"/>
+            <a:off x="731520" y="1188720"/>
+            <a:ext cx="7772400" cy="5303520"/>
           </a:xfrm>
           <a:prstGeom prst="rect">
             <a:avLst/>
@@ -4256,247 +4594,205 @@
           <a:p>
             <a:pPr>
               <a:spcAft>
-                <a:spcPts val="1200"/>
-              </a:spcAft>
-              <a:defRPr sz="1700">
-                <a:solidFill>
-                  <a:srgbClr val="34495E"/>
-                </a:solidFill>
-              </a:defRPr>
-            </a:pPr>
-            <a:r>
-              <a:t>В результаті виконання навчальної практики:</a:t>
-            </a:r>
-          </a:p>
-          <a:p>
-            <a:pPr>
-              <a:spcAft>
-                <a:spcPts val="1200"/>
-              </a:spcAft>
-              <a:defRPr sz="1700">
-                <a:solidFill>
-                  <a:srgbClr val="34495E"/>
-                </a:solidFill>
-              </a:defRPr>
-            </a:pPr>
-          </a:p>
-          <a:p>
-            <a:pPr>
-              <a:spcAft>
-                <a:spcPts val="1200"/>
-              </a:spcAft>
-              <a:defRPr sz="1700">
-                <a:solidFill>
-                  <a:srgbClr val="34495E"/>
-                </a:solidFill>
-              </a:defRPr>
-            </a:pPr>
-            <a:r>
-              <a:t>📚 Набуто практичні навички:</a:t>
-            </a:r>
-          </a:p>
-          <a:p>
-            <a:pPr>
-              <a:spcAft>
-                <a:spcPts val="1200"/>
-              </a:spcAft>
-              <a:defRPr sz="1700">
-                <a:solidFill>
-                  <a:srgbClr val="34495E"/>
-                </a:solidFill>
-              </a:defRPr>
-            </a:pPr>
-            <a:r>
-              <a:t>• Робота з сучасними інструментами (Vite, Axios, Bootstrap)</a:t>
-            </a:r>
-          </a:p>
-          <a:p>
-            <a:pPr>
-              <a:spcAft>
-                <a:spcPts val="1200"/>
-              </a:spcAft>
-              <a:defRPr sz="1700">
-                <a:solidFill>
-                  <a:srgbClr val="34495E"/>
-                </a:solidFill>
-              </a:defRPr>
-            </a:pPr>
-            <a:r>
-              <a:t>• Інтеграція з зовнішніми API</a:t>
-            </a:r>
-          </a:p>
-          <a:p>
-            <a:pPr>
-              <a:spcAft>
-                <a:spcPts val="1200"/>
-              </a:spcAft>
-              <a:defRPr sz="1700">
-                <a:solidFill>
-                  <a:srgbClr val="34495E"/>
-                </a:solidFill>
-              </a:defRPr>
-            </a:pPr>
-            <a:r>
-              <a:t>• Модульна розробка JavaScript застосунків</a:t>
-            </a:r>
-          </a:p>
-          <a:p>
-            <a:pPr>
-              <a:spcAft>
-                <a:spcPts val="1200"/>
-              </a:spcAft>
-              <a:defRPr sz="1700">
-                <a:solidFill>
-                  <a:srgbClr val="34495E"/>
-                </a:solidFill>
-              </a:defRPr>
-            </a:pPr>
-            <a:r>
-              <a:t>• Асинхронне програмування та обробка помилок</a:t>
-            </a:r>
-          </a:p>
-          <a:p>
-            <a:pPr>
-              <a:spcAft>
-                <a:spcPts val="1200"/>
-              </a:spcAft>
-              <a:defRPr sz="1700">
-                <a:solidFill>
-                  <a:srgbClr val="34495E"/>
-                </a:solidFill>
-              </a:defRPr>
-            </a:pPr>
-          </a:p>
-          <a:p>
-            <a:pPr>
-              <a:spcAft>
-                <a:spcPts val="1200"/>
-              </a:spcAft>
-              <a:defRPr sz="1700">
-                <a:solidFill>
-                  <a:srgbClr val="34495E"/>
-                </a:solidFill>
-              </a:defRPr>
-            </a:pPr>
-            <a:r>
-              <a:t>💼 Професійний розвиток:</a:t>
-            </a:r>
-          </a:p>
-          <a:p>
-            <a:pPr>
-              <a:spcAft>
-                <a:spcPts val="1200"/>
-              </a:spcAft>
-              <a:defRPr sz="1700">
-                <a:solidFill>
-                  <a:srgbClr val="34495E"/>
-                </a:solidFill>
-              </a:defRPr>
-            </a:pPr>
-            <a:r>
-              <a:t>• Створено портфоліо проєкт</a:t>
-            </a:r>
-          </a:p>
-          <a:p>
-            <a:pPr>
-              <a:spcAft>
-                <a:spcPts val="1200"/>
-              </a:spcAft>
-              <a:defRPr sz="1700">
-                <a:solidFill>
-                  <a:srgbClr val="34495E"/>
-                </a:solidFill>
-              </a:defRPr>
-            </a:pPr>
-            <a:r>
-              <a:t>• Досвід роботи з Git/GitHub</a:t>
-            </a:r>
-          </a:p>
-          <a:p>
-            <a:pPr>
-              <a:spcAft>
-                <a:spcPts val="1200"/>
-              </a:spcAft>
-              <a:defRPr sz="1700">
-                <a:solidFill>
-                  <a:srgbClr val="34495E"/>
-                </a:solidFill>
-              </a:defRPr>
-            </a:pPr>
-            <a:r>
-              <a:t>• Практика адаптивного дизайну</a:t>
-            </a:r>
-          </a:p>
-          <a:p>
-            <a:pPr>
-              <a:spcAft>
-                <a:spcPts val="1200"/>
-              </a:spcAft>
-              <a:defRPr sz="1700">
-                <a:solidFill>
-                  <a:srgbClr val="34495E"/>
-                </a:solidFill>
-              </a:defRPr>
-            </a:pPr>
-            <a:r>
-              <a:t>• UX/UI best practices</a:t>
-            </a:r>
-          </a:p>
-          <a:p>
-            <a:pPr>
-              <a:spcAft>
-                <a:spcPts val="1200"/>
-              </a:spcAft>
-              <a:defRPr sz="1700">
-                <a:solidFill>
-                  <a:srgbClr val="34495E"/>
-                </a:solidFill>
-              </a:defRPr>
-            </a:pPr>
-          </a:p>
-          <a:p>
-            <a:pPr>
-              <a:spcAft>
-                <a:spcPts val="1200"/>
-              </a:spcAft>
-              <a:defRPr sz="1700">
-                <a:solidFill>
-                  <a:srgbClr val="34495E"/>
-                </a:solidFill>
-              </a:defRPr>
-            </a:pPr>
-            <a:r>
-              <a:t>🎯 Практична цінність:</a:t>
-            </a:r>
-          </a:p>
-          <a:p>
-            <a:pPr>
-              <a:spcAft>
-                <a:spcPts val="1200"/>
-              </a:spcAft>
-              <a:defRPr sz="1700">
-                <a:solidFill>
-                  <a:srgbClr val="34495E"/>
-                </a:solidFill>
-              </a:defRPr>
-            </a:pPr>
-            <a:r>
-              <a:t>Проєкт демонструє готовність до реальної веб-розробки</a:t>
-            </a:r>
-          </a:p>
-          <a:p>
-            <a:pPr>
-              <a:spcAft>
-                <a:spcPts val="1200"/>
-              </a:spcAft>
-              <a:defRPr sz="1700">
-                <a:solidFill>
-                  <a:srgbClr val="34495E"/>
-                </a:solidFill>
-              </a:defRPr>
-            </a:pPr>
-            <a:r>
-              <a:t>та може бути використаний як приклад для роботодавців</a:t>
+                <a:spcPts val="800"/>
+              </a:spcAft>
+              <a:defRPr sz="1600">
+                <a:solidFill>
+                  <a:srgbClr val="34495E"/>
+                </a:solidFill>
+              </a:defRPr>
+            </a:pPr>
+            <a:r>
+              <a:t>Проєкт організовано за принципом розділення відповідальностей:</a:t>
+            </a:r>
+          </a:p>
+          <a:p>
+            <a:pPr>
+              <a:spcAft>
+                <a:spcPts val="800"/>
+              </a:spcAft>
+              <a:defRPr sz="1600">
+                <a:solidFill>
+                  <a:srgbClr val="34495E"/>
+                </a:solidFill>
+              </a:defRPr>
+            </a:pPr>
+          </a:p>
+          <a:p>
+            <a:pPr>
+              <a:spcAft>
+                <a:spcPts val="800"/>
+              </a:spcAft>
+              <a:defRPr sz="1600">
+                <a:solidFill>
+                  <a:srgbClr val="34495E"/>
+                </a:solidFill>
+              </a:defRPr>
+            </a:pPr>
+            <a:r>
+              <a:t>📁 src/config.js - конфігурація API ключів та констант</a:t>
+            </a:r>
+          </a:p>
+          <a:p>
+            <a:pPr>
+              <a:spcAft>
+                <a:spcPts val="800"/>
+              </a:spcAft>
+              <a:defRPr sz="1600">
+                <a:solidFill>
+                  <a:srgbClr val="34495E"/>
+                </a:solidFill>
+              </a:defRPr>
+            </a:pPr>
+            <a:r>
+              <a:t>📁 src/state.js - глобальний стан застосунку</a:t>
+            </a:r>
+          </a:p>
+          <a:p>
+            <a:pPr>
+              <a:spcAft>
+                <a:spcPts val="800"/>
+              </a:spcAft>
+              <a:defRPr sz="1600">
+                <a:solidFill>
+                  <a:srgbClr val="34495E"/>
+                </a:solidFill>
+              </a:defRPr>
+            </a:pPr>
+            <a:r>
+              <a:t>📁 src/dom.js - посилання на всі DOM елементи</a:t>
+            </a:r>
+          </a:p>
+          <a:p>
+            <a:pPr>
+              <a:spcAft>
+                <a:spcPts val="800"/>
+              </a:spcAft>
+              <a:defRPr sz="1600">
+                <a:solidFill>
+                  <a:srgbClr val="34495E"/>
+                </a:solidFill>
+              </a:defRPr>
+            </a:pPr>
+            <a:r>
+              <a:t>📁 src/storage.js - робота з localStorage (getFavorites, saveFavorites)</a:t>
+            </a:r>
+          </a:p>
+          <a:p>
+            <a:pPr>
+              <a:spcAft>
+                <a:spcPts val="800"/>
+              </a:spcAft>
+              <a:defRPr sz="1600">
+                <a:solidFill>
+                  <a:srgbClr val="34495E"/>
+                </a:solidFill>
+              </a:defRPr>
+            </a:pPr>
+            <a:r>
+              <a:t>📁 src/api.js - HTTP запити до Unsplash API через Axios</a:t>
+            </a:r>
+          </a:p>
+          <a:p>
+            <a:pPr>
+              <a:spcAft>
+                <a:spcPts val="800"/>
+              </a:spcAft>
+              <a:defRPr sz="1600">
+                <a:solidFill>
+                  <a:srgbClr val="34495E"/>
+                </a:solidFill>
+              </a:defRPr>
+            </a:pPr>
+            <a:r>
+              <a:t>📁 src/ui.js - функції відображення UI (createPhotoCard, displayPhotos)</a:t>
+            </a:r>
+          </a:p>
+          <a:p>
+            <a:pPr>
+              <a:spcAft>
+                <a:spcPts val="800"/>
+              </a:spcAft>
+              <a:defRPr sz="1600">
+                <a:solidFill>
+                  <a:srgbClr val="34495E"/>
+                </a:solidFill>
+              </a:defRPr>
+            </a:pPr>
+            <a:r>
+              <a:t>📁 src/events.js - обробники подій (submit, click, scroll)</a:t>
+            </a:r>
+          </a:p>
+          <a:p>
+            <a:pPr>
+              <a:spcAft>
+                <a:spcPts val="800"/>
+              </a:spcAft>
+              <a:defRPr sz="1600">
+                <a:solidFill>
+                  <a:srgbClr val="34495E"/>
+                </a:solidFill>
+              </a:defRPr>
+            </a:pPr>
+            <a:r>
+              <a:t>📁 src/main.js - точка входу, ініціалізація застосунку</a:t>
+            </a:r>
+          </a:p>
+          <a:p>
+            <a:pPr>
+              <a:spcAft>
+                <a:spcPts val="800"/>
+              </a:spcAft>
+              <a:defRPr sz="1600">
+                <a:solidFill>
+                  <a:srgbClr val="34495E"/>
+                </a:solidFill>
+              </a:defRPr>
+            </a:pPr>
+          </a:p>
+          <a:p>
+            <a:pPr>
+              <a:spcAft>
+                <a:spcPts val="800"/>
+              </a:spcAft>
+              <a:defRPr sz="1600">
+                <a:solidFill>
+                  <a:srgbClr val="34495E"/>
+                </a:solidFill>
+              </a:defRPr>
+            </a:pPr>
+            <a:r>
+              <a:t>✅ Переваги: легко підтримувати, розширювати, тестувати</a:t>
+            </a:r>
+          </a:p>
+          <a:p>
+            <a:pPr>
+              <a:spcAft>
+                <a:spcPts val="800"/>
+              </a:spcAft>
+              <a:defRPr sz="1600">
+                <a:solidFill>
+                  <a:srgbClr val="34495E"/>
+                </a:solidFill>
+              </a:defRPr>
+            </a:pPr>
+            <a:r>
+              <a:t>✅ Кожен модуль має свою відповідальність</a:t>
+            </a:r>
+          </a:p>
+          <a:p>
+            <a:pPr>
+              <a:spcAft>
+                <a:spcPts val="800"/>
+              </a:spcAft>
+              <a:defRPr sz="1600">
+                <a:solidFill>
+                  <a:srgbClr val="34495E"/>
+                </a:solidFill>
+              </a:defRPr>
+            </a:pPr>
+            <a:r>
+              <a:t>✅ Можливість повторного використання коду</a:t>
             </a:r>
           </a:p>
         </p:txBody>
@@ -4510,6 +4806,987 @@
 </file>
 
 <file path=ppt/slides/slide14.xml><?xml version="1.0" encoding="utf-8"?>
+<p:sld xmlns:a="http://schemas.openxmlformats.org/drawingml/2006/main" xmlns:p="http://schemas.openxmlformats.org/presentationml/2006/main" xmlns:r="http://schemas.openxmlformats.org/officeDocument/2006/relationships">
+  <p:cSld>
+    <p:spTree>
+      <p:nvGrpSpPr>
+        <p:cNvPr id="1" name=""/>
+        <p:cNvGrpSpPr/>
+        <p:nvPr/>
+      </p:nvGrpSpPr>
+      <p:grpSpPr/>
+      <p:sp>
+        <p:nvSpPr>
+          <p:cNvPr id="2" name="TextBox 1"/>
+          <p:cNvSpPr txBox="1"/>
+          <p:nvPr/>
+        </p:nvSpPr>
+        <p:spPr>
+          <a:xfrm>
+            <a:off x="457200" y="274320"/>
+            <a:ext cx="8229600" cy="640080"/>
+          </a:xfrm>
+          <a:prstGeom prst="rect">
+            <a:avLst/>
+          </a:prstGeom>
+          <a:noFill/>
+        </p:spPr>
+        <p:txBody>
+          <a:bodyPr wrap="none">
+            <a:spAutoFit/>
+          </a:bodyPr>
+          <a:lstStyle/>
+          <a:p>
+            <a:pPr>
+              <a:defRPr sz="3600" b="1">
+                <a:solidFill>
+                  <a:srgbClr val="34495E"/>
+                </a:solidFill>
+              </a:defRPr>
+            </a:pPr>
+            <a:r>
+              <a:t>💻 Приклад коду: API запити</a:t>
+            </a:r>
+          </a:p>
+        </p:txBody>
+      </p:sp>
+      <p:sp>
+        <p:nvSpPr>
+          <p:cNvPr id="3" name="TextBox 2"/>
+          <p:cNvSpPr txBox="1"/>
+          <p:nvPr/>
+        </p:nvSpPr>
+        <p:spPr>
+          <a:xfrm>
+            <a:off x="731520" y="1188720"/>
+            <a:ext cx="7772400" cy="5303520"/>
+          </a:xfrm>
+          <a:prstGeom prst="rect">
+            <a:avLst/>
+          </a:prstGeom>
+          <a:noFill/>
+        </p:spPr>
+        <p:txBody>
+          <a:bodyPr wrap="none">
+            <a:spAutoFit/>
+          </a:bodyPr>
+          <a:lstStyle/>
+          <a:p>
+            <a:pPr>
+              <a:defRPr sz="1400">
+                <a:solidFill>
+                  <a:srgbClr val="34495E"/>
+                </a:solidFill>
+                <a:latin typeface="Courier New"/>
+              </a:defRPr>
+            </a:pPr>
+            <a:r>
+              <a:t>export async function fetchPhotos(query, page) {</a:t>
+            </a:r>
+          </a:p>
+          <a:p>
+            <a:pPr>
+              <a:defRPr sz="1400">
+                <a:solidFill>
+                  <a:srgbClr val="34495E"/>
+                </a:solidFill>
+                <a:latin typeface="Courier New"/>
+              </a:defRPr>
+            </a:pPr>
+            <a:r>
+              <a:t>  try {</a:t>
+            </a:r>
+          </a:p>
+          <a:p>
+            <a:pPr>
+              <a:defRPr sz="1400">
+                <a:solidFill>
+                  <a:srgbClr val="34495E"/>
+                </a:solidFill>
+                <a:latin typeface="Courier New"/>
+              </a:defRPr>
+            </a:pPr>
+            <a:r>
+              <a:t>    const response = await axios.get(</a:t>
+            </a:r>
+          </a:p>
+          <a:p>
+            <a:pPr>
+              <a:defRPr sz="1400">
+                <a:solidFill>
+                  <a:srgbClr val="34495E"/>
+                </a:solidFill>
+                <a:latin typeface="Courier New"/>
+              </a:defRPr>
+            </a:pPr>
+            <a:r>
+              <a:t>      `${UNSPLASH_API_URL}/search/photos`,</a:t>
+            </a:r>
+          </a:p>
+          <a:p>
+            <a:pPr>
+              <a:defRPr sz="1400">
+                <a:solidFill>
+                  <a:srgbClr val="34495E"/>
+                </a:solidFill>
+                <a:latin typeface="Courier New"/>
+              </a:defRPr>
+            </a:pPr>
+            <a:r>
+              <a:t>      {</a:t>
+            </a:r>
+          </a:p>
+          <a:p>
+            <a:pPr>
+              <a:defRPr sz="1400">
+                <a:solidFill>
+                  <a:srgbClr val="34495E"/>
+                </a:solidFill>
+                <a:latin typeface="Courier New"/>
+              </a:defRPr>
+            </a:pPr>
+            <a:r>
+              <a:t>        params: {</a:t>
+            </a:r>
+          </a:p>
+          <a:p>
+            <a:pPr>
+              <a:defRPr sz="1400">
+                <a:solidFill>
+                  <a:srgbClr val="34495E"/>
+                </a:solidFill>
+                <a:latin typeface="Courier New"/>
+              </a:defRPr>
+            </a:pPr>
+            <a:r>
+              <a:t>          query: query,</a:t>
+            </a:r>
+          </a:p>
+          <a:p>
+            <a:pPr>
+              <a:defRPr sz="1400">
+                <a:solidFill>
+                  <a:srgbClr val="34495E"/>
+                </a:solidFill>
+                <a:latin typeface="Courier New"/>
+              </a:defRPr>
+            </a:pPr>
+            <a:r>
+              <a:t>          page: page,</a:t>
+            </a:r>
+          </a:p>
+          <a:p>
+            <a:pPr>
+              <a:defRPr sz="1400">
+                <a:solidFill>
+                  <a:srgbClr val="34495E"/>
+                </a:solidFill>
+                <a:latin typeface="Courier New"/>
+              </a:defRPr>
+            </a:pPr>
+            <a:r>
+              <a:t>          per_page: 12,</a:t>
+            </a:r>
+          </a:p>
+          <a:p>
+            <a:pPr>
+              <a:defRPr sz="1400">
+                <a:solidFill>
+                  <a:srgbClr val="34495E"/>
+                </a:solidFill>
+                <a:latin typeface="Courier New"/>
+              </a:defRPr>
+            </a:pPr>
+            <a:r>
+              <a:t>          client_id: UNSPLASH_ACCESS_KEY</a:t>
+            </a:r>
+          </a:p>
+          <a:p>
+            <a:pPr>
+              <a:defRPr sz="1400">
+                <a:solidFill>
+                  <a:srgbClr val="34495E"/>
+                </a:solidFill>
+                <a:latin typeface="Courier New"/>
+              </a:defRPr>
+            </a:pPr>
+            <a:r>
+              <a:t>        }</a:t>
+            </a:r>
+          </a:p>
+          <a:p>
+            <a:pPr>
+              <a:defRPr sz="1400">
+                <a:solidFill>
+                  <a:srgbClr val="34495E"/>
+                </a:solidFill>
+                <a:latin typeface="Courier New"/>
+              </a:defRPr>
+            </a:pPr>
+            <a:r>
+              <a:t>      }</a:t>
+            </a:r>
+          </a:p>
+          <a:p>
+            <a:pPr>
+              <a:defRPr sz="1400">
+                <a:solidFill>
+                  <a:srgbClr val="34495E"/>
+                </a:solidFill>
+                <a:latin typeface="Courier New"/>
+              </a:defRPr>
+            </a:pPr>
+            <a:r>
+              <a:t>    )</a:t>
+            </a:r>
+          </a:p>
+          <a:p>
+            <a:pPr>
+              <a:defRPr sz="1400">
+                <a:solidFill>
+                  <a:srgbClr val="34495E"/>
+                </a:solidFill>
+                <a:latin typeface="Courier New"/>
+              </a:defRPr>
+            </a:pPr>
+          </a:p>
+          <a:p>
+            <a:pPr>
+              <a:defRPr sz="1400">
+                <a:solidFill>
+                  <a:srgbClr val="34495E"/>
+                </a:solidFill>
+                <a:latin typeface="Courier New"/>
+              </a:defRPr>
+            </a:pPr>
+            <a:r>
+              <a:t>    return response.data.results</a:t>
+            </a:r>
+          </a:p>
+          <a:p>
+            <a:pPr>
+              <a:defRPr sz="1400">
+                <a:solidFill>
+                  <a:srgbClr val="34495E"/>
+                </a:solidFill>
+                <a:latin typeface="Courier New"/>
+              </a:defRPr>
+            </a:pPr>
+            <a:r>
+              <a:t>  } catch (error) {</a:t>
+            </a:r>
+          </a:p>
+          <a:p>
+            <a:pPr>
+              <a:defRPr sz="1400">
+                <a:solidFill>
+                  <a:srgbClr val="34495E"/>
+                </a:solidFill>
+                <a:latin typeface="Courier New"/>
+              </a:defRPr>
+            </a:pPr>
+            <a:r>
+              <a:t>    if (error.response) {</a:t>
+            </a:r>
+          </a:p>
+          <a:p>
+            <a:pPr>
+              <a:defRPr sz="1400">
+                <a:solidFill>
+                  <a:srgbClr val="34495E"/>
+                </a:solidFill>
+                <a:latin typeface="Courier New"/>
+              </a:defRPr>
+            </a:pPr>
+            <a:r>
+              <a:t>      showError(`Помилка API: ${error.response.status}`)</a:t>
+            </a:r>
+          </a:p>
+          <a:p>
+            <a:pPr>
+              <a:defRPr sz="1400">
+                <a:solidFill>
+                  <a:srgbClr val="34495E"/>
+                </a:solidFill>
+                <a:latin typeface="Courier New"/>
+              </a:defRPr>
+            </a:pPr>
+            <a:r>
+              <a:t>    } else if (error.request) {</a:t>
+            </a:r>
+          </a:p>
+          <a:p>
+            <a:pPr>
+              <a:defRPr sz="1400">
+                <a:solidFill>
+                  <a:srgbClr val="34495E"/>
+                </a:solidFill>
+                <a:latin typeface="Courier New"/>
+              </a:defRPr>
+            </a:pPr>
+            <a:r>
+              <a:t>      showError('Помилка мережі')</a:t>
+            </a:r>
+          </a:p>
+          <a:p>
+            <a:pPr>
+              <a:defRPr sz="1400">
+                <a:solidFill>
+                  <a:srgbClr val="34495E"/>
+                </a:solidFill>
+                <a:latin typeface="Courier New"/>
+              </a:defRPr>
+            </a:pPr>
+            <a:r>
+              <a:t>    }</a:t>
+            </a:r>
+          </a:p>
+          <a:p>
+            <a:pPr>
+              <a:defRPr sz="1400">
+                <a:solidFill>
+                  <a:srgbClr val="34495E"/>
+                </a:solidFill>
+                <a:latin typeface="Courier New"/>
+              </a:defRPr>
+            </a:pPr>
+            <a:r>
+              <a:t>    return []</a:t>
+            </a:r>
+          </a:p>
+          <a:p>
+            <a:pPr>
+              <a:defRPr sz="1400">
+                <a:solidFill>
+                  <a:srgbClr val="34495E"/>
+                </a:solidFill>
+                <a:latin typeface="Courier New"/>
+              </a:defRPr>
+            </a:pPr>
+            <a:r>
+              <a:t>  }</a:t>
+            </a:r>
+          </a:p>
+          <a:p>
+            <a:pPr>
+              <a:defRPr sz="1400">
+                <a:solidFill>
+                  <a:srgbClr val="34495E"/>
+                </a:solidFill>
+                <a:latin typeface="Courier New"/>
+              </a:defRPr>
+            </a:pPr>
+            <a:r>
+              <a:t>}</a:t>
+            </a:r>
+          </a:p>
+        </p:txBody>
+      </p:sp>
+    </p:spTree>
+  </p:cSld>
+  <p:clrMapOvr>
+    <a:masterClrMapping/>
+  </p:clrMapOvr>
+</p:sld>
+</file>
+
+<file path=ppt/slides/slide15.xml><?xml version="1.0" encoding="utf-8"?>
+<p:sld xmlns:a="http://schemas.openxmlformats.org/drawingml/2006/main" xmlns:p="http://schemas.openxmlformats.org/presentationml/2006/main" xmlns:r="http://schemas.openxmlformats.org/officeDocument/2006/relationships">
+  <p:cSld>
+    <p:spTree>
+      <p:nvGrpSpPr>
+        <p:cNvPr id="1" name=""/>
+        <p:cNvGrpSpPr/>
+        <p:nvPr/>
+      </p:nvGrpSpPr>
+      <p:grpSpPr/>
+      <p:sp>
+        <p:nvSpPr>
+          <p:cNvPr id="2" name="TextBox 1"/>
+          <p:cNvSpPr txBox="1"/>
+          <p:nvPr/>
+        </p:nvSpPr>
+        <p:spPr>
+          <a:xfrm>
+            <a:off x="457200" y="274320"/>
+            <a:ext cx="8229600" cy="640080"/>
+          </a:xfrm>
+          <a:prstGeom prst="rect">
+            <a:avLst/>
+          </a:prstGeom>
+          <a:noFill/>
+        </p:spPr>
+        <p:txBody>
+          <a:bodyPr wrap="none">
+            <a:spAutoFit/>
+          </a:bodyPr>
+          <a:lstStyle/>
+          <a:p>
+            <a:pPr>
+              <a:defRPr sz="4000" b="1">
+                <a:solidFill>
+                  <a:srgbClr val="34495E"/>
+                </a:solidFill>
+              </a:defRPr>
+            </a:pPr>
+            <a:r>
+              <a:t>🎯 Результати та досягнення</a:t>
+            </a:r>
+          </a:p>
+        </p:txBody>
+      </p:sp>
+      <p:sp>
+        <p:nvSpPr>
+          <p:cNvPr id="3" name="TextBox 2"/>
+          <p:cNvSpPr txBox="1"/>
+          <p:nvPr/>
+        </p:nvSpPr>
+        <p:spPr>
+          <a:xfrm>
+            <a:off x="731520" y="1188720"/>
+            <a:ext cx="7772400" cy="5303520"/>
+          </a:xfrm>
+          <a:prstGeom prst="rect">
+            <a:avLst/>
+          </a:prstGeom>
+          <a:noFill/>
+        </p:spPr>
+        <p:txBody>
+          <a:bodyPr wrap="none">
+            <a:spAutoFit/>
+          </a:bodyPr>
+          <a:lstStyle/>
+          <a:p>
+            <a:pPr>
+              <a:spcAft>
+                <a:spcPts val="1200"/>
+              </a:spcAft>
+              <a:defRPr sz="2000" b="1">
+                <a:solidFill>
+                  <a:srgbClr val="27AE60"/>
+                </a:solidFill>
+              </a:defRPr>
+            </a:pPr>
+            <a:r>
+              <a:t>✅ Повністю реалізовані всі 12+ тем практики</a:t>
+            </a:r>
+          </a:p>
+          <a:p>
+            <a:pPr>
+              <a:spcAft>
+                <a:spcPts val="1200"/>
+              </a:spcAft>
+              <a:defRPr sz="2000" b="1">
+                <a:solidFill>
+                  <a:srgbClr val="27AE60"/>
+                </a:solidFill>
+              </a:defRPr>
+            </a:pPr>
+          </a:p>
+          <a:p>
+            <a:pPr>
+              <a:spcAft>
+                <a:spcPts val="1200"/>
+              </a:spcAft>
+              <a:defRPr sz="2000" b="1">
+                <a:solidFill>
+                  <a:srgbClr val="27AE60"/>
+                </a:solidFill>
+              </a:defRPr>
+            </a:pPr>
+            <a:r>
+              <a:t>✅ Модульна архітектура з 8 окремих файлів</a:t>
+            </a:r>
+          </a:p>
+          <a:p>
+            <a:pPr>
+              <a:spcAft>
+                <a:spcPts val="1200"/>
+              </a:spcAft>
+              <a:defRPr sz="2000" b="1">
+                <a:solidFill>
+                  <a:srgbClr val="27AE60"/>
+                </a:solidFill>
+              </a:defRPr>
+            </a:pPr>
+          </a:p>
+          <a:p>
+            <a:pPr>
+              <a:spcAft>
+                <a:spcPts val="1200"/>
+              </a:spcAft>
+              <a:defRPr sz="2000" b="1">
+                <a:solidFill>
+                  <a:srgbClr val="27AE60"/>
+                </a:solidFill>
+              </a:defRPr>
+            </a:pPr>
+            <a:r>
+              <a:t>✅ Інтеграція з реальним API (Unsplash)</a:t>
+            </a:r>
+          </a:p>
+          <a:p>
+            <a:pPr>
+              <a:spcAft>
+                <a:spcPts val="1200"/>
+              </a:spcAft>
+              <a:defRPr sz="2000" b="1">
+                <a:solidFill>
+                  <a:srgbClr val="27AE60"/>
+                </a:solidFill>
+              </a:defRPr>
+            </a:pPr>
+          </a:p>
+          <a:p>
+            <a:pPr>
+              <a:spcAft>
+                <a:spcPts val="1200"/>
+              </a:spcAft>
+              <a:defRPr sz="2000" b="1">
+                <a:solidFill>
+                  <a:srgbClr val="27AE60"/>
+                </a:solidFill>
+              </a:defRPr>
+            </a:pPr>
+            <a:r>
+              <a:t>✅ Три різні режими завантаження даних</a:t>
+            </a:r>
+          </a:p>
+          <a:p>
+            <a:pPr>
+              <a:spcAft>
+                <a:spcPts val="1200"/>
+              </a:spcAft>
+              <a:defRPr sz="2000" b="1">
+                <a:solidFill>
+                  <a:srgbClr val="27AE60"/>
+                </a:solidFill>
+              </a:defRPr>
+            </a:pPr>
+          </a:p>
+          <a:p>
+            <a:pPr>
+              <a:spcAft>
+                <a:spcPts val="1200"/>
+              </a:spcAft>
+              <a:defRPr sz="2000" b="1">
+                <a:solidFill>
+                  <a:srgbClr val="27AE60"/>
+                </a:solidFill>
+              </a:defRPr>
+            </a:pPr>
+            <a:r>
+              <a:t>✅ Адаптивний дизайн для всіх пристроїв</a:t>
+            </a:r>
+          </a:p>
+          <a:p>
+            <a:pPr>
+              <a:spcAft>
+                <a:spcPts val="1200"/>
+              </a:spcAft>
+              <a:defRPr sz="2000" b="1">
+                <a:solidFill>
+                  <a:srgbClr val="27AE60"/>
+                </a:solidFill>
+              </a:defRPr>
+            </a:pPr>
+          </a:p>
+          <a:p>
+            <a:pPr>
+              <a:spcAft>
+                <a:spcPts val="1200"/>
+              </a:spcAft>
+              <a:defRPr sz="2000" b="1">
+                <a:solidFill>
+                  <a:srgbClr val="27AE60"/>
+                </a:solidFill>
+              </a:defRPr>
+            </a:pPr>
+            <a:r>
+              <a:t>✅ Система збереження улюблених фото</a:t>
+            </a:r>
+          </a:p>
+          <a:p>
+            <a:pPr>
+              <a:spcAft>
+                <a:spcPts val="1200"/>
+              </a:spcAft>
+              <a:defRPr sz="2000" b="1">
+                <a:solidFill>
+                  <a:srgbClr val="27AE60"/>
+                </a:solidFill>
+              </a:defRPr>
+            </a:pPr>
+          </a:p>
+          <a:p>
+            <a:pPr>
+              <a:spcAft>
+                <a:spcPts val="1200"/>
+              </a:spcAft>
+              <a:defRPr sz="2000" b="1">
+                <a:solidFill>
+                  <a:srgbClr val="27AE60"/>
+                </a:solidFill>
+              </a:defRPr>
+            </a:pPr>
+            <a:r>
+              <a:t>✅ Професійна обробка помилок</a:t>
+            </a:r>
+          </a:p>
+          <a:p>
+            <a:pPr>
+              <a:spcAft>
+                <a:spcPts val="1200"/>
+              </a:spcAft>
+              <a:defRPr sz="2000" b="1">
+                <a:solidFill>
+                  <a:srgbClr val="27AE60"/>
+                </a:solidFill>
+              </a:defRPr>
+            </a:pPr>
+          </a:p>
+          <a:p>
+            <a:pPr>
+              <a:spcAft>
+                <a:spcPts val="1200"/>
+              </a:spcAft>
+              <a:defRPr sz="2000" b="1">
+                <a:solidFill>
+                  <a:srgbClr val="27AE60"/>
+                </a:solidFill>
+              </a:defRPr>
+            </a:pPr>
+            <a:r>
+              <a:t>✅ Оптимізація (debouncing, lazy loading, delegation)</a:t>
+            </a:r>
+          </a:p>
+          <a:p>
+            <a:pPr>
+              <a:spcAft>
+                <a:spcPts val="1200"/>
+              </a:spcAft>
+              <a:defRPr sz="2000" b="1">
+                <a:solidFill>
+                  <a:srgbClr val="27AE60"/>
+                </a:solidFill>
+              </a:defRPr>
+            </a:pPr>
+          </a:p>
+          <a:p>
+            <a:pPr>
+              <a:spcAft>
+                <a:spcPts val="1200"/>
+              </a:spcAft>
+              <a:defRPr sz="2000" b="1">
+                <a:solidFill>
+                  <a:srgbClr val="27AE60"/>
+                </a:solidFill>
+              </a:defRPr>
+            </a:pPr>
+            <a:r>
+              <a:t>✅ Готовність до deployment</a:t>
+            </a:r>
+          </a:p>
+        </p:txBody>
+      </p:sp>
+    </p:spTree>
+  </p:cSld>
+  <p:clrMapOvr>
+    <a:masterClrMapping/>
+  </p:clrMapOvr>
+</p:sld>
+</file>
+
+<file path=ppt/slides/slide16.xml><?xml version="1.0" encoding="utf-8"?>
+<p:sld xmlns:a="http://schemas.openxmlformats.org/drawingml/2006/main" xmlns:p="http://schemas.openxmlformats.org/presentationml/2006/main" xmlns:r="http://schemas.openxmlformats.org/officeDocument/2006/relationships">
+  <p:cSld>
+    <p:spTree>
+      <p:nvGrpSpPr>
+        <p:cNvPr id="1" name=""/>
+        <p:cNvGrpSpPr/>
+        <p:nvPr/>
+      </p:nvGrpSpPr>
+      <p:grpSpPr/>
+      <p:sp>
+        <p:nvSpPr>
+          <p:cNvPr id="2" name="TextBox 1"/>
+          <p:cNvSpPr txBox="1"/>
+          <p:nvPr/>
+        </p:nvSpPr>
+        <p:spPr>
+          <a:xfrm>
+            <a:off x="457200" y="274320"/>
+            <a:ext cx="8229600" cy="640080"/>
+          </a:xfrm>
+          <a:prstGeom prst="rect">
+            <a:avLst/>
+          </a:prstGeom>
+          <a:noFill/>
+        </p:spPr>
+        <p:txBody>
+          <a:bodyPr wrap="none">
+            <a:spAutoFit/>
+          </a:bodyPr>
+          <a:lstStyle/>
+          <a:p>
+            <a:pPr>
+              <a:defRPr sz="4000" b="1">
+                <a:solidFill>
+                  <a:srgbClr val="34495E"/>
+                </a:solidFill>
+              </a:defRPr>
+            </a:pPr>
+            <a:r>
+              <a:t>🚀 Як запустити проєкт</a:t>
+            </a:r>
+          </a:p>
+        </p:txBody>
+      </p:sp>
+      <p:sp>
+        <p:nvSpPr>
+          <p:cNvPr id="3" name="TextBox 2"/>
+          <p:cNvSpPr txBox="1"/>
+          <p:nvPr/>
+        </p:nvSpPr>
+        <p:spPr>
+          <a:xfrm>
+            <a:off x="1371600" y="1645920"/>
+            <a:ext cx="6400800" cy="4114800"/>
+          </a:xfrm>
+          <a:prstGeom prst="rect">
+            <a:avLst/>
+          </a:prstGeom>
+          <a:noFill/>
+        </p:spPr>
+        <p:txBody>
+          <a:bodyPr wrap="none">
+            <a:spAutoFit/>
+          </a:bodyPr>
+          <a:lstStyle/>
+          <a:p>
+            <a:pPr>
+              <a:spcAft>
+                <a:spcPts val="1200"/>
+              </a:spcAft>
+              <a:defRPr sz="1800">
+                <a:solidFill>
+                  <a:srgbClr val="34495E"/>
+                </a:solidFill>
+              </a:defRPr>
+            </a:pPr>
+            <a:r>
+              <a:t>1️⃣ Клонування репозиторію:</a:t>
+            </a:r>
+          </a:p>
+          <a:p>
+            <a:pPr>
+              <a:spcAft>
+                <a:spcPts val="1200"/>
+              </a:spcAft>
+              <a:defRPr sz="1800">
+                <a:solidFill>
+                  <a:srgbClr val="34495E"/>
+                </a:solidFill>
+              </a:defRPr>
+            </a:pPr>
+            <a:r>
+              <a:t>   git clone https://github.com/AlexBram003/Practika</a:t>
+            </a:r>
+          </a:p>
+          <a:p>
+            <a:pPr>
+              <a:spcAft>
+                <a:spcPts val="1200"/>
+              </a:spcAft>
+              <a:defRPr sz="1800">
+                <a:solidFill>
+                  <a:srgbClr val="34495E"/>
+                </a:solidFill>
+              </a:defRPr>
+            </a:pPr>
+            <a:r>
+              <a:t>   cd Practika</a:t>
+            </a:r>
+          </a:p>
+          <a:p>
+            <a:pPr>
+              <a:spcAft>
+                <a:spcPts val="1200"/>
+              </a:spcAft>
+              <a:defRPr sz="1800">
+                <a:solidFill>
+                  <a:srgbClr val="34495E"/>
+                </a:solidFill>
+              </a:defRPr>
+            </a:pPr>
+          </a:p>
+          <a:p>
+            <a:pPr>
+              <a:spcAft>
+                <a:spcPts val="1200"/>
+              </a:spcAft>
+              <a:defRPr sz="1800">
+                <a:solidFill>
+                  <a:srgbClr val="34495E"/>
+                </a:solidFill>
+              </a:defRPr>
+            </a:pPr>
+            <a:r>
+              <a:t>2️⃣ Встановлення залежностей:</a:t>
+            </a:r>
+          </a:p>
+          <a:p>
+            <a:pPr>
+              <a:spcAft>
+                <a:spcPts val="1200"/>
+              </a:spcAft>
+              <a:defRPr sz="1800">
+                <a:solidFill>
+                  <a:srgbClr val="34495E"/>
+                </a:solidFill>
+              </a:defRPr>
+            </a:pPr>
+            <a:r>
+              <a:t>   npm install</a:t>
+            </a:r>
+          </a:p>
+          <a:p>
+            <a:pPr>
+              <a:spcAft>
+                <a:spcPts val="1200"/>
+              </a:spcAft>
+              <a:defRPr sz="1800">
+                <a:solidFill>
+                  <a:srgbClr val="34495E"/>
+                </a:solidFill>
+              </a:defRPr>
+            </a:pPr>
+          </a:p>
+          <a:p>
+            <a:pPr>
+              <a:spcAft>
+                <a:spcPts val="1200"/>
+              </a:spcAft>
+              <a:defRPr sz="1800">
+                <a:solidFill>
+                  <a:srgbClr val="34495E"/>
+                </a:solidFill>
+              </a:defRPr>
+            </a:pPr>
+            <a:r>
+              <a:t>3️⃣ Запуск dev-сервера:</a:t>
+            </a:r>
+          </a:p>
+          <a:p>
+            <a:pPr>
+              <a:spcAft>
+                <a:spcPts val="1200"/>
+              </a:spcAft>
+              <a:defRPr sz="1800">
+                <a:solidFill>
+                  <a:srgbClr val="34495E"/>
+                </a:solidFill>
+              </a:defRPr>
+            </a:pPr>
+            <a:r>
+              <a:t>   npm run dev</a:t>
+            </a:r>
+          </a:p>
+          <a:p>
+            <a:pPr>
+              <a:spcAft>
+                <a:spcPts val="1200"/>
+              </a:spcAft>
+              <a:defRPr sz="1800">
+                <a:solidFill>
+                  <a:srgbClr val="34495E"/>
+                </a:solidFill>
+              </a:defRPr>
+            </a:pPr>
+          </a:p>
+          <a:p>
+            <a:pPr>
+              <a:spcAft>
+                <a:spcPts val="1200"/>
+              </a:spcAft>
+              <a:defRPr sz="1800">
+                <a:solidFill>
+                  <a:srgbClr val="34495E"/>
+                </a:solidFill>
+              </a:defRPr>
+            </a:pPr>
+            <a:r>
+              <a:t>4️⃣ Відкрити браузер:</a:t>
+            </a:r>
+          </a:p>
+          <a:p>
+            <a:pPr>
+              <a:spcAft>
+                <a:spcPts val="1200"/>
+              </a:spcAft>
+              <a:defRPr sz="1800">
+                <a:solidFill>
+                  <a:srgbClr val="34495E"/>
+                </a:solidFill>
+              </a:defRPr>
+            </a:pPr>
+            <a:r>
+              <a:t>   http://localhost:5173</a:t>
+            </a:r>
+          </a:p>
+          <a:p>
+            <a:pPr>
+              <a:spcAft>
+                <a:spcPts val="1200"/>
+              </a:spcAft>
+              <a:defRPr sz="1800">
+                <a:solidFill>
+                  <a:srgbClr val="34495E"/>
+                </a:solidFill>
+              </a:defRPr>
+            </a:pPr>
+          </a:p>
+          <a:p>
+            <a:pPr>
+              <a:spcAft>
+                <a:spcPts val="1200"/>
+              </a:spcAft>
+              <a:defRPr sz="1800">
+                <a:solidFill>
+                  <a:srgbClr val="34495E"/>
+                </a:solidFill>
+              </a:defRPr>
+            </a:pPr>
+            <a:r>
+              <a:t>💡 Спробуйте: пошук "nature", клік на категорію,</a:t>
+            </a:r>
+          </a:p>
+          <a:p>
+            <a:pPr>
+              <a:spcAft>
+                <a:spcPts val="1200"/>
+              </a:spcAft>
+              <a:defRPr sz="1800">
+                <a:solidFill>
+                  <a:srgbClr val="34495E"/>
+                </a:solidFill>
+              </a:defRPr>
+            </a:pPr>
+            <a:r>
+              <a:t>   додавання до улюблених, зміна режиму завантаження</a:t>
+            </a:r>
+          </a:p>
+        </p:txBody>
+      </p:sp>
+    </p:spTree>
+  </p:cSld>
+  <p:clrMapOvr>
+    <a:masterClrMapping/>
+  </p:clrMapOvr>
+</p:sld>
+</file>
+
+<file path=ppt/slides/slide17.xml><?xml version="1.0" encoding="utf-8"?>
 <p:sld xmlns:a="http://schemas.openxmlformats.org/drawingml/2006/main" xmlns:p="http://schemas.openxmlformats.org/presentationml/2006/main" xmlns:r="http://schemas.openxmlformats.org/officeDocument/2006/relationships">
   <p:cSld>
     <p:spTree>
@@ -4680,7 +5957,7 @@
         <p:spPr>
           <a:xfrm>
             <a:off x="457200" y="274320"/>
-            <a:ext cx="8229600" cy="731520"/>
+            <a:ext cx="8229600" cy="640080"/>
           </a:xfrm>
           <a:prstGeom prst="rect">
             <a:avLst/>
@@ -4694,28 +5971,115 @@
           <a:lstStyle/>
           <a:p>
             <a:pPr>
-              <a:defRPr sz="4000" b="1">
-                <a:solidFill>
-                  <a:srgbClr val="34495E"/>
-                </a:solidFill>
-              </a:defRPr>
-            </a:pPr>
-            <a:r>
-              <a:t>Опис проєкту</a:t>
-            </a:r>
-          </a:p>
-        </p:txBody>
-      </p:sp>
-      <p:sp>
-        <p:nvSpPr>
-          <p:cNvPr id="3" name="TextBox 2"/>
+              <a:defRPr sz="3600" b="1">
+                <a:solidFill>
+                  <a:srgbClr val="34495E"/>
+                </a:solidFill>
+              </a:defRPr>
+            </a:pPr>
+            <a:r>
+              <a:t>Головна сторінка застосунку</a:t>
+            </a:r>
+          </a:p>
+        </p:txBody>
+      </p:sp>
+      <p:sp>
+        <p:nvSpPr>
+          <p:cNvPr id="3" name="Rectangle 2"/>
+          <p:cNvSpPr/>
+          <p:nvPr/>
+        </p:nvSpPr>
+        <p:spPr>
+          <a:xfrm>
+            <a:off x="457200" y="1097280"/>
+            <a:ext cx="8229600" cy="4572000"/>
+          </a:xfrm>
+          <a:prstGeom prst="rect">
+            <a:avLst/>
+          </a:prstGeom>
+          <a:solidFill>
+            <a:srgbClr val="ECF0F1"/>
+          </a:solidFill>
+          <a:ln w="25400">
+            <a:solidFill>
+              <a:srgbClr val="34495E"/>
+            </a:solidFill>
+          </a:ln>
+        </p:spPr>
+        <p:style>
+          <a:lnRef idx="1">
+            <a:schemeClr val="accent1"/>
+          </a:lnRef>
+          <a:fillRef idx="3">
+            <a:schemeClr val="accent1"/>
+          </a:fillRef>
+          <a:effectRef idx="2">
+            <a:schemeClr val="accent1"/>
+          </a:effectRef>
+          <a:fontRef idx="minor">
+            <a:schemeClr val="lt1"/>
+          </a:fontRef>
+        </p:style>
+        <p:txBody>
+          <a:bodyPr rtlCol="0" anchor="ctr"/>
+          <a:lstStyle/>
+          <a:p>
+            <a:pPr algn="ctr">
+              <a:defRPr sz="2000">
+                <a:solidFill>
+                  <a:srgbClr val="34495E"/>
+                </a:solidFill>
+              </a:defRPr>
+            </a:pPr>
+            <a:r>
+              <a:t>📷 СКРІНШОТ:</a:t>
+            </a:r>
+          </a:p>
+          <a:p>
+            <a:pPr algn="ctr">
+              <a:defRPr sz="2000">
+                <a:solidFill>
+                  <a:srgbClr val="34495E"/>
+                </a:solidFill>
+              </a:defRPr>
+            </a:pPr>
+          </a:p>
+          <a:p>
+            <a:pPr algn="ctr">
+              <a:defRPr sz="2000">
+                <a:solidFill>
+                  <a:srgbClr val="34495E"/>
+                </a:solidFill>
+              </a:defRPr>
+            </a:pPr>
+            <a:r>
+              <a:t>Головна сторінка з навігацією,</a:t>
+            </a:r>
+          </a:p>
+          <a:p>
+            <a:pPr algn="ctr">
+              <a:defRPr sz="2000">
+                <a:solidFill>
+                  <a:srgbClr val="34495E"/>
+                </a:solidFill>
+              </a:defRPr>
+            </a:pPr>
+            <a:r>
+              <a:t>формою пошуку та галереєю фотографій</a:t>
+            </a:r>
+          </a:p>
+        </p:txBody>
+      </p:sp>
+      <p:sp>
+        <p:nvSpPr>
+          <p:cNvPr id="4" name="TextBox 3"/>
           <p:cNvSpPr txBox="1"/>
           <p:nvPr/>
         </p:nvSpPr>
         <p:spPr>
           <a:xfrm>
-            <a:off x="731520" y="1371600"/>
-            <a:ext cx="7772400" cy="4572000"/>
+            <a:off x="457200" y="5852160"/>
+            <a:ext cx="8229600" cy="822960"/>
           </a:xfrm>
           <a:prstGeom prst="rect">
             <a:avLst/>
@@ -4723,152 +6087,20 @@
           <a:noFill/>
         </p:spPr>
         <p:txBody>
-          <a:bodyPr wrap="square">
+          <a:bodyPr wrap="none">
             <a:spAutoFit/>
           </a:bodyPr>
           <a:lstStyle/>
           <a:p>
-            <a:pPr>
-              <a:spcAft>
-                <a:spcPts val="1200"/>
-              </a:spcAft>
-              <a:defRPr sz="1800">
-                <a:solidFill>
-                  <a:srgbClr val="34495E"/>
-                </a:solidFill>
-              </a:defRPr>
-            </a:pPr>
-            <a:r>
-              <a:t>Photo Gallery - інтерактивний веб-застосунок для пошуку та перегляду фотографій з API Unsplash.</a:t>
-            </a:r>
-          </a:p>
-          <a:p>
-            <a:pPr>
-              <a:spcAft>
-                <a:spcPts val="1200"/>
-              </a:spcAft>
-              <a:defRPr sz="1800">
-                <a:solidFill>
-                  <a:srgbClr val="34495E"/>
-                </a:solidFill>
-              </a:defRPr>
-            </a:pPr>
-          </a:p>
-          <a:p>
-            <a:pPr>
-              <a:spcAft>
-                <a:spcPts val="1200"/>
-              </a:spcAft>
-              <a:defRPr sz="1800">
-                <a:solidFill>
-                  <a:srgbClr val="34495E"/>
-                </a:solidFill>
-              </a:defRPr>
-            </a:pPr>
-            <a:r>
-              <a:t>🎯 Мета проєкту:</a:t>
-            </a:r>
-          </a:p>
-          <a:p>
-            <a:pPr>
-              <a:spcAft>
-                <a:spcPts val="1200"/>
-              </a:spcAft>
-              <a:defRPr sz="1800">
-                <a:solidFill>
-                  <a:srgbClr val="34495E"/>
-                </a:solidFill>
-              </a:defRPr>
-            </a:pPr>
-            <a:r>
-              <a:t>• Створення зручного інтерфейсу для пошуку фотографій</a:t>
-            </a:r>
-          </a:p>
-          <a:p>
-            <a:pPr>
-              <a:spcAft>
-                <a:spcPts val="1200"/>
-              </a:spcAft>
-              <a:defRPr sz="1800">
-                <a:solidFill>
-                  <a:srgbClr val="34495E"/>
-                </a:solidFill>
-              </a:defRPr>
-            </a:pPr>
-            <a:r>
-              <a:t>• Практичне застосування сучасних веб-технологій</a:t>
-            </a:r>
-          </a:p>
-          <a:p>
-            <a:pPr>
-              <a:spcAft>
-                <a:spcPts val="1200"/>
-              </a:spcAft>
-              <a:defRPr sz="1800">
-                <a:solidFill>
-                  <a:srgbClr val="34495E"/>
-                </a:solidFill>
-              </a:defRPr>
-            </a:pPr>
-            <a:r>
-              <a:t>• Інтеграція з зовнішнім API</a:t>
-            </a:r>
-          </a:p>
-          <a:p>
-            <a:pPr>
-              <a:spcAft>
-                <a:spcPts val="1200"/>
-              </a:spcAft>
-              <a:defRPr sz="1800">
-                <a:solidFill>
-                  <a:srgbClr val="34495E"/>
-                </a:solidFill>
-              </a:defRPr>
-            </a:pPr>
-            <a:r>
-              <a:t>• Реалізація адаптивного дизайну</a:t>
-            </a:r>
-          </a:p>
-          <a:p>
-            <a:pPr>
-              <a:spcAft>
-                <a:spcPts val="1200"/>
-              </a:spcAft>
-              <a:defRPr sz="1800">
-                <a:solidFill>
-                  <a:srgbClr val="34495E"/>
-                </a:solidFill>
-              </a:defRPr>
-            </a:pPr>
-          </a:p>
-          <a:p>
-            <a:pPr>
-              <a:spcAft>
-                <a:spcPts val="1200"/>
-              </a:spcAft>
-              <a:defRPr sz="1800">
-                <a:solidFill>
-                  <a:srgbClr val="34495E"/>
-                </a:solidFill>
-              </a:defRPr>
-            </a:pPr>
-            <a:r>
-              <a:t>📦 Варіант завдання: №6 - Photo Gallery</a:t>
-            </a:r>
-          </a:p>
-          <a:p>
-            <a:pPr>
-              <a:spcAft>
-                <a:spcPts val="1200"/>
-              </a:spcAft>
-              <a:defRPr sz="1800">
-                <a:solidFill>
-                  <a:srgbClr val="34495E"/>
-                </a:solidFill>
-              </a:defRPr>
-            </a:pPr>
-            <a:r>
-              <a:t>Відображення фотографій з API (Unsplash) із можливістю перегляду у повному розмірі та збереження улюблених</a:t>
+            <a:pPr algn="ctr">
+              <a:defRPr sz="1600">
+                <a:solidFill>
+                  <a:srgbClr val="34495E"/>
+                </a:solidFill>
+              </a:defRPr>
+            </a:pPr>
+            <a:r>
+              <a:t>🔹 Navbar з назвою застосунку  🔹 Форма пошуку з кнопкою  🔹 Адаптивна галерея фотографій (3 колонки)</a:t>
             </a:r>
           </a:p>
         </p:txBody>
@@ -4900,7 +6132,7 @@
         <p:spPr>
           <a:xfrm>
             <a:off x="457200" y="274320"/>
-            <a:ext cx="8229600" cy="731520"/>
+            <a:ext cx="8229600" cy="640080"/>
           </a:xfrm>
           <a:prstGeom prst="rect">
             <a:avLst/>
@@ -4914,28 +6146,127 @@
           <a:lstStyle/>
           <a:p>
             <a:pPr>
-              <a:defRPr sz="4000" b="1">
-                <a:solidFill>
-                  <a:srgbClr val="34495E"/>
-                </a:solidFill>
-              </a:defRPr>
-            </a:pPr>
-            <a:r>
-              <a:t>Технічний стек</a:t>
-            </a:r>
-          </a:p>
-        </p:txBody>
-      </p:sp>
-      <p:sp>
-        <p:nvSpPr>
-          <p:cNvPr id="3" name="TextBox 2"/>
+              <a:defRPr sz="3600" b="1">
+                <a:solidFill>
+                  <a:srgbClr val="34495E"/>
+                </a:solidFill>
+              </a:defRPr>
+            </a:pPr>
+            <a:r>
+              <a:t>🔍 Пошук фотографій</a:t>
+            </a:r>
+          </a:p>
+        </p:txBody>
+      </p:sp>
+      <p:sp>
+        <p:nvSpPr>
+          <p:cNvPr id="3" name="Rectangle 2"/>
+          <p:cNvSpPr/>
+          <p:nvPr/>
+        </p:nvSpPr>
+        <p:spPr>
+          <a:xfrm>
+            <a:off x="457200" y="1097280"/>
+            <a:ext cx="5029200" cy="3657600"/>
+          </a:xfrm>
+          <a:prstGeom prst="rect">
+            <a:avLst/>
+          </a:prstGeom>
+          <a:solidFill>
+            <a:srgbClr val="ECF0F1"/>
+          </a:solidFill>
+          <a:ln w="25400">
+            <a:solidFill>
+              <a:srgbClr val="34495E"/>
+            </a:solidFill>
+          </a:ln>
+        </p:spPr>
+        <p:style>
+          <a:lnRef idx="1">
+            <a:schemeClr val="accent1"/>
+          </a:lnRef>
+          <a:fillRef idx="3">
+            <a:schemeClr val="accent1"/>
+          </a:fillRef>
+          <a:effectRef idx="2">
+            <a:schemeClr val="accent1"/>
+          </a:effectRef>
+          <a:fontRef idx="minor">
+            <a:schemeClr val="lt1"/>
+          </a:fontRef>
+        </p:style>
+        <p:txBody>
+          <a:bodyPr rtlCol="0" anchor="ctr"/>
+          <a:lstStyle/>
+          <a:p>
+            <a:pPr algn="ctr">
+              <a:defRPr sz="1800">
+                <a:solidFill>
+                  <a:srgbClr val="34495E"/>
+                </a:solidFill>
+              </a:defRPr>
+            </a:pPr>
+            <a:r>
+              <a:t>📷 СКРІНШОТ:</a:t>
+            </a:r>
+          </a:p>
+          <a:p>
+            <a:pPr algn="ctr">
+              <a:defRPr sz="1800">
+                <a:solidFill>
+                  <a:srgbClr val="34495E"/>
+                </a:solidFill>
+              </a:defRPr>
+            </a:pPr>
+          </a:p>
+          <a:p>
+            <a:pPr algn="ctr">
+              <a:defRPr sz="1800">
+                <a:solidFill>
+                  <a:srgbClr val="34495E"/>
+                </a:solidFill>
+              </a:defRPr>
+            </a:pPr>
+            <a:r>
+              <a:t>Форма пошуку з</a:t>
+            </a:r>
+          </a:p>
+          <a:p>
+            <a:pPr algn="ctr">
+              <a:defRPr sz="1800">
+                <a:solidFill>
+                  <a:srgbClr val="34495E"/>
+                </a:solidFill>
+              </a:defRPr>
+            </a:pPr>
+            <a:r>
+              <a:t>введеним запитом</a:t>
+            </a:r>
+          </a:p>
+          <a:p>
+            <a:pPr algn="ctr">
+              <a:defRPr sz="1800">
+                <a:solidFill>
+                  <a:srgbClr val="34495E"/>
+                </a:solidFill>
+              </a:defRPr>
+            </a:pPr>
+            <a:r>
+              <a:t>"nature"</a:t>
+            </a:r>
+          </a:p>
+        </p:txBody>
+      </p:sp>
+      <p:sp>
+        <p:nvSpPr>
+          <p:cNvPr id="4" name="TextBox 3"/>
           <p:cNvSpPr txBox="1"/>
           <p:nvPr/>
         </p:nvSpPr>
         <p:spPr>
           <a:xfrm>
-            <a:off x="731520" y="1371600"/>
-            <a:ext cx="3657600" cy="4572000"/>
+            <a:off x="5669280" y="1097280"/>
+            <a:ext cx="3200400" cy="4114800"/>
           </a:xfrm>
           <a:prstGeom prst="rect">
             <a:avLst/>
@@ -4950,7 +6281,7 @@
           <a:p>
             <a:pPr>
               <a:spcAft>
-                <a:spcPts val="1000"/>
+                <a:spcPts val="800"/>
               </a:spcAft>
               <a:defRPr sz="1600">
                 <a:solidFill>
@@ -4959,13 +6290,13 @@
               </a:defRPr>
             </a:pPr>
             <a:r>
-              <a:t>⚡ Інструменти збірки:</a:t>
-            </a:r>
-          </a:p>
-          <a:p>
-            <a:pPr>
-              <a:spcAft>
-                <a:spcPts val="1000"/>
+              <a:t>Функціонал пошуку:</a:t>
+            </a:r>
+          </a:p>
+          <a:p>
+            <a:pPr>
+              <a:spcAft>
+                <a:spcPts val="800"/>
               </a:spcAft>
               <a:defRPr sz="1600">
                 <a:solidFill>
@@ -4973,14 +6304,11 @@
                 </a:solidFill>
               </a:defRPr>
             </a:pPr>
-            <a:r>
-              <a:t>• Vite 7.2.4</a:t>
-            </a:r>
-          </a:p>
-          <a:p>
-            <a:pPr>
-              <a:spcAft>
-                <a:spcPts val="1000"/>
+          </a:p>
+          <a:p>
+            <a:pPr>
+              <a:spcAft>
+                <a:spcPts val="800"/>
               </a:spcAft>
               <a:defRPr sz="1600">
                 <a:solidFill>
@@ -4989,13 +6317,13 @@
               </a:defRPr>
             </a:pPr>
             <a:r>
-              <a:t>• npm/Node.js</a:t>
-            </a:r>
-          </a:p>
-          <a:p>
-            <a:pPr>
-              <a:spcAft>
-                <a:spcPts val="1000"/>
+              <a:t>✅ Текстове поле з</a:t>
+            </a:r>
+          </a:p>
+          <a:p>
+            <a:pPr>
+              <a:spcAft>
+                <a:spcPts val="800"/>
               </a:spcAft>
               <a:defRPr sz="1600">
                 <a:solidFill>
@@ -5003,11 +6331,14 @@
                 </a:solidFill>
               </a:defRPr>
             </a:pPr>
-          </a:p>
-          <a:p>
-            <a:pPr>
-              <a:spcAft>
-                <a:spcPts val="1000"/>
+            <a:r>
+              <a:t>   placeholder</a:t>
+            </a:r>
+          </a:p>
+          <a:p>
+            <a:pPr>
+              <a:spcAft>
+                <a:spcPts val="800"/>
               </a:spcAft>
               <a:defRPr sz="1600">
                 <a:solidFill>
@@ -5015,14 +6346,11 @@
                 </a:solidFill>
               </a:defRPr>
             </a:pPr>
-            <a:r>
-              <a:t>🎨 Frontend:</a:t>
-            </a:r>
-          </a:p>
-          <a:p>
-            <a:pPr>
-              <a:spcAft>
-                <a:spcPts val="1000"/>
+          </a:p>
+          <a:p>
+            <a:pPr>
+              <a:spcAft>
+                <a:spcPts val="800"/>
               </a:spcAft>
               <a:defRPr sz="1600">
                 <a:solidFill>
@@ -5031,13 +6359,13 @@
               </a:defRPr>
             </a:pPr>
             <a:r>
-              <a:t>• JavaScript ES6+</a:t>
-            </a:r>
-          </a:p>
-          <a:p>
-            <a:pPr>
-              <a:spcAft>
-                <a:spcPts val="1000"/>
+              <a:t>✅ HTML5 валідація</a:t>
+            </a:r>
+          </a:p>
+          <a:p>
+            <a:pPr>
+              <a:spcAft>
+                <a:spcPts val="800"/>
               </a:spcAft>
               <a:defRPr sz="1600">
                 <a:solidFill>
@@ -5046,13 +6374,13 @@
               </a:defRPr>
             </a:pPr>
             <a:r>
-              <a:t>• HTML5</a:t>
-            </a:r>
-          </a:p>
-          <a:p>
-            <a:pPr>
-              <a:spcAft>
-                <a:spcPts val="1000"/>
+              <a:t>   (required)</a:t>
+            </a:r>
+          </a:p>
+          <a:p>
+            <a:pPr>
+              <a:spcAft>
+                <a:spcPts val="800"/>
               </a:spcAft>
               <a:defRPr sz="1600">
                 <a:solidFill>
@@ -5060,14 +6388,11 @@
                 </a:solidFill>
               </a:defRPr>
             </a:pPr>
-            <a:r>
-              <a:t>• CSS3</a:t>
-            </a:r>
-          </a:p>
-          <a:p>
-            <a:pPr>
-              <a:spcAft>
-                <a:spcPts val="1000"/>
+          </a:p>
+          <a:p>
+            <a:pPr>
+              <a:spcAft>
+                <a:spcPts val="800"/>
               </a:spcAft>
               <a:defRPr sz="1600">
                 <a:solidFill>
@@ -5075,11 +6400,14 @@
                 </a:solidFill>
               </a:defRPr>
             </a:pPr>
-          </a:p>
-          <a:p>
-            <a:pPr>
-              <a:spcAft>
-                <a:spcPts val="1000"/>
+            <a:r>
+              <a:t>✅ JavaScript валідація</a:t>
+            </a:r>
+          </a:p>
+          <a:p>
+            <a:pPr>
+              <a:spcAft>
+                <a:spcPts val="800"/>
               </a:spcAft>
               <a:defRPr sz="1600">
                 <a:solidFill>
@@ -5088,13 +6416,13 @@
               </a:defRPr>
             </a:pPr>
             <a:r>
-              <a:t>📚 Бібліотеки:</a:t>
-            </a:r>
-          </a:p>
-          <a:p>
-            <a:pPr>
-              <a:spcAft>
-                <a:spcPts val="1000"/>
+              <a:t>   (trim для порожніх)</a:t>
+            </a:r>
+          </a:p>
+          <a:p>
+            <a:pPr>
+              <a:spcAft>
+                <a:spcPts val="800"/>
               </a:spcAft>
               <a:defRPr sz="1600">
                 <a:solidFill>
@@ -5102,14 +6430,11 @@
                 </a:solidFill>
               </a:defRPr>
             </a:pPr>
-            <a:r>
-              <a:t>• Bootstrap 5.3.8</a:t>
-            </a:r>
-          </a:p>
-          <a:p>
-            <a:pPr>
-              <a:spcAft>
-                <a:spcPts val="1000"/>
+          </a:p>
+          <a:p>
+            <a:pPr>
+              <a:spcAft>
+                <a:spcPts val="800"/>
               </a:spcAft>
               <a:defRPr sz="1600">
                 <a:solidFill>
@@ -5118,36 +6443,13 @@
               </a:defRPr>
             </a:pPr>
             <a:r>
-              <a:t>• Axios 1.13.2</a:t>
-            </a:r>
-          </a:p>
-        </p:txBody>
-      </p:sp>
-      <p:sp>
-        <p:nvSpPr>
-          <p:cNvPr id="4" name="TextBox 3"/>
-          <p:cNvSpPr txBox="1"/>
-          <p:nvPr/>
-        </p:nvSpPr>
-        <p:spPr>
-          <a:xfrm>
-            <a:off x="4754880" y="1371600"/>
-            <a:ext cx="3657600" cy="4572000"/>
-          </a:xfrm>
-          <a:prstGeom prst="rect">
-            <a:avLst/>
-          </a:prstGeom>
-          <a:noFill/>
-        </p:spPr>
-        <p:txBody>
-          <a:bodyPr wrap="none">
-            <a:spAutoFit/>
-          </a:bodyPr>
-          <a:lstStyle/>
-          <a:p>
-            <a:pPr>
-              <a:spcAft>
-                <a:spcPts val="1000"/>
+              <a:t>✅ Кнопка "Пошук"</a:t>
+            </a:r>
+          </a:p>
+          <a:p>
+            <a:pPr>
+              <a:spcAft>
+                <a:spcPts val="800"/>
               </a:spcAft>
               <a:defRPr sz="1600">
                 <a:solidFill>
@@ -5155,14 +6457,11 @@
                 </a:solidFill>
               </a:defRPr>
             </a:pPr>
-            <a:r>
-              <a:t>🔌 API та сервіси:</a:t>
-            </a:r>
-          </a:p>
-          <a:p>
-            <a:pPr>
-              <a:spcAft>
-                <a:spcPts val="1000"/>
+          </a:p>
+          <a:p>
+            <a:pPr>
+              <a:spcAft>
+                <a:spcPts val="800"/>
               </a:spcAft>
               <a:defRPr sz="1600">
                 <a:solidFill>
@@ -5171,151 +6470,7 @@
               </a:defRPr>
             </a:pPr>
             <a:r>
-              <a:t>• Unsplash API</a:t>
-            </a:r>
-          </a:p>
-          <a:p>
-            <a:pPr>
-              <a:spcAft>
-                <a:spcPts val="1000"/>
-              </a:spcAft>
-              <a:defRPr sz="1600">
-                <a:solidFill>
-                  <a:srgbClr val="34495E"/>
-                </a:solidFill>
-              </a:defRPr>
-            </a:pPr>
-            <a:r>
-              <a:t>• REST API</a:t>
-            </a:r>
-          </a:p>
-          <a:p>
-            <a:pPr>
-              <a:spcAft>
-                <a:spcPts val="1000"/>
-              </a:spcAft>
-              <a:defRPr sz="1600">
-                <a:solidFill>
-                  <a:srgbClr val="34495E"/>
-                </a:solidFill>
-              </a:defRPr>
-            </a:pPr>
-          </a:p>
-          <a:p>
-            <a:pPr>
-              <a:spcAft>
-                <a:spcPts val="1000"/>
-              </a:spcAft>
-              <a:defRPr sz="1600">
-                <a:solidFill>
-                  <a:srgbClr val="34495E"/>
-                </a:solidFill>
-              </a:defRPr>
-            </a:pPr>
-            <a:r>
-              <a:t>💾 Зберігання даних:</a:t>
-            </a:r>
-          </a:p>
-          <a:p>
-            <a:pPr>
-              <a:spcAft>
-                <a:spcPts val="1000"/>
-              </a:spcAft>
-              <a:defRPr sz="1600">
-                <a:solidFill>
-                  <a:srgbClr val="34495E"/>
-                </a:solidFill>
-              </a:defRPr>
-            </a:pPr>
-            <a:r>
-              <a:t>• localStorage</a:t>
-            </a:r>
-          </a:p>
-          <a:p>
-            <a:pPr>
-              <a:spcAft>
-                <a:spcPts val="1000"/>
-              </a:spcAft>
-              <a:defRPr sz="1600">
-                <a:solidFill>
-                  <a:srgbClr val="34495E"/>
-                </a:solidFill>
-              </a:defRPr>
-            </a:pPr>
-            <a:r>
-              <a:t>• JSON</a:t>
-            </a:r>
-          </a:p>
-          <a:p>
-            <a:pPr>
-              <a:spcAft>
-                <a:spcPts val="1000"/>
-              </a:spcAft>
-              <a:defRPr sz="1600">
-                <a:solidFill>
-                  <a:srgbClr val="34495E"/>
-                </a:solidFill>
-              </a:defRPr>
-            </a:pPr>
-          </a:p>
-          <a:p>
-            <a:pPr>
-              <a:spcAft>
-                <a:spcPts val="1000"/>
-              </a:spcAft>
-              <a:defRPr sz="1600">
-                <a:solidFill>
-                  <a:srgbClr val="34495E"/>
-                </a:solidFill>
-              </a:defRPr>
-            </a:pPr>
-            <a:r>
-              <a:t>🛠 Інструменти розробки:</a:t>
-            </a:r>
-          </a:p>
-          <a:p>
-            <a:pPr>
-              <a:spcAft>
-                <a:spcPts val="1000"/>
-              </a:spcAft>
-              <a:defRPr sz="1600">
-                <a:solidFill>
-                  <a:srgbClr val="34495E"/>
-                </a:solidFill>
-              </a:defRPr>
-            </a:pPr>
-            <a:r>
-              <a:t>• Git/GitHub</a:t>
-            </a:r>
-          </a:p>
-          <a:p>
-            <a:pPr>
-              <a:spcAft>
-                <a:spcPts val="1000"/>
-              </a:spcAft>
-              <a:defRPr sz="1600">
-                <a:solidFill>
-                  <a:srgbClr val="34495E"/>
-                </a:solidFill>
-              </a:defRPr>
-            </a:pPr>
-            <a:r>
-              <a:t>• VS Code</a:t>
-            </a:r>
-          </a:p>
-          <a:p>
-            <a:pPr>
-              <a:spcAft>
-                <a:spcPts val="1000"/>
-              </a:spcAft>
-              <a:defRPr sz="1600">
-                <a:solidFill>
-                  <a:srgbClr val="34495E"/>
-                </a:solidFill>
-              </a:defRPr>
-            </a:pPr>
-            <a:r>
-              <a:t>• Chrome DevTools</a:t>
+              <a:t>✅ Submit при Enter</a:t>
             </a:r>
           </a:p>
         </p:txBody>
@@ -5347,7 +6502,7 @@
         <p:spPr>
           <a:xfrm>
             <a:off x="457200" y="274320"/>
-            <a:ext cx="8229600" cy="731520"/>
+            <a:ext cx="8229600" cy="640080"/>
           </a:xfrm>
           <a:prstGeom prst="rect">
             <a:avLst/>
@@ -5361,28 +6516,94 @@
           <a:lstStyle/>
           <a:p>
             <a:pPr>
-              <a:defRPr sz="4000" b="1">
-                <a:solidFill>
-                  <a:srgbClr val="34495E"/>
-                </a:solidFill>
-              </a:defRPr>
-            </a:pPr>
-            <a:r>
-              <a:t>Основна функціональність</a:t>
-            </a:r>
-          </a:p>
-        </p:txBody>
-      </p:sp>
-      <p:sp>
-        <p:nvSpPr>
-          <p:cNvPr id="3" name="TextBox 2"/>
+              <a:defRPr sz="3600" b="1">
+                <a:solidFill>
+                  <a:srgbClr val="34495E"/>
+                </a:solidFill>
+              </a:defRPr>
+            </a:pPr>
+            <a:r>
+              <a:t>🗂 Категорії для швидкого доступу</a:t>
+            </a:r>
+          </a:p>
+        </p:txBody>
+      </p:sp>
+      <p:sp>
+        <p:nvSpPr>
+          <p:cNvPr id="3" name="Rectangle 2"/>
+          <p:cNvSpPr/>
+          <p:nvPr/>
+        </p:nvSpPr>
+        <p:spPr>
+          <a:xfrm>
+            <a:off x="457200" y="1097280"/>
+            <a:ext cx="8229600" cy="2286000"/>
+          </a:xfrm>
+          <a:prstGeom prst="rect">
+            <a:avLst/>
+          </a:prstGeom>
+          <a:solidFill>
+            <a:srgbClr val="ECF0F1"/>
+          </a:solidFill>
+          <a:ln w="25400">
+            <a:solidFill>
+              <a:srgbClr val="34495E"/>
+            </a:solidFill>
+          </a:ln>
+        </p:spPr>
+        <p:style>
+          <a:lnRef idx="1">
+            <a:schemeClr val="accent1"/>
+          </a:lnRef>
+          <a:fillRef idx="3">
+            <a:schemeClr val="accent1"/>
+          </a:fillRef>
+          <a:effectRef idx="2">
+            <a:schemeClr val="accent1"/>
+          </a:effectRef>
+          <a:fontRef idx="minor">
+            <a:schemeClr val="lt1"/>
+          </a:fontRef>
+        </p:style>
+        <p:txBody>
+          <a:bodyPr rtlCol="0" anchor="ctr"/>
+          <a:lstStyle/>
+          <a:p>
+            <a:pPr algn="ctr">
+              <a:defRPr sz="1800">
+                <a:solidFill>
+                  <a:srgbClr val="34495E"/>
+                </a:solidFill>
+              </a:defRPr>
+            </a:pPr>
+            <a:r>
+              <a:t>📷 СКРІНШОТ: Горизонтальна навігація з кнопками категорій</a:t>
+            </a:r>
+          </a:p>
+          <a:p>
+            <a:pPr algn="ctr">
+              <a:defRPr sz="1800">
+                <a:solidFill>
+                  <a:srgbClr val="34495E"/>
+                </a:solidFill>
+              </a:defRPr>
+            </a:pPr>
+            <a:r>
+              <a:t>(Featured, Wallpapers, 3D Renders, Nature, Textures, Film, Architecture...)</a:t>
+            </a:r>
+          </a:p>
+        </p:txBody>
+      </p:sp>
+      <p:sp>
+        <p:nvSpPr>
+          <p:cNvPr id="4" name="TextBox 3"/>
           <p:cNvSpPr txBox="1"/>
           <p:nvPr/>
         </p:nvSpPr>
         <p:spPr>
           <a:xfrm>
-            <a:off x="731520" y="1371600"/>
-            <a:ext cx="7772400" cy="5029200"/>
+            <a:off x="731520" y="3657600"/>
+            <a:ext cx="7772400" cy="2743200"/>
           </a:xfrm>
           <a:prstGeom prst="rect">
             <a:avLst/>
@@ -5397,205 +6618,97 @@
           <a:p>
             <a:pPr>
               <a:spcAft>
-                <a:spcPts val="1400"/>
-              </a:spcAft>
-              <a:defRPr sz="1800">
-                <a:solidFill>
-                  <a:srgbClr val="34495E"/>
-                </a:solidFill>
-              </a:defRPr>
-            </a:pPr>
-            <a:r>
-              <a:t>🔍 Пошук фотографій</a:t>
-            </a:r>
-          </a:p>
-          <a:p>
-            <a:pPr>
-              <a:spcAft>
-                <a:spcPts val="1400"/>
-              </a:spcAft>
-              <a:defRPr sz="1800">
-                <a:solidFill>
-                  <a:srgbClr val="34495E"/>
-                </a:solidFill>
-              </a:defRPr>
-            </a:pPr>
-            <a:r>
-              <a:t>• Пошук за ключовими словами</a:t>
-            </a:r>
-          </a:p>
-          <a:p>
-            <a:pPr>
-              <a:spcAft>
-                <a:spcPts val="1400"/>
-              </a:spcAft>
-              <a:defRPr sz="1800">
-                <a:solidFill>
-                  <a:srgbClr val="34495E"/>
-                </a:solidFill>
-              </a:defRPr>
-            </a:pPr>
-            <a:r>
-              <a:t>• Валідація форми введення</a:t>
-            </a:r>
-          </a:p>
-          <a:p>
-            <a:pPr>
-              <a:spcAft>
-                <a:spcPts val="1400"/>
-              </a:spcAft>
-              <a:defRPr sz="1800">
-                <a:solidFill>
-                  <a:srgbClr val="34495E"/>
-                </a:solidFill>
-              </a:defRPr>
-            </a:pPr>
-            <a:r>
-              <a:t>• Миттєве відображення результатів</a:t>
-            </a:r>
-          </a:p>
-          <a:p>
-            <a:pPr>
-              <a:spcAft>
-                <a:spcPts val="1400"/>
-              </a:spcAft>
-              <a:defRPr sz="1800">
-                <a:solidFill>
-                  <a:srgbClr val="34495E"/>
-                </a:solidFill>
-              </a:defRPr>
-            </a:pPr>
-          </a:p>
-          <a:p>
-            <a:pPr>
-              <a:spcAft>
-                <a:spcPts val="1400"/>
-              </a:spcAft>
-              <a:defRPr sz="1800">
-                <a:solidFill>
-                  <a:srgbClr val="34495E"/>
-                </a:solidFill>
-              </a:defRPr>
-            </a:pPr>
-            <a:r>
-              <a:t>🗂 Категорії</a:t>
-            </a:r>
-          </a:p>
-          <a:p>
-            <a:pPr>
-              <a:spcAft>
-                <a:spcPts val="1400"/>
-              </a:spcAft>
-              <a:defRPr sz="1800">
-                <a:solidFill>
-                  <a:srgbClr val="34495E"/>
-                </a:solidFill>
-              </a:defRPr>
-            </a:pPr>
-            <a:r>
-              <a:t>• 11 популярних категорій (Nature, Architecture, Travel...)</a:t>
-            </a:r>
-          </a:p>
-          <a:p>
-            <a:pPr>
-              <a:spcAft>
-                <a:spcPts val="1400"/>
-              </a:spcAft>
-              <a:defRPr sz="1800">
-                <a:solidFill>
-                  <a:srgbClr val="34495E"/>
-                </a:solidFill>
-              </a:defRPr>
-            </a:pPr>
-            <a:r>
-              <a:t>• Горизонтальна прокрутка</a:t>
-            </a:r>
-          </a:p>
-          <a:p>
-            <a:pPr>
-              <a:spcAft>
-                <a:spcPts val="1400"/>
-              </a:spcAft>
-              <a:defRPr sz="1800">
-                <a:solidFill>
-                  <a:srgbClr val="34495E"/>
-                </a:solidFill>
-              </a:defRPr>
-            </a:pPr>
-            <a:r>
-              <a:t>• Швидкий доступ одним кліком</a:t>
-            </a:r>
-          </a:p>
-          <a:p>
-            <a:pPr>
-              <a:spcAft>
-                <a:spcPts val="1400"/>
-              </a:spcAft>
-              <a:defRPr sz="1800">
-                <a:solidFill>
-                  <a:srgbClr val="34495E"/>
-                </a:solidFill>
-              </a:defRPr>
-            </a:pPr>
-          </a:p>
-          <a:p>
-            <a:pPr>
-              <a:spcAft>
-                <a:spcPts val="1400"/>
-              </a:spcAft>
-              <a:defRPr sz="1800">
-                <a:solidFill>
-                  <a:srgbClr val="34495E"/>
-                </a:solidFill>
-              </a:defRPr>
-            </a:pPr>
-            <a:r>
-              <a:t>🔄 Сортування</a:t>
-            </a:r>
-          </a:p>
-          <a:p>
-            <a:pPr>
-              <a:spcAft>
-                <a:spcPts val="1400"/>
-              </a:spcAft>
-              <a:defRPr sz="1800">
-                <a:solidFill>
-                  <a:srgbClr val="34495E"/>
-                </a:solidFill>
-              </a:defRPr>
-            </a:pPr>
-            <a:r>
-              <a:t>• За релевантністю (за замовчуванням)</a:t>
-            </a:r>
-          </a:p>
-          <a:p>
-            <a:pPr>
-              <a:spcAft>
-                <a:spcPts val="1400"/>
-              </a:spcAft>
-              <a:defRPr sz="1800">
-                <a:solidFill>
-                  <a:srgbClr val="34495E"/>
-                </a:solidFill>
-              </a:defRPr>
-            </a:pPr>
-            <a:r>
-              <a:t>• Від найпопулярніших ⬇️</a:t>
-            </a:r>
-          </a:p>
-          <a:p>
-            <a:pPr>
-              <a:spcAft>
-                <a:spcPts val="1400"/>
-              </a:spcAft>
-              <a:defRPr sz="1800">
-                <a:solidFill>
-                  <a:srgbClr val="34495E"/>
-                </a:solidFill>
-              </a:defRPr>
-            </a:pPr>
-            <a:r>
-              <a:t>• Від найновіших 🕒</a:t>
+                <a:spcPts val="1200"/>
+              </a:spcAft>
+              <a:defRPr sz="2000">
+                <a:solidFill>
+                  <a:srgbClr val="34495E"/>
+                </a:solidFill>
+              </a:defRPr>
+            </a:pPr>
+            <a:r>
+              <a:t>🎯 11 популярних категорій для швидкого пошуку</a:t>
+            </a:r>
+          </a:p>
+          <a:p>
+            <a:pPr>
+              <a:spcAft>
+                <a:spcPts val="1200"/>
+              </a:spcAft>
+              <a:defRPr sz="2000">
+                <a:solidFill>
+                  <a:srgbClr val="34495E"/>
+                </a:solidFill>
+              </a:defRPr>
+            </a:pPr>
+          </a:p>
+          <a:p>
+            <a:pPr>
+              <a:spcAft>
+                <a:spcPts val="1200"/>
+              </a:spcAft>
+              <a:defRPr sz="2000">
+                <a:solidFill>
+                  <a:srgbClr val="34495E"/>
+                </a:solidFill>
+              </a:defRPr>
+            </a:pPr>
+            <a:r>
+              <a:t>📱 Горизонтальна прокрутка (на мобільних - свайп)</a:t>
+            </a:r>
+          </a:p>
+          <a:p>
+            <a:pPr>
+              <a:spcAft>
+                <a:spcPts val="1200"/>
+              </a:spcAft>
+              <a:defRPr sz="2000">
+                <a:solidFill>
+                  <a:srgbClr val="34495E"/>
+                </a:solidFill>
+              </a:defRPr>
+            </a:pPr>
+          </a:p>
+          <a:p>
+            <a:pPr>
+              <a:spcAft>
+                <a:spcPts val="1200"/>
+              </a:spcAft>
+              <a:defRPr sz="2000">
+                <a:solidFill>
+                  <a:srgbClr val="34495E"/>
+                </a:solidFill>
+              </a:defRPr>
+            </a:pPr>
+            <a:r>
+              <a:t>🎨 Активна категорія виділена темним фоном та білим текстом</a:t>
+            </a:r>
+          </a:p>
+          <a:p>
+            <a:pPr>
+              <a:spcAft>
+                <a:spcPts val="1200"/>
+              </a:spcAft>
+              <a:defRPr sz="2000">
+                <a:solidFill>
+                  <a:srgbClr val="34495E"/>
+                </a:solidFill>
+              </a:defRPr>
+            </a:pPr>
+          </a:p>
+          <a:p>
+            <a:pPr>
+              <a:spcAft>
+                <a:spcPts val="1200"/>
+              </a:spcAft>
+              <a:defRPr sz="2000">
+                <a:solidFill>
+                  <a:srgbClr val="34495E"/>
+                </a:solidFill>
+              </a:defRPr>
+            </a:pPr>
+            <a:r>
+              <a:t>⚡ Клік на категорію автоматично виконує пошук</a:t>
             </a:r>
           </a:p>
         </p:txBody>
@@ -5627,7 +6740,7 @@
         <p:spPr>
           <a:xfrm>
             <a:off x="457200" y="274320"/>
-            <a:ext cx="8229600" cy="731520"/>
+            <a:ext cx="8229600" cy="640080"/>
           </a:xfrm>
           <a:prstGeom prst="rect">
             <a:avLst/>
@@ -5641,28 +6754,115 @@
           <a:lstStyle/>
           <a:p>
             <a:pPr>
-              <a:defRPr sz="4000" b="1">
-                <a:solidFill>
-                  <a:srgbClr val="34495E"/>
-                </a:solidFill>
-              </a:defRPr>
-            </a:pPr>
-            <a:r>
-              <a:t>Розширена функціональність</a:t>
-            </a:r>
-          </a:p>
-        </p:txBody>
-      </p:sp>
-      <p:sp>
-        <p:nvSpPr>
-          <p:cNvPr id="3" name="TextBox 2"/>
+              <a:defRPr sz="3600" b="1">
+                <a:solidFill>
+                  <a:srgbClr val="34495E"/>
+                </a:solidFill>
+              </a:defRPr>
+            </a:pPr>
+            <a:r>
+              <a:t>🖼 Адаптивна галерея фотографій</a:t>
+            </a:r>
+          </a:p>
+        </p:txBody>
+      </p:sp>
+      <p:sp>
+        <p:nvSpPr>
+          <p:cNvPr id="3" name="Rectangle 2"/>
+          <p:cNvSpPr/>
+          <p:nvPr/>
+        </p:nvSpPr>
+        <p:spPr>
+          <a:xfrm>
+            <a:off x="457200" y="1097280"/>
+            <a:ext cx="8229600" cy="4114800"/>
+          </a:xfrm>
+          <a:prstGeom prst="rect">
+            <a:avLst/>
+          </a:prstGeom>
+          <a:solidFill>
+            <a:srgbClr val="ECF0F1"/>
+          </a:solidFill>
+          <a:ln w="25400">
+            <a:solidFill>
+              <a:srgbClr val="34495E"/>
+            </a:solidFill>
+          </a:ln>
+        </p:spPr>
+        <p:style>
+          <a:lnRef idx="1">
+            <a:schemeClr val="accent1"/>
+          </a:lnRef>
+          <a:fillRef idx="3">
+            <a:schemeClr val="accent1"/>
+          </a:fillRef>
+          <a:effectRef idx="2">
+            <a:schemeClr val="accent1"/>
+          </a:effectRef>
+          <a:fontRef idx="minor">
+            <a:schemeClr val="lt1"/>
+          </a:fontRef>
+        </p:style>
+        <p:txBody>
+          <a:bodyPr rtlCol="0" anchor="ctr"/>
+          <a:lstStyle/>
+          <a:p>
+            <a:pPr algn="ctr">
+              <a:defRPr sz="1800">
+                <a:solidFill>
+                  <a:srgbClr val="34495E"/>
+                </a:solidFill>
+              </a:defRPr>
+            </a:pPr>
+            <a:r>
+              <a:t>📷 СКРІНШОТ:</a:t>
+            </a:r>
+          </a:p>
+          <a:p>
+            <a:pPr algn="ctr">
+              <a:defRPr sz="1800">
+                <a:solidFill>
+                  <a:srgbClr val="34495E"/>
+                </a:solidFill>
+              </a:defRPr>
+            </a:pPr>
+          </a:p>
+          <a:p>
+            <a:pPr algn="ctr">
+              <a:defRPr sz="1800">
+                <a:solidFill>
+                  <a:srgbClr val="34495E"/>
+                </a:solidFill>
+              </a:defRPr>
+            </a:pPr>
+            <a:r>
+              <a:t>Галерея з 9-12 фотографіями в адаптивній сітці (3 колонки)</a:t>
+            </a:r>
+          </a:p>
+          <a:p>
+            <a:pPr algn="ctr">
+              <a:defRPr sz="1800">
+                <a:solidFill>
+                  <a:srgbClr val="34495E"/>
+                </a:solidFill>
+              </a:defRPr>
+            </a:pPr>
+            <a:r>
+              <a:t>Кожна картка має кнопку улюбленого (🤍), інформацію про автора та лайки</a:t>
+            </a:r>
+          </a:p>
+        </p:txBody>
+      </p:sp>
+      <p:sp>
+        <p:nvSpPr>
+          <p:cNvPr id="4" name="TextBox 3"/>
           <p:cNvSpPr txBox="1"/>
           <p:nvPr/>
         </p:nvSpPr>
         <p:spPr>
           <a:xfrm>
-            <a:off x="731520" y="1371600"/>
-            <a:ext cx="7772400" cy="5029200"/>
+            <a:off x="731520" y="5394960"/>
+            <a:ext cx="7772400" cy="1280160"/>
           </a:xfrm>
           <a:prstGeom prst="rect">
             <a:avLst/>
@@ -5675,208 +6875,13 @@
           </a:bodyPr>
           <a:lstStyle/>
           <a:p>
-            <a:pPr>
-              <a:spcAft>
-                <a:spcPts val="1400"/>
-              </a:spcAft>
-              <a:defRPr sz="1800">
-                <a:solidFill>
-                  <a:srgbClr val="34495E"/>
-                </a:solidFill>
-              </a:defRPr>
-            </a:pPr>
-            <a:r>
-              <a:t>📄 Три режими завантаження:</a:t>
-            </a:r>
-          </a:p>
-          <a:p>
-            <a:pPr>
-              <a:spcAft>
-                <a:spcPts val="1400"/>
-              </a:spcAft>
-              <a:defRPr sz="1800">
-                <a:solidFill>
-                  <a:srgbClr val="34495E"/>
-                </a:solidFill>
-              </a:defRPr>
-            </a:pPr>
-            <a:r>
-              <a:t>• Пагінація з номерами сторінок</a:t>
-            </a:r>
-          </a:p>
-          <a:p>
-            <a:pPr>
-              <a:spcAft>
-                <a:spcPts val="1400"/>
-              </a:spcAft>
-              <a:defRPr sz="1800">
-                <a:solidFill>
-                  <a:srgbClr val="34495E"/>
-                </a:solidFill>
-              </a:defRPr>
-            </a:pPr>
-            <a:r>
-              <a:t>• Кнопка "Завантажити більше"</a:t>
-            </a:r>
-          </a:p>
-          <a:p>
-            <a:pPr>
-              <a:spcAft>
-                <a:spcPts val="1400"/>
-              </a:spcAft>
-              <a:defRPr sz="1800">
-                <a:solidFill>
-                  <a:srgbClr val="34495E"/>
-                </a:solidFill>
-              </a:defRPr>
-            </a:pPr>
-            <a:r>
-              <a:t>• Infinite Scroll (нескінченний скрол)</a:t>
-            </a:r>
-          </a:p>
-          <a:p>
-            <a:pPr>
-              <a:spcAft>
-                <a:spcPts val="1400"/>
-              </a:spcAft>
-              <a:defRPr sz="1800">
-                <a:solidFill>
-                  <a:srgbClr val="34495E"/>
-                </a:solidFill>
-              </a:defRPr>
-            </a:pPr>
-          </a:p>
-          <a:p>
-            <a:pPr>
-              <a:spcAft>
-                <a:spcPts val="1400"/>
-              </a:spcAft>
-              <a:defRPr sz="1800">
-                <a:solidFill>
-                  <a:srgbClr val="34495E"/>
-                </a:solidFill>
-              </a:defRPr>
-            </a:pPr>
-            <a:r>
-              <a:t>❤️ Система улюблених</a:t>
-            </a:r>
-          </a:p>
-          <a:p>
-            <a:pPr>
-              <a:spcAft>
-                <a:spcPts val="1400"/>
-              </a:spcAft>
-              <a:defRPr sz="1800">
-                <a:solidFill>
-                  <a:srgbClr val="34495E"/>
-                </a:solidFill>
-              </a:defRPr>
-            </a:pPr>
-            <a:r>
-              <a:t>• Збереження фото в localStorage</a:t>
-            </a:r>
-          </a:p>
-          <a:p>
-            <a:pPr>
-              <a:spcAft>
-                <a:spcPts val="1400"/>
-              </a:spcAft>
-              <a:defRPr sz="1800">
-                <a:solidFill>
-                  <a:srgbClr val="34495E"/>
-                </a:solidFill>
-              </a:defRPr>
-            </a:pPr>
-            <a:r>
-              <a:t>• Фільтрація за мінімальною кількістю лайків</a:t>
-            </a:r>
-          </a:p>
-          <a:p>
-            <a:pPr>
-              <a:spcAft>
-                <a:spcPts val="1400"/>
-              </a:spcAft>
-              <a:defRPr sz="1800">
-                <a:solidFill>
-                  <a:srgbClr val="34495E"/>
-                </a:solidFill>
-              </a:defRPr>
-            </a:pPr>
-            <a:r>
-              <a:t>• Окрема вкладка для перегляду</a:t>
-            </a:r>
-          </a:p>
-          <a:p>
-            <a:pPr>
-              <a:spcAft>
-                <a:spcPts val="1400"/>
-              </a:spcAft>
-              <a:defRPr sz="1800">
-                <a:solidFill>
-                  <a:srgbClr val="34495E"/>
-                </a:solidFill>
-              </a:defRPr>
-            </a:pPr>
-          </a:p>
-          <a:p>
-            <a:pPr>
-              <a:spcAft>
-                <a:spcPts val="1400"/>
-              </a:spcAft>
-              <a:defRPr sz="1800">
-                <a:solidFill>
-                  <a:srgbClr val="34495E"/>
-                </a:solidFill>
-              </a:defRPr>
-            </a:pPr>
-            <a:r>
-              <a:t>🖼 Перегляд у повному розмірі</a:t>
-            </a:r>
-          </a:p>
-          <a:p>
-            <a:pPr>
-              <a:spcAft>
-                <a:spcPts val="1400"/>
-              </a:spcAft>
-              <a:defRPr sz="1800">
-                <a:solidFill>
-                  <a:srgbClr val="34495E"/>
-                </a:solidFill>
-              </a:defRPr>
-            </a:pPr>
-            <a:r>
-              <a:t>• Модальне вікно Bootstrap</a:t>
-            </a:r>
-          </a:p>
-          <a:p>
-            <a:pPr>
-              <a:spcAft>
-                <a:spcPts val="1400"/>
-              </a:spcAft>
-              <a:defRPr sz="1800">
-                <a:solidFill>
-                  <a:srgbClr val="34495E"/>
-                </a:solidFill>
-              </a:defRPr>
-            </a:pPr>
-            <a:r>
-              <a:t>• Деталі про фото та автора</a:t>
-            </a:r>
-          </a:p>
-          <a:p>
-            <a:pPr>
-              <a:spcAft>
-                <a:spcPts val="1400"/>
-              </a:spcAft>
-              <a:defRPr sz="1800">
-                <a:solidFill>
-                  <a:srgbClr val="34495E"/>
-                </a:solidFill>
-              </a:defRPr>
-            </a:pPr>
-            <a:r>
-              <a:t>• Посилання на оригінал на Unsplash</a:t>
-            </a:r>
+            <a:pPr algn="ctr">
+              <a:defRPr sz="1600">
+                <a:solidFill>
+                  <a:srgbClr val="34495E"/>
+                </a:solidFill>
+              </a:defRPr>
+            </a:pPr>
           </a:p>
         </p:txBody>
       </p:sp>
@@ -5907,7 +6912,7 @@
         <p:spPr>
           <a:xfrm>
             <a:off x="457200" y="274320"/>
-            <a:ext cx="8229600" cy="731520"/>
+            <a:ext cx="8229600" cy="640080"/>
           </a:xfrm>
           <a:prstGeom prst="rect">
             <a:avLst/>
@@ -5921,28 +6926,127 @@
           <a:lstStyle/>
           <a:p>
             <a:pPr>
-              <a:defRPr sz="4000" b="1">
-                <a:solidFill>
-                  <a:srgbClr val="34495E"/>
-                </a:solidFill>
-              </a:defRPr>
-            </a:pPr>
-            <a:r>
-              <a:t>Модульна архітектура</a:t>
-            </a:r>
-          </a:p>
-        </p:txBody>
-      </p:sp>
-      <p:sp>
-        <p:nvSpPr>
-          <p:cNvPr id="3" name="TextBox 2"/>
+              <a:defRPr sz="3600" b="1">
+                <a:solidFill>
+                  <a:srgbClr val="34495E"/>
+                </a:solidFill>
+              </a:defRPr>
+            </a:pPr>
+            <a:r>
+              <a:t>🔄 Сортування та фільтри</a:t>
+            </a:r>
+          </a:p>
+        </p:txBody>
+      </p:sp>
+      <p:sp>
+        <p:nvSpPr>
+          <p:cNvPr id="3" name="Rectangle 2"/>
+          <p:cNvSpPr/>
+          <p:nvPr/>
+        </p:nvSpPr>
+        <p:spPr>
+          <a:xfrm>
+            <a:off x="457200" y="1097280"/>
+            <a:ext cx="4572000" cy="3200400"/>
+          </a:xfrm>
+          <a:prstGeom prst="rect">
+            <a:avLst/>
+          </a:prstGeom>
+          <a:solidFill>
+            <a:srgbClr val="ECF0F1"/>
+          </a:solidFill>
+          <a:ln w="25400">
+            <a:solidFill>
+              <a:srgbClr val="34495E"/>
+            </a:solidFill>
+          </a:ln>
+        </p:spPr>
+        <p:style>
+          <a:lnRef idx="1">
+            <a:schemeClr val="accent1"/>
+          </a:lnRef>
+          <a:fillRef idx="3">
+            <a:schemeClr val="accent1"/>
+          </a:fillRef>
+          <a:effectRef idx="2">
+            <a:schemeClr val="accent1"/>
+          </a:effectRef>
+          <a:fontRef idx="minor">
+            <a:schemeClr val="lt1"/>
+          </a:fontRef>
+        </p:style>
+        <p:txBody>
+          <a:bodyPr rtlCol="0" anchor="ctr"/>
+          <a:lstStyle/>
+          <a:p>
+            <a:pPr algn="ctr">
+              <a:defRPr sz="1600">
+                <a:solidFill>
+                  <a:srgbClr val="34495E"/>
+                </a:solidFill>
+              </a:defRPr>
+            </a:pPr>
+            <a:r>
+              <a:t>📷 СКРІНШОТ:</a:t>
+            </a:r>
+          </a:p>
+          <a:p>
+            <a:pPr algn="ctr">
+              <a:defRPr sz="1600">
+                <a:solidFill>
+                  <a:srgbClr val="34495E"/>
+                </a:solidFill>
+              </a:defRPr>
+            </a:pPr>
+          </a:p>
+          <a:p>
+            <a:pPr algn="ctr">
+              <a:defRPr sz="1600">
+                <a:solidFill>
+                  <a:srgbClr val="34495E"/>
+                </a:solidFill>
+              </a:defRPr>
+            </a:pPr>
+            <a:r>
+              <a:t>Форми фільтрів:</a:t>
+            </a:r>
+          </a:p>
+          <a:p>
+            <a:pPr algn="ctr">
+              <a:defRPr sz="1600">
+                <a:solidFill>
+                  <a:srgbClr val="34495E"/>
+                </a:solidFill>
+              </a:defRPr>
+            </a:pPr>
+            <a:r>
+              <a:t>- Сортування</a:t>
+            </a:r>
+          </a:p>
+          <a:p>
+            <a:pPr algn="ctr">
+              <a:defRPr sz="1600">
+                <a:solidFill>
+                  <a:srgbClr val="34495E"/>
+                </a:solidFill>
+              </a:defRPr>
+            </a:pPr>
+            <a:r>
+              <a:t>- Мінімум лайків</a:t>
+            </a:r>
+          </a:p>
+        </p:txBody>
+      </p:sp>
+      <p:sp>
+        <p:nvSpPr>
+          <p:cNvPr id="4" name="TextBox 3"/>
           <p:cNvSpPr txBox="1"/>
           <p:nvPr/>
         </p:nvSpPr>
         <p:spPr>
           <a:xfrm>
-            <a:off x="731520" y="1371600"/>
-            <a:ext cx="7772400" cy="5029200"/>
+            <a:off x="5212080" y="1097280"/>
+            <a:ext cx="3657600" cy="4572000"/>
           </a:xfrm>
           <a:prstGeom prst="rect">
             <a:avLst/>
@@ -5957,220 +7061,190 @@
           <a:p>
             <a:pPr>
               <a:spcAft>
-                <a:spcPts val="1000"/>
-              </a:spcAft>
-              <a:defRPr sz="1600">
-                <a:solidFill>
-                  <a:srgbClr val="34495E"/>
-                </a:solidFill>
-              </a:defRPr>
-            </a:pPr>
-            <a:r>
-              <a:t>Проєкт організовано за принципом розділення відповідальностей:</a:t>
-            </a:r>
-          </a:p>
-          <a:p>
-            <a:pPr>
-              <a:spcAft>
-                <a:spcPts val="1000"/>
-              </a:spcAft>
-              <a:defRPr sz="1600">
-                <a:solidFill>
-                  <a:srgbClr val="34495E"/>
-                </a:solidFill>
-              </a:defRPr>
-            </a:pPr>
-          </a:p>
-          <a:p>
-            <a:pPr>
-              <a:spcAft>
-                <a:spcPts val="1000"/>
-              </a:spcAft>
-              <a:defRPr sz="1600">
-                <a:solidFill>
-                  <a:srgbClr val="34495E"/>
-                </a:solidFill>
-              </a:defRPr>
-            </a:pPr>
-            <a:r>
-              <a:t>📁 src/config.js - конфігурація API ключів</a:t>
-            </a:r>
-          </a:p>
-          <a:p>
-            <a:pPr>
-              <a:spcAft>
-                <a:spcPts val="1000"/>
-              </a:spcAft>
-              <a:defRPr sz="1600">
-                <a:solidFill>
-                  <a:srgbClr val="34495E"/>
-                </a:solidFill>
-              </a:defRPr>
-            </a:pPr>
-            <a:r>
-              <a:t>📁 src/state.js - глобальний стан застосунку</a:t>
-            </a:r>
-          </a:p>
-          <a:p>
-            <a:pPr>
-              <a:spcAft>
-                <a:spcPts val="1000"/>
-              </a:spcAft>
-              <a:defRPr sz="1600">
-                <a:solidFill>
-                  <a:srgbClr val="34495E"/>
-                </a:solidFill>
-              </a:defRPr>
-            </a:pPr>
-            <a:r>
-              <a:t>📁 src/dom.js - посилання на DOM елементи</a:t>
-            </a:r>
-          </a:p>
-          <a:p>
-            <a:pPr>
-              <a:spcAft>
-                <a:spcPts val="1000"/>
-              </a:spcAft>
-              <a:defRPr sz="1600">
-                <a:solidFill>
-                  <a:srgbClr val="34495E"/>
-                </a:solidFill>
-              </a:defRPr>
-            </a:pPr>
-            <a:r>
-              <a:t>📁 src/storage.js - робота з localStorage</a:t>
-            </a:r>
-          </a:p>
-          <a:p>
-            <a:pPr>
-              <a:spcAft>
-                <a:spcPts val="1000"/>
-              </a:spcAft>
-              <a:defRPr sz="1600">
-                <a:solidFill>
-                  <a:srgbClr val="34495E"/>
-                </a:solidFill>
-              </a:defRPr>
-            </a:pPr>
-            <a:r>
-              <a:t>📁 src/api.js - HTTP запити до Unsplash API</a:t>
-            </a:r>
-          </a:p>
-          <a:p>
-            <a:pPr>
-              <a:spcAft>
-                <a:spcPts val="1000"/>
-              </a:spcAft>
-              <a:defRPr sz="1600">
-                <a:solidFill>
-                  <a:srgbClr val="34495E"/>
-                </a:solidFill>
-              </a:defRPr>
-            </a:pPr>
-            <a:r>
-              <a:t>📁 src/ui.js - функції відображення інтерфейсу</a:t>
-            </a:r>
-          </a:p>
-          <a:p>
-            <a:pPr>
-              <a:spcAft>
-                <a:spcPts val="1000"/>
-              </a:spcAft>
-              <a:defRPr sz="1600">
-                <a:solidFill>
-                  <a:srgbClr val="34495E"/>
-                </a:solidFill>
-              </a:defRPr>
-            </a:pPr>
-            <a:r>
-              <a:t>📁 src/events.js - обробники подій</a:t>
-            </a:r>
-          </a:p>
-          <a:p>
-            <a:pPr>
-              <a:spcAft>
-                <a:spcPts val="1000"/>
-              </a:spcAft>
-              <a:defRPr sz="1600">
-                <a:solidFill>
-                  <a:srgbClr val="34495E"/>
-                </a:solidFill>
-              </a:defRPr>
-            </a:pPr>
-            <a:r>
-              <a:t>📁 src/main.js - точка входу, ініціалізація</a:t>
-            </a:r>
-          </a:p>
-          <a:p>
-            <a:pPr>
-              <a:spcAft>
-                <a:spcPts val="1000"/>
-              </a:spcAft>
-              <a:defRPr sz="1600">
-                <a:solidFill>
-                  <a:srgbClr val="34495E"/>
-                </a:solidFill>
-              </a:defRPr>
-            </a:pPr>
-          </a:p>
-          <a:p>
-            <a:pPr>
-              <a:spcAft>
-                <a:spcPts val="1000"/>
-              </a:spcAft>
-              <a:defRPr sz="1600">
-                <a:solidFill>
-                  <a:srgbClr val="34495E"/>
-                </a:solidFill>
-              </a:defRPr>
-            </a:pPr>
-            <a:r>
-              <a:t>✅ Переваги модульної архітектури:</a:t>
-            </a:r>
-          </a:p>
-          <a:p>
-            <a:pPr>
-              <a:spcAft>
-                <a:spcPts val="1000"/>
-              </a:spcAft>
-              <a:defRPr sz="1600">
-                <a:solidFill>
-                  <a:srgbClr val="34495E"/>
-                </a:solidFill>
-              </a:defRPr>
-            </a:pPr>
-            <a:r>
-              <a:t>• Легко підтримувати та розширювати</a:t>
-            </a:r>
-          </a:p>
-          <a:p>
-            <a:pPr>
-              <a:spcAft>
-                <a:spcPts val="1000"/>
-              </a:spcAft>
-              <a:defRPr sz="1600">
-                <a:solidFill>
-                  <a:srgbClr val="34495E"/>
-                </a:solidFill>
-              </a:defRPr>
-            </a:pPr>
-            <a:r>
-              <a:t>• Чистий та організований код</a:t>
-            </a:r>
-          </a:p>
-          <a:p>
-            <a:pPr>
-              <a:spcAft>
-                <a:spcPts val="1000"/>
-              </a:spcAft>
-              <a:defRPr sz="1600">
-                <a:solidFill>
-                  <a:srgbClr val="34495E"/>
-                </a:solidFill>
-              </a:defRPr>
-            </a:pPr>
-            <a:r>
-              <a:t>• Можливість повторного використання</a:t>
+                <a:spcPts val="600"/>
+              </a:spcAft>
+              <a:defRPr sz="1500">
+                <a:solidFill>
+                  <a:srgbClr val="34495E"/>
+                </a:solidFill>
+              </a:defRPr>
+            </a:pPr>
+            <a:r>
+              <a:t>📊 Сортування:</a:t>
+            </a:r>
+          </a:p>
+          <a:p>
+            <a:pPr>
+              <a:spcAft>
+                <a:spcPts val="600"/>
+              </a:spcAft>
+              <a:defRPr sz="1500">
+                <a:solidFill>
+                  <a:srgbClr val="34495E"/>
+                </a:solidFill>
+              </a:defRPr>
+            </a:pPr>
+            <a:r>
+              <a:t>• Релевантність</a:t>
+            </a:r>
+          </a:p>
+          <a:p>
+            <a:pPr>
+              <a:spcAft>
+                <a:spcPts val="600"/>
+              </a:spcAft>
+              <a:defRPr sz="1500">
+                <a:solidFill>
+                  <a:srgbClr val="34495E"/>
+                </a:solidFill>
+              </a:defRPr>
+            </a:pPr>
+            <a:r>
+              <a:t>• Від найпопулярніших ⬇️</a:t>
+            </a:r>
+          </a:p>
+          <a:p>
+            <a:pPr>
+              <a:spcAft>
+                <a:spcPts val="600"/>
+              </a:spcAft>
+              <a:defRPr sz="1500">
+                <a:solidFill>
+                  <a:srgbClr val="34495E"/>
+                </a:solidFill>
+              </a:defRPr>
+            </a:pPr>
+            <a:r>
+              <a:t>• Від найновіших 🕒</a:t>
+            </a:r>
+          </a:p>
+          <a:p>
+            <a:pPr>
+              <a:spcAft>
+                <a:spcPts val="600"/>
+              </a:spcAft>
+              <a:defRPr sz="1500">
+                <a:solidFill>
+                  <a:srgbClr val="34495E"/>
+                </a:solidFill>
+              </a:defRPr>
+            </a:pPr>
+          </a:p>
+          <a:p>
+            <a:pPr>
+              <a:spcAft>
+                <a:spcPts val="600"/>
+              </a:spcAft>
+              <a:defRPr sz="1500">
+                <a:solidFill>
+                  <a:srgbClr val="34495E"/>
+                </a:solidFill>
+              </a:defRPr>
+            </a:pPr>
+            <a:r>
+              <a:t>🎯 Фільтр лайків:</a:t>
+            </a:r>
+          </a:p>
+          <a:p>
+            <a:pPr>
+              <a:spcAft>
+                <a:spcPts val="600"/>
+              </a:spcAft>
+              <a:defRPr sz="1500">
+                <a:solidFill>
+                  <a:srgbClr val="34495E"/>
+                </a:solidFill>
+              </a:defRPr>
+            </a:pPr>
+            <a:r>
+              <a:t>• Мінімум вподобань</a:t>
+            </a:r>
+          </a:p>
+          <a:p>
+            <a:pPr>
+              <a:spcAft>
+                <a:spcPts val="600"/>
+              </a:spcAft>
+              <a:defRPr sz="1500">
+                <a:solidFill>
+                  <a:srgbClr val="34495E"/>
+                </a:solidFill>
+              </a:defRPr>
+            </a:pPr>
+            <a:r>
+              <a:t>• Number input (min="0")</a:t>
+            </a:r>
+          </a:p>
+          <a:p>
+            <a:pPr>
+              <a:spcAft>
+                <a:spcPts val="600"/>
+              </a:spcAft>
+              <a:defRPr sz="1500">
+                <a:solidFill>
+                  <a:srgbClr val="34495E"/>
+                </a:solidFill>
+              </a:defRPr>
+            </a:pPr>
+            <a:r>
+              <a:t>• Debouncing 500мс</a:t>
+            </a:r>
+          </a:p>
+          <a:p>
+            <a:pPr>
+              <a:spcAft>
+                <a:spcPts val="600"/>
+              </a:spcAft>
+              <a:defRPr sz="1500">
+                <a:solidFill>
+                  <a:srgbClr val="34495E"/>
+                </a:solidFill>
+              </a:defRPr>
+            </a:pPr>
+            <a:r>
+              <a:t>• Тільки для улюблених</a:t>
+            </a:r>
+          </a:p>
+          <a:p>
+            <a:pPr>
+              <a:spcAft>
+                <a:spcPts val="600"/>
+              </a:spcAft>
+              <a:defRPr sz="1500">
+                <a:solidFill>
+                  <a:srgbClr val="34495E"/>
+                </a:solidFill>
+              </a:defRPr>
+            </a:pPr>
+          </a:p>
+          <a:p>
+            <a:pPr>
+              <a:spcAft>
+                <a:spcPts val="600"/>
+              </a:spcAft>
+              <a:defRPr sz="1500">
+                <a:solidFill>
+                  <a:srgbClr val="34495E"/>
+                </a:solidFill>
+              </a:defRPr>
+            </a:pPr>
+            <a:r>
+              <a:t>⚡ Автоматичне</a:t>
+            </a:r>
+          </a:p>
+          <a:p>
+            <a:pPr>
+              <a:spcAft>
+                <a:spcPts val="600"/>
+              </a:spcAft>
+              <a:defRPr sz="1500">
+                <a:solidFill>
+                  <a:srgbClr val="34495E"/>
+                </a:solidFill>
+              </a:defRPr>
+            </a:pPr>
+            <a:r>
+              <a:t>   оновлення галереї</a:t>
             </a:r>
           </a:p>
         </p:txBody>
@@ -6202,7 +7276,7 @@
         <p:spPr>
           <a:xfrm>
             <a:off x="457200" y="274320"/>
-            <a:ext cx="8229600" cy="731520"/>
+            <a:ext cx="8229600" cy="640080"/>
           </a:xfrm>
           <a:prstGeom prst="rect">
             <a:avLst/>
@@ -6216,28 +7290,94 @@
           <a:lstStyle/>
           <a:p>
             <a:pPr>
-              <a:defRPr sz="4000" b="1">
-                <a:solidFill>
-                  <a:srgbClr val="34495E"/>
-                </a:solidFill>
-              </a:defRPr>
-            </a:pPr>
-            <a:r>
-              <a:t>Реалізовані теми практики</a:t>
-            </a:r>
-          </a:p>
-        </p:txBody>
-      </p:sp>
-      <p:sp>
-        <p:nvSpPr>
-          <p:cNvPr id="3" name="TextBox 2"/>
+              <a:defRPr sz="3600" b="1">
+                <a:solidFill>
+                  <a:srgbClr val="34495E"/>
+                </a:solidFill>
+              </a:defRPr>
+            </a:pPr>
+            <a:r>
+              <a:t>📄 Три режими завантаження</a:t>
+            </a:r>
+          </a:p>
+        </p:txBody>
+      </p:sp>
+      <p:sp>
+        <p:nvSpPr>
+          <p:cNvPr id="3" name="Rectangle 2"/>
+          <p:cNvSpPr/>
+          <p:nvPr/>
+        </p:nvSpPr>
+        <p:spPr>
+          <a:xfrm>
+            <a:off x="457200" y="1097280"/>
+            <a:ext cx="8229600" cy="1828800"/>
+          </a:xfrm>
+          <a:prstGeom prst="rect">
+            <a:avLst/>
+          </a:prstGeom>
+          <a:solidFill>
+            <a:srgbClr val="ECF0F1"/>
+          </a:solidFill>
+          <a:ln w="25400">
+            <a:solidFill>
+              <a:srgbClr val="34495E"/>
+            </a:solidFill>
+          </a:ln>
+        </p:spPr>
+        <p:style>
+          <a:lnRef idx="1">
+            <a:schemeClr val="accent1"/>
+          </a:lnRef>
+          <a:fillRef idx="3">
+            <a:schemeClr val="accent1"/>
+          </a:fillRef>
+          <a:effectRef idx="2">
+            <a:schemeClr val="accent1"/>
+          </a:effectRef>
+          <a:fontRef idx="minor">
+            <a:schemeClr val="lt1"/>
+          </a:fontRef>
+        </p:style>
+        <p:txBody>
+          <a:bodyPr rtlCol="0" anchor="ctr"/>
+          <a:lstStyle/>
+          <a:p>
+            <a:pPr algn="ctr">
+              <a:defRPr sz="1600">
+                <a:solidFill>
+                  <a:srgbClr val="34495E"/>
+                </a:solidFill>
+              </a:defRPr>
+            </a:pPr>
+            <a:r>
+              <a:t>📷 СКРІНШОТ: Перемикач режимів (btn-group)</a:t>
+            </a:r>
+          </a:p>
+          <a:p>
+            <a:pPr algn="ctr">
+              <a:defRPr sz="1600">
+                <a:solidFill>
+                  <a:srgbClr val="34495E"/>
+                </a:solidFill>
+              </a:defRPr>
+            </a:pPr>
+            <a:r>
+              <a:t>📄 Пагінація  |  ➕ Завантажити більше  |  ∞ Infinite Scroll</a:t>
+            </a:r>
+          </a:p>
+        </p:txBody>
+      </p:sp>
+      <p:sp>
+        <p:nvSpPr>
+          <p:cNvPr id="4" name="TextBox 3"/>
           <p:cNvSpPr txBox="1"/>
           <p:nvPr/>
         </p:nvSpPr>
         <p:spPr>
           <a:xfrm>
-            <a:off x="548640" y="1371600"/>
-            <a:ext cx="4114800" cy="5029200"/>
+            <a:off x="640080" y="3200400"/>
+            <a:ext cx="7955279" cy="3200400"/>
           </a:xfrm>
           <a:prstGeom prst="rect">
             <a:avLst/>
@@ -6254,14 +7394,14 @@
               <a:spcAft>
                 <a:spcPts val="800"/>
               </a:spcAft>
-              <a:defRPr sz="1400">
-                <a:solidFill>
-                  <a:srgbClr val="34495E"/>
-                </a:solidFill>
-              </a:defRPr>
-            </a:pPr>
-            <a:r>
-              <a:t>✅ Створення WEB-проєкту</a:t>
+              <a:defRPr sz="1500">
+                <a:solidFill>
+                  <a:srgbClr val="34495E"/>
+                </a:solidFill>
+              </a:defRPr>
+            </a:pPr>
+            <a:r>
+              <a:t>📄 Пагінація - класична навігація з номерами сторінок</a:t>
             </a:r>
           </a:p>
           <a:p>
@@ -6269,14 +7409,14 @@
               <a:spcAft>
                 <a:spcPts val="800"/>
               </a:spcAft>
-              <a:defRPr sz="1400">
-                <a:solidFill>
-                  <a:srgbClr val="34495E"/>
-                </a:solidFill>
-              </a:defRPr>
-            </a:pPr>
-            <a:r>
-              <a:t>   (Vite, Git, HTML)</a:t>
+              <a:defRPr sz="1500">
+                <a:solidFill>
+                  <a:srgbClr val="34495E"/>
+                </a:solidFill>
+              </a:defRPr>
+            </a:pPr>
+            <a:r>
+              <a:t>   • Кнопки "Попередня"/"Наступна"</a:t>
             </a:r>
           </a:p>
           <a:p>
@@ -6284,26 +7424,29 @@
               <a:spcAft>
                 <a:spcPts val="800"/>
               </a:spcAft>
-              <a:defRPr sz="1400">
-                <a:solidFill>
-                  <a:srgbClr val="34495E"/>
-                </a:solidFill>
-              </a:defRPr>
-            </a:pPr>
+              <a:defRPr sz="1500">
+                <a:solidFill>
+                  <a:srgbClr val="34495E"/>
+                </a:solidFill>
+              </a:defRPr>
+            </a:pPr>
+            <a:r>
+              <a:t>   • Максимум 5 видимих номерів</a:t>
+            </a:r>
           </a:p>
           <a:p>
             <a:pPr>
               <a:spcAft>
                 <a:spcPts val="800"/>
               </a:spcAft>
-              <a:defRPr sz="1400">
-                <a:solidFill>
-                  <a:srgbClr val="34495E"/>
-                </a:solidFill>
-              </a:defRPr>
-            </a:pPr>
-            <a:r>
-              <a:t>✅ Робота з DOM-деревом</a:t>
+              <a:defRPr sz="1500">
+                <a:solidFill>
+                  <a:srgbClr val="34495E"/>
+                </a:solidFill>
+              </a:defRPr>
+            </a:pPr>
+            <a:r>
+              <a:t>   • Плавна прокрутка до верху</a:t>
             </a:r>
           </a:p>
           <a:p>
@@ -6311,41 +7454,41 @@
               <a:spcAft>
                 <a:spcPts val="800"/>
               </a:spcAft>
-              <a:defRPr sz="1400">
-                <a:solidFill>
-                  <a:srgbClr val="34495E"/>
-                </a:solidFill>
-              </a:defRPr>
-            </a:pPr>
-            <a:r>
-              <a:t>   (createElement, appendChild)</a:t>
-            </a:r>
+              <a:defRPr sz="1500">
+                <a:solidFill>
+                  <a:srgbClr val="34495E"/>
+                </a:solidFill>
+              </a:defRPr>
+            </a:pPr>
           </a:p>
           <a:p>
             <a:pPr>
               <a:spcAft>
                 <a:spcPts val="800"/>
               </a:spcAft>
-              <a:defRPr sz="1400">
-                <a:solidFill>
-                  <a:srgbClr val="34495E"/>
-                </a:solidFill>
-              </a:defRPr>
-            </a:pPr>
+              <a:defRPr sz="1500">
+                <a:solidFill>
+                  <a:srgbClr val="34495E"/>
+                </a:solidFill>
+              </a:defRPr>
+            </a:pPr>
+            <a:r>
+              <a:t>➕ Завантажити більше - кнопка для додавання фото</a:t>
+            </a:r>
           </a:p>
           <a:p>
             <a:pPr>
               <a:spcAft>
                 <a:spcPts val="800"/>
               </a:spcAft>
-              <a:defRPr sz="1400">
-                <a:solidFill>
-                  <a:srgbClr val="34495E"/>
-                </a:solidFill>
-              </a:defRPr>
-            </a:pPr>
-            <a:r>
-              <a:t>✅ Обробка подій</a:t>
+              <a:defRPr sz="1500">
+                <a:solidFill>
+                  <a:srgbClr val="34495E"/>
+                </a:solidFill>
+              </a:defRPr>
+            </a:pPr>
+            <a:r>
+              <a:t>   • Додає наступні 12 фото до існуючих</a:t>
             </a:r>
           </a:p>
           <a:p>
@@ -6353,14 +7496,14 @@
               <a:spcAft>
                 <a:spcPts val="800"/>
               </a:spcAft>
-              <a:defRPr sz="1400">
-                <a:solidFill>
-                  <a:srgbClr val="34495E"/>
-                </a:solidFill>
-              </a:defRPr>
-            </a:pPr>
-            <a:r>
-              <a:t>   (submit, click, scroll)</a:t>
+              <a:defRPr sz="1500">
+                <a:solidFill>
+                  <a:srgbClr val="34495E"/>
+                </a:solidFill>
+              </a:defRPr>
+            </a:pPr>
+            <a:r>
+              <a:t>   • Контроль завантаження користувачем</a:t>
             </a:r>
           </a:p>
           <a:p>
@@ -6368,7 +7511,7 @@
               <a:spcAft>
                 <a:spcPts val="800"/>
               </a:spcAft>
-              <a:defRPr sz="1400">
+              <a:defRPr sz="1500">
                 <a:solidFill>
                   <a:srgbClr val="34495E"/>
                 </a:solidFill>
@@ -6380,14 +7523,14 @@
               <a:spcAft>
                 <a:spcPts val="800"/>
               </a:spcAft>
-              <a:defRPr sz="1400">
-                <a:solidFill>
-                  <a:srgbClr val="34495E"/>
-                </a:solidFill>
-              </a:defRPr>
-            </a:pPr>
-            <a:r>
-              <a:t>✅ Масиви та об'єкти</a:t>
+              <a:defRPr sz="1500">
+                <a:solidFill>
+                  <a:srgbClr val="34495E"/>
+                </a:solidFill>
+              </a:defRPr>
+            </a:pPr>
+            <a:r>
+              <a:t>∞ Infinite Scroll - автоматичне завантаження при прокрутці</a:t>
             </a:r>
           </a:p>
           <a:p>
@@ -6395,14 +7538,14 @@
               <a:spcAft>
                 <a:spcPts val="800"/>
               </a:spcAft>
-              <a:defRPr sz="1400">
-                <a:solidFill>
-                  <a:srgbClr val="34495E"/>
-                </a:solidFill>
-              </a:defRPr>
-            </a:pPr>
-            <a:r>
-              <a:t>   (forEach, find, filter)</a:t>
+              <a:defRPr sz="1500">
+                <a:solidFill>
+                  <a:srgbClr val="34495E"/>
+                </a:solidFill>
+              </a:defRPr>
+            </a:pPr>
+            <a:r>
+              <a:t>   • За 300px до кінця сторінки</a:t>
             </a:r>
           </a:p>
           <a:p>
@@ -6410,346 +7553,29 @@
               <a:spcAft>
                 <a:spcPts val="800"/>
               </a:spcAft>
-              <a:defRPr sz="1400">
-                <a:solidFill>
-                  <a:srgbClr val="34495E"/>
-                </a:solidFill>
-              </a:defRPr>
-            </a:pPr>
+              <a:defRPr sz="1500">
+                <a:solidFill>
+                  <a:srgbClr val="34495E"/>
+                </a:solidFill>
+              </a:defRPr>
+            </a:pPr>
+            <a:r>
+              <a:t>   • Debouncing 200мс</a:t>
+            </a:r>
           </a:p>
           <a:p>
             <a:pPr>
               <a:spcAft>
                 <a:spcPts val="800"/>
               </a:spcAft>
-              <a:defRPr sz="1400">
-                <a:solidFill>
-                  <a:srgbClr val="34495E"/>
-                </a:solidFill>
-              </a:defRPr>
-            </a:pPr>
-            <a:r>
-              <a:t>✅ HTML-форми та валідація</a:t>
-            </a:r>
-          </a:p>
-          <a:p>
-            <a:pPr>
-              <a:spcAft>
-                <a:spcPts val="800"/>
-              </a:spcAft>
-              <a:defRPr sz="1400">
-                <a:solidFill>
-                  <a:srgbClr val="34495E"/>
-                </a:solidFill>
-              </a:defRPr>
-            </a:pPr>
-            <a:r>
-              <a:t>   (required, trim())</a:t>
-            </a:r>
-          </a:p>
-          <a:p>
-            <a:pPr>
-              <a:spcAft>
-                <a:spcPts val="800"/>
-              </a:spcAft>
-              <a:defRPr sz="1400">
-                <a:solidFill>
-                  <a:srgbClr val="34495E"/>
-                </a:solidFill>
-              </a:defRPr>
-            </a:pPr>
-          </a:p>
-          <a:p>
-            <a:pPr>
-              <a:spcAft>
-                <a:spcPts val="800"/>
-              </a:spcAft>
-              <a:defRPr sz="1400">
-                <a:solidFill>
-                  <a:srgbClr val="34495E"/>
-                </a:solidFill>
-              </a:defRPr>
-            </a:pPr>
-            <a:r>
-              <a:t>✅ Bootstrap та Axios</a:t>
-            </a:r>
-          </a:p>
-          <a:p>
-            <a:pPr>
-              <a:spcAft>
-                <a:spcPts val="800"/>
-              </a:spcAft>
-              <a:defRPr sz="1400">
-                <a:solidFill>
-                  <a:srgbClr val="34495E"/>
-                </a:solidFill>
-              </a:defRPr>
-            </a:pPr>
-            <a:r>
-              <a:t>   (Modal, Navbar, HTTP)</a:t>
-            </a:r>
-          </a:p>
-        </p:txBody>
-      </p:sp>
-      <p:sp>
-        <p:nvSpPr>
-          <p:cNvPr id="4" name="TextBox 3"/>
-          <p:cNvSpPr txBox="1"/>
-          <p:nvPr/>
-        </p:nvSpPr>
-        <p:spPr>
-          <a:xfrm>
-            <a:off x="4754880" y="1371600"/>
-            <a:ext cx="4114800" cy="5029200"/>
-          </a:xfrm>
-          <a:prstGeom prst="rect">
-            <a:avLst/>
-          </a:prstGeom>
-          <a:noFill/>
-        </p:spPr>
-        <p:txBody>
-          <a:bodyPr wrap="none">
-            <a:spAutoFit/>
-          </a:bodyPr>
-          <a:lstStyle/>
-          <a:p>
-            <a:pPr>
-              <a:spcAft>
-                <a:spcPts val="800"/>
-              </a:spcAft>
-              <a:defRPr sz="1400">
-                <a:solidFill>
-                  <a:srgbClr val="34495E"/>
-                </a:solidFill>
-              </a:defRPr>
-            </a:pPr>
-            <a:r>
-              <a:t>✅ Взаємодія з API</a:t>
-            </a:r>
-          </a:p>
-          <a:p>
-            <a:pPr>
-              <a:spcAft>
-                <a:spcPts val="800"/>
-              </a:spcAft>
-              <a:defRPr sz="1400">
-                <a:solidFill>
-                  <a:srgbClr val="34495E"/>
-                </a:solidFill>
-              </a:defRPr>
-            </a:pPr>
-            <a:r>
-              <a:t>   (Unsplash, JSON, async)</a:t>
-            </a:r>
-          </a:p>
-          <a:p>
-            <a:pPr>
-              <a:spcAft>
-                <a:spcPts val="800"/>
-              </a:spcAft>
-              <a:defRPr sz="1400">
-                <a:solidFill>
-                  <a:srgbClr val="34495E"/>
-                </a:solidFill>
-              </a:defRPr>
-            </a:pPr>
-          </a:p>
-          <a:p>
-            <a:pPr>
-              <a:spcAft>
-                <a:spcPts val="800"/>
-              </a:spcAft>
-              <a:defRPr sz="1400">
-                <a:solidFill>
-                  <a:srgbClr val="34495E"/>
-                </a:solidFill>
-              </a:defRPr>
-            </a:pPr>
-            <a:r>
-              <a:t>✅ Обробка помилок</a:t>
-            </a:r>
-          </a:p>
-          <a:p>
-            <a:pPr>
-              <a:spcAft>
-                <a:spcPts val="800"/>
-              </a:spcAft>
-              <a:defRPr sz="1400">
-                <a:solidFill>
-                  <a:srgbClr val="34495E"/>
-                </a:solidFill>
-              </a:defRPr>
-            </a:pPr>
-            <a:r>
-              <a:t>   (try-catch, типи помилок)</a:t>
-            </a:r>
-          </a:p>
-          <a:p>
-            <a:pPr>
-              <a:spcAft>
-                <a:spcPts val="800"/>
-              </a:spcAft>
-              <a:defRPr sz="1400">
-                <a:solidFill>
-                  <a:srgbClr val="34495E"/>
-                </a:solidFill>
-              </a:defRPr>
-            </a:pPr>
-          </a:p>
-          <a:p>
-            <a:pPr>
-              <a:spcAft>
-                <a:spcPts val="800"/>
-              </a:spcAft>
-              <a:defRPr sz="1400">
-                <a:solidFill>
-                  <a:srgbClr val="34495E"/>
-                </a:solidFill>
-              </a:defRPr>
-            </a:pPr>
-            <a:r>
-              <a:t>✅ Пагінація та скрол</a:t>
-            </a:r>
-          </a:p>
-          <a:p>
-            <a:pPr>
-              <a:spcAft>
-                <a:spcPts val="800"/>
-              </a:spcAft>
-              <a:defRPr sz="1400">
-                <a:solidFill>
-                  <a:srgbClr val="34495E"/>
-                </a:solidFill>
-              </a:defRPr>
-            </a:pPr>
-            <a:r>
-              <a:t>   (infinite scroll, debounce)</a:t>
-            </a:r>
-          </a:p>
-          <a:p>
-            <a:pPr>
-              <a:spcAft>
-                <a:spcPts val="800"/>
-              </a:spcAft>
-              <a:defRPr sz="1400">
-                <a:solidFill>
-                  <a:srgbClr val="34495E"/>
-                </a:solidFill>
-              </a:defRPr>
-            </a:pPr>
-          </a:p>
-          <a:p>
-            <a:pPr>
-              <a:spcAft>
-                <a:spcPts val="800"/>
-              </a:spcAft>
-              <a:defRPr sz="1400">
-                <a:solidFill>
-                  <a:srgbClr val="34495E"/>
-                </a:solidFill>
-              </a:defRPr>
-            </a:pPr>
-            <a:r>
-              <a:t>✅ localStorage</a:t>
-            </a:r>
-          </a:p>
-          <a:p>
-            <a:pPr>
-              <a:spcAft>
-                <a:spcPts val="800"/>
-              </a:spcAft>
-              <a:defRPr sz="1400">
-                <a:solidFill>
-                  <a:srgbClr val="34495E"/>
-                </a:solidFill>
-              </a:defRPr>
-            </a:pPr>
-            <a:r>
-              <a:t>   (JSON.stringify/parse)</a:t>
-            </a:r>
-          </a:p>
-          <a:p>
-            <a:pPr>
-              <a:spcAft>
-                <a:spcPts val="800"/>
-              </a:spcAft>
-              <a:defRPr sz="1400">
-                <a:solidFill>
-                  <a:srgbClr val="34495E"/>
-                </a:solidFill>
-              </a:defRPr>
-            </a:pPr>
-          </a:p>
-          <a:p>
-            <a:pPr>
-              <a:spcAft>
-                <a:spcPts val="800"/>
-              </a:spcAft>
-              <a:defRPr sz="1400">
-                <a:solidFill>
-                  <a:srgbClr val="34495E"/>
-                </a:solidFill>
-              </a:defRPr>
-            </a:pPr>
-            <a:r>
-              <a:t>✅ Налагодження</a:t>
-            </a:r>
-          </a:p>
-          <a:p>
-            <a:pPr>
-              <a:spcAft>
-                <a:spcPts val="800"/>
-              </a:spcAft>
-              <a:defRPr sz="1400">
-                <a:solidFill>
-                  <a:srgbClr val="34495E"/>
-                </a:solidFill>
-              </a:defRPr>
-            </a:pPr>
-            <a:r>
-              <a:t>   (Chrome DevTools)</a:t>
-            </a:r>
-          </a:p>
-          <a:p>
-            <a:pPr>
-              <a:spcAft>
-                <a:spcPts val="800"/>
-              </a:spcAft>
-              <a:defRPr sz="1400">
-                <a:solidFill>
-                  <a:srgbClr val="34495E"/>
-                </a:solidFill>
-              </a:defRPr>
-            </a:pPr>
-          </a:p>
-          <a:p>
-            <a:pPr>
-              <a:spcAft>
-                <a:spcPts val="800"/>
-              </a:spcAft>
-              <a:defRPr sz="1400">
-                <a:solidFill>
-                  <a:srgbClr val="34495E"/>
-                </a:solidFill>
-              </a:defRPr>
-            </a:pPr>
-            <a:r>
-              <a:t>✅ Підготовка до публікації</a:t>
-            </a:r>
-          </a:p>
-          <a:p>
-            <a:pPr>
-              <a:spcAft>
-                <a:spcPts val="800"/>
-              </a:spcAft>
-              <a:defRPr sz="1400">
-                <a:solidFill>
-                  <a:srgbClr val="34495E"/>
-                </a:solidFill>
-              </a:defRPr>
-            </a:pPr>
-            <a:r>
-              <a:t>   (build, deploy)</a:t>
+              <a:defRPr sz="1500">
+                <a:solidFill>
+                  <a:srgbClr val="34495E"/>
+                </a:solidFill>
+              </a:defRPr>
+            </a:pPr>
+            <a:r>
+              <a:t>   • Безперервний перегляд</a:t>
             </a:r>
           </a:p>
         </p:txBody>
@@ -6781,7 +7607,7 @@
         <p:spPr>
           <a:xfrm>
             <a:off x="457200" y="274320"/>
-            <a:ext cx="8229600" cy="731520"/>
+            <a:ext cx="8229600" cy="640080"/>
           </a:xfrm>
           <a:prstGeom prst="rect">
             <a:avLst/>
@@ -6795,28 +7621,127 @@
           <a:lstStyle/>
           <a:p>
             <a:pPr>
-              <a:defRPr sz="4000" b="1">
-                <a:solidFill>
-                  <a:srgbClr val="34495E"/>
-                </a:solidFill>
-              </a:defRPr>
-            </a:pPr>
-            <a:r>
-              <a:t>Особливості реалізації</a:t>
-            </a:r>
-          </a:p>
-        </p:txBody>
-      </p:sp>
-      <p:sp>
-        <p:nvSpPr>
-          <p:cNvPr id="3" name="TextBox 2"/>
+              <a:defRPr sz="3600" b="1">
+                <a:solidFill>
+                  <a:srgbClr val="34495E"/>
+                </a:solidFill>
+              </a:defRPr>
+            </a:pPr>
+            <a:r>
+              <a:t>🖼 Перегляд фото у повному розмірі</a:t>
+            </a:r>
+          </a:p>
+        </p:txBody>
+      </p:sp>
+      <p:sp>
+        <p:nvSpPr>
+          <p:cNvPr id="3" name="Rectangle 2"/>
+          <p:cNvSpPr/>
+          <p:nvPr/>
+        </p:nvSpPr>
+        <p:spPr>
+          <a:xfrm>
+            <a:off x="457200" y="1097280"/>
+            <a:ext cx="8229600" cy="4114800"/>
+          </a:xfrm>
+          <a:prstGeom prst="rect">
+            <a:avLst/>
+          </a:prstGeom>
+          <a:solidFill>
+            <a:srgbClr val="ECF0F1"/>
+          </a:solidFill>
+          <a:ln w="25400">
+            <a:solidFill>
+              <a:srgbClr val="34495E"/>
+            </a:solidFill>
+          </a:ln>
+        </p:spPr>
+        <p:style>
+          <a:lnRef idx="1">
+            <a:schemeClr val="accent1"/>
+          </a:lnRef>
+          <a:fillRef idx="3">
+            <a:schemeClr val="accent1"/>
+          </a:fillRef>
+          <a:effectRef idx="2">
+            <a:schemeClr val="accent1"/>
+          </a:effectRef>
+          <a:fontRef idx="minor">
+            <a:schemeClr val="lt1"/>
+          </a:fontRef>
+        </p:style>
+        <p:txBody>
+          <a:bodyPr rtlCol="0" anchor="ctr"/>
+          <a:lstStyle/>
+          <a:p>
+            <a:pPr algn="ctr">
+              <a:defRPr sz="1800">
+                <a:solidFill>
+                  <a:srgbClr val="34495E"/>
+                </a:solidFill>
+              </a:defRPr>
+            </a:pPr>
+            <a:r>
+              <a:t>📷 СКРІНШОТ:</a:t>
+            </a:r>
+          </a:p>
+          <a:p>
+            <a:pPr algn="ctr">
+              <a:defRPr sz="1800">
+                <a:solidFill>
+                  <a:srgbClr val="34495E"/>
+                </a:solidFill>
+              </a:defRPr>
+            </a:pPr>
+          </a:p>
+          <a:p>
+            <a:pPr algn="ctr">
+              <a:defRPr sz="1800">
+                <a:solidFill>
+                  <a:srgbClr val="34495E"/>
+                </a:solidFill>
+              </a:defRPr>
+            </a:pPr>
+            <a:r>
+              <a:t>Модальне вікно Bootstrap з фото у високій якості</a:t>
+            </a:r>
+          </a:p>
+          <a:p>
+            <a:pPr algn="ctr">
+              <a:defRPr sz="1800">
+                <a:solidFill>
+                  <a:srgbClr val="34495E"/>
+                </a:solidFill>
+              </a:defRPr>
+            </a:pPr>
+            <a:r>
+              <a:t>Заголовок, опис, автор, кількість лайків</a:t>
+            </a:r>
+          </a:p>
+          <a:p>
+            <a:pPr algn="ctr">
+              <a:defRPr sz="1800">
+                <a:solidFill>
+                  <a:srgbClr val="34495E"/>
+                </a:solidFill>
+              </a:defRPr>
+            </a:pPr>
+            <a:r>
+              <a:t>Кнопки: "Закрити" та "Відкрити оригінал"</a:t>
+            </a:r>
+          </a:p>
+        </p:txBody>
+      </p:sp>
+      <p:sp>
+        <p:nvSpPr>
+          <p:cNvPr id="4" name="TextBox 3"/>
           <p:cNvSpPr txBox="1"/>
           <p:nvPr/>
         </p:nvSpPr>
         <p:spPr>
           <a:xfrm>
-            <a:off x="731520" y="1371600"/>
-            <a:ext cx="7772400" cy="5029200"/>
+            <a:off x="731520" y="5394960"/>
+            <a:ext cx="7772400" cy="1280160"/>
           </a:xfrm>
           <a:prstGeom prst="rect">
             <a:avLst/>
@@ -6829,277 +7754,13 @@
           </a:bodyPr>
           <a:lstStyle/>
           <a:p>
-            <a:pPr>
-              <a:spcAft>
-                <a:spcPts val="1000"/>
-              </a:spcAft>
-              <a:defRPr sz="1500">
-                <a:solidFill>
-                  <a:srgbClr val="34495E"/>
-                </a:solidFill>
-              </a:defRPr>
-            </a:pPr>
-            <a:r>
-              <a:t>🎯 Делегування подій (Event Delegation)</a:t>
-            </a:r>
-          </a:p>
-          <a:p>
-            <a:pPr>
-              <a:spcAft>
-                <a:spcPts val="1000"/>
-              </a:spcAft>
-              <a:defRPr sz="1500">
-                <a:solidFill>
-                  <a:srgbClr val="34495E"/>
-                </a:solidFill>
-              </a:defRPr>
-            </a:pPr>
-            <a:r>
-              <a:t>Один обробник на контейнері галереї замість окремих на кожній картці</a:t>
-            </a:r>
-          </a:p>
-          <a:p>
-            <a:pPr>
-              <a:spcAft>
-                <a:spcPts val="1000"/>
-              </a:spcAft>
-              <a:defRPr sz="1500">
-                <a:solidFill>
-                  <a:srgbClr val="34495E"/>
-                </a:solidFill>
-              </a:defRPr>
-            </a:pPr>
-            <a:r>
-              <a:t>→ Економія пам'яті та кращу продуктивність</a:t>
-            </a:r>
-          </a:p>
-          <a:p>
-            <a:pPr>
-              <a:spcAft>
-                <a:spcPts val="1000"/>
-              </a:spcAft>
-              <a:defRPr sz="1500">
-                <a:solidFill>
-                  <a:srgbClr val="34495E"/>
-                </a:solidFill>
-              </a:defRPr>
-            </a:pPr>
-          </a:p>
-          <a:p>
-            <a:pPr>
-              <a:spcAft>
-                <a:spcPts val="1000"/>
-              </a:spcAft>
-              <a:defRPr sz="1500">
-                <a:solidFill>
-                  <a:srgbClr val="34495E"/>
-                </a:solidFill>
-              </a:defRPr>
-            </a:pPr>
-            <a:r>
-              <a:t>⏱ Debouncing для оптимізації</a:t>
-            </a:r>
-          </a:p>
-          <a:p>
-            <a:pPr>
-              <a:spcAft>
-                <a:spcPts val="1000"/>
-              </a:spcAft>
-              <a:defRPr sz="1500">
-                <a:solidFill>
-                  <a:srgbClr val="34495E"/>
-                </a:solidFill>
-              </a:defRPr>
-            </a:pPr>
-            <a:r>
-              <a:t>Затримка 200мс для scroll, 500мс для фільтрів</a:t>
-            </a:r>
-          </a:p>
-          <a:p>
-            <a:pPr>
-              <a:spcAft>
-                <a:spcPts val="1000"/>
-              </a:spcAft>
-              <a:defRPr sz="1500">
-                <a:solidFill>
-                  <a:srgbClr val="34495E"/>
-                </a:solidFill>
-              </a:defRPr>
-            </a:pPr>
-            <a:r>
-              <a:t>→ Запобігання надмірним запитам до API</a:t>
-            </a:r>
-          </a:p>
-          <a:p>
-            <a:pPr>
-              <a:spcAft>
-                <a:spcPts val="1000"/>
-              </a:spcAft>
-              <a:defRPr sz="1500">
-                <a:solidFill>
-                  <a:srgbClr val="34495E"/>
-                </a:solidFill>
-              </a:defRPr>
-            </a:pPr>
-          </a:p>
-          <a:p>
-            <a:pPr>
-              <a:spcAft>
-                <a:spcPts val="1000"/>
-              </a:spcAft>
-              <a:defRPr sz="1500">
-                <a:solidFill>
-                  <a:srgbClr val="34495E"/>
-                </a:solidFill>
-              </a:defRPr>
-            </a:pPr>
-            <a:r>
-              <a:t>📱 Адаптивний дизайн</a:t>
-            </a:r>
-          </a:p>
-          <a:p>
-            <a:pPr>
-              <a:spcAft>
-                <a:spcPts val="1000"/>
-              </a:spcAft>
-              <a:defRPr sz="1500">
-                <a:solidFill>
-                  <a:srgbClr val="34495E"/>
-                </a:solidFill>
-              </a:defRPr>
-            </a:pPr>
-            <a:r>
-              <a:t>Bootstrap Grid: 3 колонки (desktop), 2 (tablet), 1 (mobile)</a:t>
-            </a:r>
-          </a:p>
-          <a:p>
-            <a:pPr>
-              <a:spcAft>
-                <a:spcPts val="1000"/>
-              </a:spcAft>
-              <a:defRPr sz="1500">
-                <a:solidFill>
-                  <a:srgbClr val="34495E"/>
-                </a:solidFill>
-              </a:defRPr>
-            </a:pPr>
-            <a:r>
-              <a:t>→ Коректне відображення на всіх пристроях</a:t>
-            </a:r>
-          </a:p>
-          <a:p>
-            <a:pPr>
-              <a:spcAft>
-                <a:spcPts val="1000"/>
-              </a:spcAft>
-              <a:defRPr sz="1500">
-                <a:solidFill>
-                  <a:srgbClr val="34495E"/>
-                </a:solidFill>
-              </a:defRPr>
-            </a:pPr>
-          </a:p>
-          <a:p>
-            <a:pPr>
-              <a:spcAft>
-                <a:spcPts val="1000"/>
-              </a:spcAft>
-              <a:defRPr sz="1500">
-                <a:solidFill>
-                  <a:srgbClr val="34495E"/>
-                </a:solidFill>
-              </a:defRPr>
-            </a:pPr>
-            <a:r>
-              <a:t>🔄 Spread оператор для immutability</a:t>
-            </a:r>
-          </a:p>
-          <a:p>
-            <a:pPr>
-              <a:spcAft>
-                <a:spcPts val="1000"/>
-              </a:spcAft>
-              <a:defRPr sz="1500">
-                <a:solidFill>
-                  <a:srgbClr val="34495E"/>
-                </a:solidFill>
-              </a:defRPr>
-            </a:pPr>
-            <a:r>
-              <a:t>state.photos = [...state.photos, ...newPhotos]</a:t>
-            </a:r>
-          </a:p>
-          <a:p>
-            <a:pPr>
-              <a:spcAft>
-                <a:spcPts val="1000"/>
-              </a:spcAft>
-              <a:defRPr sz="1500">
-                <a:solidFill>
-                  <a:srgbClr val="34495E"/>
-                </a:solidFill>
-              </a:defRPr>
-            </a:pPr>
-            <a:r>
-              <a:t>→ Immutable підхід до роботи з даними</a:t>
-            </a:r>
-          </a:p>
-          <a:p>
-            <a:pPr>
-              <a:spcAft>
-                <a:spcPts val="1000"/>
-              </a:spcAft>
-              <a:defRPr sz="1500">
-                <a:solidFill>
-                  <a:srgbClr val="34495E"/>
-                </a:solidFill>
-              </a:defRPr>
-            </a:pPr>
-          </a:p>
-          <a:p>
-            <a:pPr>
-              <a:spcAft>
-                <a:spcPts val="1000"/>
-              </a:spcAft>
-              <a:defRPr sz="1500">
-                <a:solidFill>
-                  <a:srgbClr val="34495E"/>
-                </a:solidFill>
-              </a:defRPr>
-            </a:pPr>
-            <a:r>
-              <a:t>✨ Lazy loading зображень</a:t>
-            </a:r>
-          </a:p>
-          <a:p>
-            <a:pPr>
-              <a:spcAft>
-                <a:spcPts val="1000"/>
-              </a:spcAft>
-              <a:defRPr sz="1500">
-                <a:solidFill>
-                  <a:srgbClr val="34495E"/>
-                </a:solidFill>
-              </a:defRPr>
-            </a:pPr>
-            <a:r>
-              <a:t>&lt;img loading="lazy" /&gt;</a:t>
-            </a:r>
-          </a:p>
-          <a:p>
-            <a:pPr>
-              <a:spcAft>
-                <a:spcPts val="1000"/>
-              </a:spcAft>
-              <a:defRPr sz="1500">
-                <a:solidFill>
-                  <a:srgbClr val="34495E"/>
-                </a:solidFill>
-              </a:defRPr>
-            </a:pPr>
-            <a:r>
-              <a:t>→ Швидше завантаження сторінки</a:t>
-            </a:r>
+            <a:pPr algn="ctr">
+              <a:defRPr sz="1600">
+                <a:solidFill>
+                  <a:srgbClr val="34495E"/>
+                </a:solidFill>
+              </a:defRPr>
+            </a:pPr>
           </a:p>
         </p:txBody>
       </p:sp>
@@ -7130,7 +7791,7 @@
         <p:spPr>
           <a:xfrm>
             <a:off x="457200" y="274320"/>
-            <a:ext cx="8229600" cy="731520"/>
+            <a:ext cx="8229600" cy="640080"/>
           </a:xfrm>
           <a:prstGeom prst="rect">
             <a:avLst/>
@@ -7144,28 +7805,127 @@
           <a:lstStyle/>
           <a:p>
             <a:pPr>
-              <a:defRPr sz="4000" b="1">
-                <a:solidFill>
-                  <a:srgbClr val="34495E"/>
-                </a:solidFill>
-              </a:defRPr>
-            </a:pPr>
-            <a:r>
-              <a:t>Приклад коду: API запити</a:t>
-            </a:r>
-          </a:p>
-        </p:txBody>
-      </p:sp>
-      <p:sp>
-        <p:nvSpPr>
-          <p:cNvPr id="3" name="TextBox 2"/>
+              <a:defRPr sz="3600" b="1">
+                <a:solidFill>
+                  <a:srgbClr val="34495E"/>
+                </a:solidFill>
+              </a:defRPr>
+            </a:pPr>
+            <a:r>
+              <a:t>❤️ Система улюблених фотографій</a:t>
+            </a:r>
+          </a:p>
+        </p:txBody>
+      </p:sp>
+      <p:sp>
+        <p:nvSpPr>
+          <p:cNvPr id="3" name="Rectangle 2"/>
+          <p:cNvSpPr/>
+          <p:nvPr/>
+        </p:nvSpPr>
+        <p:spPr>
+          <a:xfrm>
+            <a:off x="457200" y="1097280"/>
+            <a:ext cx="8229600" cy="3657600"/>
+          </a:xfrm>
+          <a:prstGeom prst="rect">
+            <a:avLst/>
+          </a:prstGeom>
+          <a:solidFill>
+            <a:srgbClr val="ECF0F1"/>
+          </a:solidFill>
+          <a:ln w="25400">
+            <a:solidFill>
+              <a:srgbClr val="34495E"/>
+            </a:solidFill>
+          </a:ln>
+        </p:spPr>
+        <p:style>
+          <a:lnRef idx="1">
+            <a:schemeClr val="accent1"/>
+          </a:lnRef>
+          <a:fillRef idx="3">
+            <a:schemeClr val="accent1"/>
+          </a:fillRef>
+          <a:effectRef idx="2">
+            <a:schemeClr val="accent1"/>
+          </a:effectRef>
+          <a:fontRef idx="minor">
+            <a:schemeClr val="lt1"/>
+          </a:fontRef>
+        </p:style>
+        <p:txBody>
+          <a:bodyPr rtlCol="0" anchor="ctr"/>
+          <a:lstStyle/>
+          <a:p>
+            <a:pPr algn="ctr">
+              <a:defRPr sz="1800">
+                <a:solidFill>
+                  <a:srgbClr val="34495E"/>
+                </a:solidFill>
+              </a:defRPr>
+            </a:pPr>
+            <a:r>
+              <a:t>📷 СКРІНШОТ:</a:t>
+            </a:r>
+          </a:p>
+          <a:p>
+            <a:pPr algn="ctr">
+              <a:defRPr sz="1800">
+                <a:solidFill>
+                  <a:srgbClr val="34495E"/>
+                </a:solidFill>
+              </a:defRPr>
+            </a:pPr>
+          </a:p>
+          <a:p>
+            <a:pPr algn="ctr">
+              <a:defRPr sz="1800">
+                <a:solidFill>
+                  <a:srgbClr val="34495E"/>
+                </a:solidFill>
+              </a:defRPr>
+            </a:pPr>
+            <a:r>
+              <a:t>Вкладка "❤️ Улюблені (N)" зі збереженими фотографіями</a:t>
+            </a:r>
+          </a:p>
+          <a:p>
+            <a:pPr algn="ctr">
+              <a:defRPr sz="1800">
+                <a:solidFill>
+                  <a:srgbClr val="34495E"/>
+                </a:solidFill>
+              </a:defRPr>
+            </a:pPr>
+            <a:r>
+              <a:t>Кнопки улюбленого: 🤍 (не додано) та ❤️ (додано)</a:t>
+            </a:r>
+          </a:p>
+          <a:p>
+            <a:pPr algn="ctr">
+              <a:defRPr sz="1800">
+                <a:solidFill>
+                  <a:srgbClr val="34495E"/>
+                </a:solidFill>
+              </a:defRPr>
+            </a:pPr>
+            <a:r>
+              <a:t>Фільтр за мінімальною кількістю лайків</a:t>
+            </a:r>
+          </a:p>
+        </p:txBody>
+      </p:sp>
+      <p:sp>
+        <p:nvSpPr>
+          <p:cNvPr id="4" name="TextBox 3"/>
           <p:cNvSpPr txBox="1"/>
           <p:nvPr/>
         </p:nvSpPr>
         <p:spPr>
           <a:xfrm>
-            <a:off x="731520" y="1371600"/>
-            <a:ext cx="7772400" cy="5029200"/>
+            <a:off x="731520" y="4937760"/>
+            <a:ext cx="7772400" cy="1645920"/>
           </a:xfrm>
           <a:prstGeom prst="rect">
             <a:avLst/>
@@ -7178,261 +7938,13 @@
           </a:bodyPr>
           <a:lstStyle/>
           <a:p>
-            <a:pPr>
+            <a:pPr algn="ctr">
               <a:defRPr sz="1500">
                 <a:solidFill>
                   <a:srgbClr val="34495E"/>
                 </a:solidFill>
-                <a:latin typeface="Courier New"/>
-              </a:defRPr>
-            </a:pPr>
-            <a:r>
-              <a:t>export async function fetchPhotos(query, page) {</a:t>
-            </a:r>
-          </a:p>
-          <a:p>
-            <a:pPr>
-              <a:defRPr sz="1500">
-                <a:solidFill>
-                  <a:srgbClr val="34495E"/>
-                </a:solidFill>
-                <a:latin typeface="Courier New"/>
-              </a:defRPr>
-            </a:pPr>
-            <a:r>
-              <a:t>  try {</a:t>
-            </a:r>
-          </a:p>
-          <a:p>
-            <a:pPr>
-              <a:defRPr sz="1500">
-                <a:solidFill>
-                  <a:srgbClr val="34495E"/>
-                </a:solidFill>
-                <a:latin typeface="Courier New"/>
-              </a:defRPr>
-            </a:pPr>
-            <a:r>
-              <a:t>    const response = await axios.get(</a:t>
-            </a:r>
-          </a:p>
-          <a:p>
-            <a:pPr>
-              <a:defRPr sz="1500">
-                <a:solidFill>
-                  <a:srgbClr val="34495E"/>
-                </a:solidFill>
-                <a:latin typeface="Courier New"/>
-              </a:defRPr>
-            </a:pPr>
-            <a:r>
-              <a:t>      `${UNSPLASH_API_URL}/search/photos`,</a:t>
-            </a:r>
-          </a:p>
-          <a:p>
-            <a:pPr>
-              <a:defRPr sz="1500">
-                <a:solidFill>
-                  <a:srgbClr val="34495E"/>
-                </a:solidFill>
-                <a:latin typeface="Courier New"/>
-              </a:defRPr>
-            </a:pPr>
-            <a:r>
-              <a:t>      {</a:t>
-            </a:r>
-          </a:p>
-          <a:p>
-            <a:pPr>
-              <a:defRPr sz="1500">
-                <a:solidFill>
-                  <a:srgbClr val="34495E"/>
-                </a:solidFill>
-                <a:latin typeface="Courier New"/>
-              </a:defRPr>
-            </a:pPr>
-            <a:r>
-              <a:t>        params: {</a:t>
-            </a:r>
-          </a:p>
-          <a:p>
-            <a:pPr>
-              <a:defRPr sz="1500">
-                <a:solidFill>
-                  <a:srgbClr val="34495E"/>
-                </a:solidFill>
-                <a:latin typeface="Courier New"/>
-              </a:defRPr>
-            </a:pPr>
-            <a:r>
-              <a:t>          query: query,</a:t>
-            </a:r>
-          </a:p>
-          <a:p>
-            <a:pPr>
-              <a:defRPr sz="1500">
-                <a:solidFill>
-                  <a:srgbClr val="34495E"/>
-                </a:solidFill>
-                <a:latin typeface="Courier New"/>
-              </a:defRPr>
-            </a:pPr>
-            <a:r>
-              <a:t>          page: page,</a:t>
-            </a:r>
-          </a:p>
-          <a:p>
-            <a:pPr>
-              <a:defRPr sz="1500">
-                <a:solidFill>
-                  <a:srgbClr val="34495E"/>
-                </a:solidFill>
-                <a:latin typeface="Courier New"/>
-              </a:defRPr>
-            </a:pPr>
-            <a:r>
-              <a:t>          per_page: 12,</a:t>
-            </a:r>
-          </a:p>
-          <a:p>
-            <a:pPr>
-              <a:defRPr sz="1500">
-                <a:solidFill>
-                  <a:srgbClr val="34495E"/>
-                </a:solidFill>
-                <a:latin typeface="Courier New"/>
-              </a:defRPr>
-            </a:pPr>
-            <a:r>
-              <a:t>          client_id: UNSPLASH_ACCESS_KEY</a:t>
-            </a:r>
-          </a:p>
-          <a:p>
-            <a:pPr>
-              <a:defRPr sz="1500">
-                <a:solidFill>
-                  <a:srgbClr val="34495E"/>
-                </a:solidFill>
-                <a:latin typeface="Courier New"/>
-              </a:defRPr>
-            </a:pPr>
-            <a:r>
-              <a:t>        }</a:t>
-            </a:r>
-          </a:p>
-          <a:p>
-            <a:pPr>
-              <a:defRPr sz="1500">
-                <a:solidFill>
-                  <a:srgbClr val="34495E"/>
-                </a:solidFill>
-                <a:latin typeface="Courier New"/>
-              </a:defRPr>
-            </a:pPr>
-            <a:r>
-              <a:t>      }</a:t>
-            </a:r>
-          </a:p>
-          <a:p>
-            <a:pPr>
-              <a:defRPr sz="1500">
-                <a:solidFill>
-                  <a:srgbClr val="34495E"/>
-                </a:solidFill>
-                <a:latin typeface="Courier New"/>
-              </a:defRPr>
-            </a:pPr>
-            <a:r>
-              <a:t>    )</a:t>
-            </a:r>
-          </a:p>
-          <a:p>
-            <a:pPr>
-              <a:defRPr sz="1500">
-                <a:solidFill>
-                  <a:srgbClr val="34495E"/>
-                </a:solidFill>
-                <a:latin typeface="Courier New"/>
-              </a:defRPr>
-            </a:pPr>
-          </a:p>
-          <a:p>
-            <a:pPr>
-              <a:defRPr sz="1500">
-                <a:solidFill>
-                  <a:srgbClr val="34495E"/>
-                </a:solidFill>
-                <a:latin typeface="Courier New"/>
-              </a:defRPr>
-            </a:pPr>
-            <a:r>
-              <a:t>    return response.data.results</a:t>
-            </a:r>
-          </a:p>
-          <a:p>
-            <a:pPr>
-              <a:defRPr sz="1500">
-                <a:solidFill>
-                  <a:srgbClr val="34495E"/>
-                </a:solidFill>
-                <a:latin typeface="Courier New"/>
-              </a:defRPr>
-            </a:pPr>
-            <a:r>
-              <a:t>  } catch (error) {</a:t>
-            </a:r>
-          </a:p>
-          <a:p>
-            <a:pPr>
-              <a:defRPr sz="1500">
-                <a:solidFill>
-                  <a:srgbClr val="34495E"/>
-                </a:solidFill>
-                <a:latin typeface="Courier New"/>
-              </a:defRPr>
-            </a:pPr>
-            <a:r>
-              <a:t>    handleError(error)</a:t>
-            </a:r>
-          </a:p>
-          <a:p>
-            <a:pPr>
-              <a:defRPr sz="1500">
-                <a:solidFill>
-                  <a:srgbClr val="34495E"/>
-                </a:solidFill>
-                <a:latin typeface="Courier New"/>
-              </a:defRPr>
-            </a:pPr>
-            <a:r>
-              <a:t>    return []</a:t>
-            </a:r>
-          </a:p>
-          <a:p>
-            <a:pPr>
-              <a:defRPr sz="1500">
-                <a:solidFill>
-                  <a:srgbClr val="34495E"/>
-                </a:solidFill>
-                <a:latin typeface="Courier New"/>
-              </a:defRPr>
-            </a:pPr>
-            <a:r>
-              <a:t>  }</a:t>
-            </a:r>
-          </a:p>
-          <a:p>
-            <a:pPr>
-              <a:defRPr sz="1500">
-                <a:solidFill>
-                  <a:srgbClr val="34495E"/>
-                </a:solidFill>
-                <a:latin typeface="Courier New"/>
-              </a:defRPr>
-            </a:pPr>
-            <a:r>
-              <a:t>}</a:t>
-            </a:r>
+              </a:defRPr>
+            </a:pPr>
           </a:p>
         </p:txBody>
       </p:sp>
